--- a/0419-tth-class-content/08-api-project/8.1/UT-API_Project_Week_1.pptx
+++ b/0419-tth-class-content/08-api-project/8.1/UT-API_Project_Week_1.pptx
@@ -8,44 +8,49 @@
     <p:sldMasterId id="2147483665" r:id="rId4"/>
   </p:sldMasterIdLst>
   <p:notesMasterIdLst>
-    <p:notesMasterId r:id="rId37"/>
+    <p:notesMasterId r:id="rId42"/>
   </p:notesMasterIdLst>
   <p:handoutMasterIdLst>
-    <p:handoutMasterId r:id="rId38"/>
+    <p:handoutMasterId r:id="rId43"/>
   </p:handoutMasterIdLst>
   <p:sldIdLst>
     <p:sldId id="265" r:id="rId5"/>
-    <p:sldId id="616" r:id="rId6"/>
-    <p:sldId id="753" r:id="rId7"/>
-    <p:sldId id="756" r:id="rId8"/>
-    <p:sldId id="759" r:id="rId9"/>
-    <p:sldId id="757" r:id="rId10"/>
-    <p:sldId id="755" r:id="rId11"/>
-    <p:sldId id="754" r:id="rId12"/>
-    <p:sldId id="784" r:id="rId13"/>
-    <p:sldId id="760" r:id="rId14"/>
-    <p:sldId id="761" r:id="rId15"/>
-    <p:sldId id="762" r:id="rId16"/>
-    <p:sldId id="778" r:id="rId17"/>
-    <p:sldId id="785" r:id="rId18"/>
-    <p:sldId id="764" r:id="rId19"/>
-    <p:sldId id="765" r:id="rId20"/>
-    <p:sldId id="786" r:id="rId21"/>
-    <p:sldId id="767" r:id="rId22"/>
-    <p:sldId id="768" r:id="rId23"/>
-    <p:sldId id="787" r:id="rId24"/>
-    <p:sldId id="776" r:id="rId25"/>
-    <p:sldId id="777" r:id="rId26"/>
-    <p:sldId id="780" r:id="rId27"/>
-    <p:sldId id="779" r:id="rId28"/>
-    <p:sldId id="788" r:id="rId29"/>
-    <p:sldId id="774" r:id="rId30"/>
-    <p:sldId id="771" r:id="rId31"/>
-    <p:sldId id="772" r:id="rId32"/>
-    <p:sldId id="775" r:id="rId33"/>
-    <p:sldId id="789" r:id="rId34"/>
-    <p:sldId id="783" r:id="rId35"/>
-    <p:sldId id="790" r:id="rId36"/>
+    <p:sldId id="753" r:id="rId6"/>
+    <p:sldId id="791" r:id="rId7"/>
+    <p:sldId id="792" r:id="rId8"/>
+    <p:sldId id="793" r:id="rId9"/>
+    <p:sldId id="755" r:id="rId10"/>
+    <p:sldId id="794" r:id="rId11"/>
+    <p:sldId id="616" r:id="rId12"/>
+    <p:sldId id="795" r:id="rId13"/>
+    <p:sldId id="756" r:id="rId14"/>
+    <p:sldId id="759" r:id="rId15"/>
+    <p:sldId id="757" r:id="rId16"/>
+    <p:sldId id="754" r:id="rId17"/>
+    <p:sldId id="784" r:id="rId18"/>
+    <p:sldId id="760" r:id="rId19"/>
+    <p:sldId id="761" r:id="rId20"/>
+    <p:sldId id="762" r:id="rId21"/>
+    <p:sldId id="778" r:id="rId22"/>
+    <p:sldId id="785" r:id="rId23"/>
+    <p:sldId id="764" r:id="rId24"/>
+    <p:sldId id="765" r:id="rId25"/>
+    <p:sldId id="786" r:id="rId26"/>
+    <p:sldId id="767" r:id="rId27"/>
+    <p:sldId id="768" r:id="rId28"/>
+    <p:sldId id="787" r:id="rId29"/>
+    <p:sldId id="776" r:id="rId30"/>
+    <p:sldId id="777" r:id="rId31"/>
+    <p:sldId id="780" r:id="rId32"/>
+    <p:sldId id="779" r:id="rId33"/>
+    <p:sldId id="788" r:id="rId34"/>
+    <p:sldId id="774" r:id="rId35"/>
+    <p:sldId id="771" r:id="rId36"/>
+    <p:sldId id="772" r:id="rId37"/>
+    <p:sldId id="775" r:id="rId38"/>
+    <p:sldId id="789" r:id="rId39"/>
+    <p:sldId id="783" r:id="rId40"/>
+    <p:sldId id="790" r:id="rId41"/>
   </p:sldIdLst>
   <p:sldSz cx="9144000" cy="6858000" type="screen4x3"/>
   <p:notesSz cx="7315200" cy="9601200"/>
@@ -248,7 +253,7 @@
           <a:p>
             <a:fld id="{51A969EA-8566-418D-AC96-BC5F6E9FAB6C}" type="datetimeFigureOut">
               <a:rPr lang="en-US" smtClean="0"/>
-              <a:t>6/7/16</a:t>
+              <a:t>6/11/16</a:t>
             </a:fld>
             <a:endParaRPr lang="en-US"/>
           </a:p>
@@ -413,7 +418,7 @@
           <a:p>
             <a:fld id="{33B07B4B-74D8-4C42-A719-1F93879497F8}" type="datetimeFigureOut">
               <a:rPr lang="en-US" smtClean="0"/>
-              <a:t>6/7/16</a:t>
+              <a:t>6/11/16</a:t>
             </a:fld>
             <a:endParaRPr lang="en-US"/>
           </a:p>
@@ -836,7 +841,7 @@
           <a:p>
             <a:fld id="{F4EE911A-504C-45E1-9DD1-A7318D673F80}" type="slidenum">
               <a:rPr lang="en-US" smtClean="0"/>
-              <a:t>2</a:t>
+              <a:t>6</a:t>
             </a:fld>
             <a:endParaRPr lang="en-US"/>
           </a:p>
@@ -845,7 +850,7 @@
     </p:spTree>
     <p:extLst>
       <p:ext uri="{BB962C8B-B14F-4D97-AF65-F5344CB8AC3E}">
-        <p14:creationId xmlns:p14="http://schemas.microsoft.com/office/powerpoint/2010/main" val="419177367"/>
+        <p14:creationId xmlns:p14="http://schemas.microsoft.com/office/powerpoint/2010/main" val="3301341014"/>
       </p:ext>
     </p:extLst>
   </p:cSld>
@@ -923,7 +928,7 @@
           <a:p>
             <a:fld id="{F4EE911A-504C-45E1-9DD1-A7318D673F80}" type="slidenum">
               <a:rPr lang="en-US" smtClean="0"/>
-              <a:t>7</a:t>
+              <a:t>8</a:t>
             </a:fld>
             <a:endParaRPr lang="en-US"/>
           </a:p>
@@ -932,7 +937,7 @@
     </p:spTree>
     <p:extLst>
       <p:ext uri="{BB962C8B-B14F-4D97-AF65-F5344CB8AC3E}">
-        <p14:creationId xmlns:p14="http://schemas.microsoft.com/office/powerpoint/2010/main" val="3301341014"/>
+        <p14:creationId xmlns:p14="http://schemas.microsoft.com/office/powerpoint/2010/main" val="419177367"/>
       </p:ext>
     </p:extLst>
   </p:cSld>
@@ -2638,7 +2643,7 @@
           <a:p>
             <a:fld id="{06F2DAE4-C87D-464C-8529-C68309DD1CFC}" type="datetimeFigureOut">
               <a:rPr lang="en-US" smtClean="0"/>
-              <a:t>6/7/16</a:t>
+              <a:t>6/11/16</a:t>
             </a:fld>
             <a:endParaRPr lang="en-US"/>
           </a:p>
@@ -3904,7 +3909,7 @@
           <a:p>
             <a:fld id="{06F2DAE4-C87D-464C-8529-C68309DD1CFC}" type="datetimeFigureOut">
               <a:rPr lang="en-US" smtClean="0"/>
-              <a:t>6/7/16</a:t>
+              <a:t>6/11/16</a:t>
             </a:fld>
             <a:endParaRPr lang="en-US"/>
           </a:p>
@@ -5925,7 +5930,7 @@
           <a:p>
             <a:fld id="{06F2DAE4-C87D-464C-8529-C68309DD1CFC}" type="datetimeFigureOut">
               <a:rPr lang="en-US" smtClean="0"/>
-              <a:t>6/7/16</a:t>
+              <a:t>6/11/16</a:t>
             </a:fld>
             <a:endParaRPr lang="en-US"/>
           </a:p>
@@ -6157,7 +6162,7 @@
           <a:p>
             <a:fld id="{06F2DAE4-C87D-464C-8529-C68309DD1CFC}" type="datetimeFigureOut">
               <a:rPr lang="en-US" smtClean="0"/>
-              <a:t>6/7/16</a:t>
+              <a:t>6/11/16</a:t>
             </a:fld>
             <a:endParaRPr lang="en-US"/>
           </a:p>
@@ -6679,7 +6684,7 @@
           <a:p>
             <a:fld id="{B65C9255-9F07-4181-9AD2-897FFC0A3B7E}" type="datetimeFigureOut">
               <a:rPr lang="en-US" smtClean="0"/>
-              <a:t>6/7/16</a:t>
+              <a:t>6/11/16</a:t>
             </a:fld>
             <a:endParaRPr lang="en-US"/>
           </a:p>
@@ -7220,7 +7225,7 @@
           <a:p>
             <a:fld id="{B65C9255-9F07-4181-9AD2-897FFC0A3B7E}" type="datetimeFigureOut">
               <a:rPr lang="en-US" smtClean="0"/>
-              <a:t>6/7/16</a:t>
+              <a:t>6/11/16</a:t>
             </a:fld>
             <a:endParaRPr lang="en-US"/>
           </a:p>
@@ -7761,7 +7766,7 @@
           <a:p>
             <a:fld id="{B65C9255-9F07-4181-9AD2-897FFC0A3B7E}" type="datetimeFigureOut">
               <a:rPr lang="en-US" smtClean="0"/>
-              <a:t>6/7/16</a:t>
+              <a:t>6/11/16</a:t>
             </a:fld>
             <a:endParaRPr lang="en-US"/>
           </a:p>
@@ -8190,8 +8195,8 @@
           <a:lstStyle/>
           <a:p>
             <a:r>
-              <a:rPr lang="en-US" sz="3800" dirty="0" smtClean="0"/>
-              <a:t>Game Time: Project Week</a:t>
+              <a:rPr lang="en-US" sz="3800" i="1" dirty="0" smtClean="0"/>
+              <a:t>Project Week and a Lookback</a:t>
             </a:r>
             <a:endParaRPr lang="en-US" sz="3800" i="1" dirty="0"/>
           </a:p>
@@ -8214,11 +8219,7 @@
           <a:p>
             <a:r>
               <a:rPr lang="en-US" dirty="0" smtClean="0"/>
-              <a:t>June</a:t>
-            </a:r>
-            <a:r>
-              <a:rPr lang="en-US" dirty="0" smtClean="0"/>
-              <a:t> 7, </a:t>
+              <a:t>June 11, </a:t>
             </a:r>
             <a:r>
               <a:rPr lang="en-US" dirty="0" smtClean="0"/>
@@ -8245,7 +8246,11 @@
           <a:p>
             <a:r>
               <a:rPr lang="en-US" dirty="0" smtClean="0"/>
-              <a:t>Day 24</a:t>
+              <a:t>Day </a:t>
+            </a:r>
+            <a:r>
+              <a:rPr lang="en-US" dirty="0" smtClean="0"/>
+              <a:t>26</a:t>
             </a:r>
             <a:endParaRPr lang="en-US" dirty="0"/>
           </a:p>
@@ -8302,49 +8307,39 @@
       </p:grpSpPr>
       <p:sp>
         <p:nvSpPr>
-          <p:cNvPr id="9" name="Rectangle 8"/>
-          <p:cNvSpPr/>
+          <p:cNvPr id="2" name="Title 1"/>
+          <p:cNvSpPr>
+            <a:spLocks noGrp="1"/>
+          </p:cNvSpPr>
+          <p:nvPr>
+            <p:ph type="title"/>
+          </p:nvPr>
+        </p:nvSpPr>
+        <p:spPr/>
+        <p:txBody>
+          <a:bodyPr>
+            <a:normAutofit fontScale="90000"/>
+          </a:bodyPr>
+          <a:lstStyle/>
+          <a:p>
+            <a:r>
+              <a:rPr lang="en-US" dirty="0" smtClean="0"/>
+              <a:t>How to Ask Questions starting June 20</a:t>
+            </a:r>
+            <a:endParaRPr lang="en-US" dirty="0"/>
+          </a:p>
+        </p:txBody>
+      </p:sp>
+      <p:sp>
+        <p:nvSpPr>
+          <p:cNvPr id="6" name="TextBox 5"/>
+          <p:cNvSpPr txBox="1"/>
           <p:nvPr/>
         </p:nvSpPr>
         <p:spPr>
           <a:xfrm>
-            <a:off x="304800" y="98052"/>
-            <a:ext cx="6781800" cy="461665"/>
-          </a:xfrm>
-          <a:prstGeom prst="rect">
-            <a:avLst/>
-          </a:prstGeom>
-        </p:spPr>
-        <p:txBody>
-          <a:bodyPr wrap="square">
-            <a:spAutoFit/>
-          </a:bodyPr>
-          <a:lstStyle/>
-          <a:p>
-            <a:r>
-              <a:rPr lang="en-US" sz="2400" b="1" dirty="0" smtClean="0">
-                <a:latin typeface="Arial" panose="020B0604020202020204" pitchFamily="34" charset="0"/>
-                <a:cs typeface="Arial" panose="020B0604020202020204" pitchFamily="34" charset="0"/>
-              </a:rPr>
-              <a:t>Coding Requirements</a:t>
-            </a:r>
-            <a:endParaRPr lang="en-US" sz="2400" b="1" dirty="0">
-              <a:latin typeface="Arial" panose="020B0604020202020204" pitchFamily="34" charset="0"/>
-              <a:cs typeface="Arial" panose="020B0604020202020204" pitchFamily="34" charset="0"/>
-            </a:endParaRPr>
-          </a:p>
-        </p:txBody>
-      </p:sp>
-      <p:sp>
-        <p:nvSpPr>
-          <p:cNvPr id="10" name="TextBox 9"/>
-          <p:cNvSpPr txBox="1"/>
-          <p:nvPr/>
-        </p:nvSpPr>
-        <p:spPr>
-          <a:xfrm>
-            <a:off x="304799" y="762000"/>
-            <a:ext cx="8730343" cy="5632311"/>
+            <a:off x="304800" y="914400"/>
+            <a:ext cx="8610600" cy="1708160"/>
           </a:xfrm>
           <a:prstGeom prst="rect">
             <a:avLst/>
@@ -8357,41 +8352,53 @@
           </a:bodyPr>
           <a:lstStyle/>
           <a:p>
+            <a:r>
+              <a:rPr lang="en-US" sz="2100" b="1" u="sng" dirty="0" smtClean="0">
+                <a:latin typeface="Arial" panose="020B0604020202020204" pitchFamily="34" charset="0"/>
+                <a:ea typeface="Roboto" pitchFamily="2" charset="0"/>
+                <a:cs typeface="Arial" panose="020B0604020202020204" pitchFamily="34" charset="0"/>
+              </a:rPr>
+              <a:t>Procedure:</a:t>
+            </a:r>
+            <a:endParaRPr lang="en-US" sz="2100" b="1" u="sng" dirty="0">
+              <a:latin typeface="Arial" panose="020B0604020202020204" pitchFamily="34" charset="0"/>
+              <a:ea typeface="Roboto" pitchFamily="2" charset="0"/>
+              <a:cs typeface="Arial" panose="020B0604020202020204" pitchFamily="34" charset="0"/>
+            </a:endParaRPr>
+          </a:p>
+          <a:p>
             <a:pPr marL="342900" indent="-342900">
               <a:buFont typeface="Arial" panose="020B0604020202020204" pitchFamily="34" charset="0"/>
               <a:buChar char="•"/>
             </a:pPr>
             <a:r>
-              <a:rPr lang="en-US" b="1" dirty="0" smtClean="0">
+              <a:rPr lang="en-US" sz="2100" dirty="0" smtClean="0">
                 <a:latin typeface="Arial" panose="020B0604020202020204" pitchFamily="34" charset="0"/>
                 <a:ea typeface="Roboto" pitchFamily="2" charset="0"/>
                 <a:cs typeface="Arial" panose="020B0604020202020204" pitchFamily="34" charset="0"/>
               </a:rPr>
-              <a:t>Must uses </a:t>
-            </a:r>
-            <a:r>
-              <a:rPr lang="en-US" b="1" dirty="0">
-                <a:latin typeface="Arial" panose="020B0604020202020204" pitchFamily="34" charset="0"/>
-                <a:ea typeface="Roboto" pitchFamily="2" charset="0"/>
-                <a:cs typeface="Arial" panose="020B0604020202020204" pitchFamily="34" charset="0"/>
-              </a:rPr>
-              <a:t>at least </a:t>
-            </a:r>
-            <a:r>
-              <a:rPr lang="en-US" b="1" u="sng" dirty="0">
-                <a:latin typeface="Arial" panose="020B0604020202020204" pitchFamily="34" charset="0"/>
-                <a:ea typeface="Roboto" pitchFamily="2" charset="0"/>
-                <a:cs typeface="Arial" panose="020B0604020202020204" pitchFamily="34" charset="0"/>
-              </a:rPr>
-              <a:t>two APIs</a:t>
-            </a:r>
+              <a:t>Talk to your Code Companion</a:t>
+            </a:r>
+            <a:endParaRPr lang="en-US" sz="2100" dirty="0" smtClean="0">
+              <a:latin typeface="Arial" panose="020B0604020202020204" pitchFamily="34" charset="0"/>
+              <a:ea typeface="Roboto" pitchFamily="2" charset="0"/>
+              <a:cs typeface="Arial" panose="020B0604020202020204" pitchFamily="34" charset="0"/>
+            </a:endParaRPr>
           </a:p>
           <a:p>
             <a:pPr marL="342900" indent="-342900">
               <a:buFont typeface="Arial" panose="020B0604020202020204" pitchFamily="34" charset="0"/>
               <a:buChar char="•"/>
             </a:pPr>
-            <a:endParaRPr lang="en-US" b="1" dirty="0" smtClean="0">
+            <a:r>
+              <a:rPr lang="en-US" sz="2100" dirty="0" smtClean="0">
+                <a:latin typeface="Arial" panose="020B0604020202020204" pitchFamily="34" charset="0"/>
+                <a:ea typeface="Roboto" pitchFamily="2" charset="0"/>
+                <a:cs typeface="Arial" panose="020B0604020202020204" pitchFamily="34" charset="0"/>
+              </a:rPr>
+              <a:t>Ask Google/Stack Overflow</a:t>
+            </a:r>
+            <a:endParaRPr lang="en-US" sz="2100" dirty="0" smtClean="0">
               <a:latin typeface="Arial" panose="020B0604020202020204" pitchFamily="34" charset="0"/>
               <a:ea typeface="Roboto" pitchFamily="2" charset="0"/>
               <a:cs typeface="Arial" panose="020B0604020202020204" pitchFamily="34" charset="0"/>
@@ -8403,376 +8410,44 @@
               <a:buChar char="•"/>
             </a:pPr>
             <a:r>
-              <a:rPr lang="en-US" b="1" dirty="0" smtClean="0">
+              <a:rPr lang="en-US" sz="2100" dirty="0" smtClean="0">
                 <a:latin typeface="Arial" panose="020B0604020202020204" pitchFamily="34" charset="0"/>
                 <a:ea typeface="Roboto" pitchFamily="2" charset="0"/>
                 <a:cs typeface="Arial" panose="020B0604020202020204" pitchFamily="34" charset="0"/>
               </a:rPr>
-              <a:t>Must use </a:t>
-            </a:r>
-            <a:r>
-              <a:rPr lang="en-US" b="1" u="sng" dirty="0" smtClean="0">
-                <a:latin typeface="Arial" panose="020B0604020202020204" pitchFamily="34" charset="0"/>
-                <a:ea typeface="Roboto" pitchFamily="2" charset="0"/>
-                <a:cs typeface="Arial" panose="020B0604020202020204" pitchFamily="34" charset="0"/>
-              </a:rPr>
-              <a:t>AJAX to pull data</a:t>
-            </a:r>
+              <a:t>Ask each other (your classmates)</a:t>
+            </a:r>
+            <a:endParaRPr lang="en-US" sz="2100" dirty="0" smtClean="0">
+              <a:latin typeface="Arial" panose="020B0604020202020204" pitchFamily="34" charset="0"/>
+              <a:ea typeface="Roboto" pitchFamily="2" charset="0"/>
+              <a:cs typeface="Arial" panose="020B0604020202020204" pitchFamily="34" charset="0"/>
+            </a:endParaRPr>
           </a:p>
           <a:p>
             <a:pPr marL="342900" indent="-342900">
               <a:buFont typeface="Arial" panose="020B0604020202020204" pitchFamily="34" charset="0"/>
               <a:buChar char="•"/>
             </a:pPr>
-            <a:endParaRPr lang="en-US" b="1" u="sng" dirty="0">
+            <a:r>
+              <a:rPr lang="en-US" sz="2100" dirty="0" smtClean="0">
+                <a:latin typeface="Arial" panose="020B0604020202020204" pitchFamily="34" charset="0"/>
+                <a:ea typeface="Roboto" pitchFamily="2" charset="0"/>
+                <a:cs typeface="Arial" panose="020B0604020202020204" pitchFamily="34" charset="0"/>
+              </a:rPr>
+              <a:t>Ask an academic staff member</a:t>
+            </a:r>
+            <a:endParaRPr lang="en-US" sz="2100" dirty="0" smtClean="0">
               <a:latin typeface="Arial" panose="020B0604020202020204" pitchFamily="34" charset="0"/>
               <a:ea typeface="Roboto" pitchFamily="2" charset="0"/>
               <a:cs typeface="Arial" panose="020B0604020202020204" pitchFamily="34" charset="0"/>
             </a:endParaRPr>
           </a:p>
-          <a:p>
-            <a:pPr marL="342900" indent="-342900">
-              <a:buFont typeface="Arial" panose="020B0604020202020204" pitchFamily="34" charset="0"/>
-              <a:buChar char="•"/>
-            </a:pPr>
-            <a:r>
-              <a:rPr lang="en-US" b="1" dirty="0" smtClean="0">
-                <a:latin typeface="Arial" panose="020B0604020202020204" pitchFamily="34" charset="0"/>
-                <a:ea typeface="Roboto" pitchFamily="2" charset="0"/>
-                <a:cs typeface="Arial" panose="020B0604020202020204" pitchFamily="34" charset="0"/>
-              </a:rPr>
-              <a:t>Must utilize at least one </a:t>
-            </a:r>
-            <a:r>
-              <a:rPr lang="en-US" b="1" u="sng" dirty="0" smtClean="0">
-                <a:latin typeface="Arial" panose="020B0604020202020204" pitchFamily="34" charset="0"/>
-                <a:ea typeface="Roboto" pitchFamily="2" charset="0"/>
-                <a:cs typeface="Arial" panose="020B0604020202020204" pitchFamily="34" charset="0"/>
-              </a:rPr>
-              <a:t>new library or technology</a:t>
-            </a:r>
-            <a:r>
-              <a:rPr lang="en-US" b="1" dirty="0" smtClean="0">
-                <a:latin typeface="Arial" panose="020B0604020202020204" pitchFamily="34" charset="0"/>
-                <a:ea typeface="Roboto" pitchFamily="2" charset="0"/>
-                <a:cs typeface="Arial" panose="020B0604020202020204" pitchFamily="34" charset="0"/>
-              </a:rPr>
-              <a:t> that we haven’t discussed</a:t>
-            </a:r>
-          </a:p>
-          <a:p>
-            <a:pPr marL="342900" indent="-342900">
-              <a:buFont typeface="Arial" panose="020B0604020202020204" pitchFamily="34" charset="0"/>
-              <a:buChar char="•"/>
-            </a:pPr>
-            <a:endParaRPr lang="en-US" b="1" dirty="0">
-              <a:latin typeface="Arial" panose="020B0604020202020204" pitchFamily="34" charset="0"/>
-              <a:ea typeface="Roboto" pitchFamily="2" charset="0"/>
-              <a:cs typeface="Arial" panose="020B0604020202020204" pitchFamily="34" charset="0"/>
-            </a:endParaRPr>
-          </a:p>
-          <a:p>
-            <a:pPr marL="342900" indent="-342900">
-              <a:buFont typeface="Arial" panose="020B0604020202020204" pitchFamily="34" charset="0"/>
-              <a:buChar char="•"/>
-            </a:pPr>
-            <a:r>
-              <a:rPr lang="en-US" b="1" dirty="0" smtClean="0">
-                <a:latin typeface="Arial" panose="020B0604020202020204" pitchFamily="34" charset="0"/>
-                <a:ea typeface="Roboto" pitchFamily="2" charset="0"/>
-                <a:cs typeface="Arial" panose="020B0604020202020204" pitchFamily="34" charset="0"/>
-              </a:rPr>
-              <a:t>Must have a </a:t>
-            </a:r>
-            <a:r>
-              <a:rPr lang="en-US" b="1" u="sng" dirty="0" smtClean="0">
-                <a:latin typeface="Arial" panose="020B0604020202020204" pitchFamily="34" charset="0"/>
-                <a:ea typeface="Roboto" pitchFamily="2" charset="0"/>
-                <a:cs typeface="Arial" panose="020B0604020202020204" pitchFamily="34" charset="0"/>
-              </a:rPr>
-              <a:t>polished frontend / UI</a:t>
-            </a:r>
-            <a:r>
-              <a:rPr lang="en-US" b="1" dirty="0" smtClean="0">
-                <a:latin typeface="Arial" panose="020B0604020202020204" pitchFamily="34" charset="0"/>
-                <a:ea typeface="Roboto" pitchFamily="2" charset="0"/>
-                <a:cs typeface="Arial" panose="020B0604020202020204" pitchFamily="34" charset="0"/>
-              </a:rPr>
-              <a:t> </a:t>
-            </a:r>
-          </a:p>
-          <a:p>
-            <a:pPr marL="342900" indent="-342900">
-              <a:buFont typeface="Arial" panose="020B0604020202020204" pitchFamily="34" charset="0"/>
-              <a:buChar char="•"/>
-            </a:pPr>
-            <a:endParaRPr lang="en-US" b="1" dirty="0">
-              <a:latin typeface="Arial" panose="020B0604020202020204" pitchFamily="34" charset="0"/>
-              <a:ea typeface="Roboto" pitchFamily="2" charset="0"/>
-              <a:cs typeface="Arial" panose="020B0604020202020204" pitchFamily="34" charset="0"/>
-            </a:endParaRPr>
-          </a:p>
-          <a:p>
-            <a:pPr marL="342900" indent="-342900">
-              <a:buFont typeface="Arial" panose="020B0604020202020204" pitchFamily="34" charset="0"/>
-              <a:buChar char="•"/>
-            </a:pPr>
-            <a:r>
-              <a:rPr lang="en-US" b="1" dirty="0" smtClean="0">
-                <a:latin typeface="Arial" panose="020B0604020202020204" pitchFamily="34" charset="0"/>
-                <a:ea typeface="Roboto" pitchFamily="2" charset="0"/>
-                <a:cs typeface="Arial" panose="020B0604020202020204" pitchFamily="34" charset="0"/>
-              </a:rPr>
-              <a:t>Must meet </a:t>
-            </a:r>
-            <a:r>
-              <a:rPr lang="en-US" b="1" u="sng" dirty="0" smtClean="0">
-                <a:latin typeface="Arial" panose="020B0604020202020204" pitchFamily="34" charset="0"/>
-                <a:ea typeface="Roboto" pitchFamily="2" charset="0"/>
-                <a:cs typeface="Arial" panose="020B0604020202020204" pitchFamily="34" charset="0"/>
-              </a:rPr>
-              <a:t>good quality coding standards</a:t>
-            </a:r>
-            <a:r>
-              <a:rPr lang="en-US" b="1" dirty="0" smtClean="0">
-                <a:latin typeface="Arial" panose="020B0604020202020204" pitchFamily="34" charset="0"/>
-                <a:ea typeface="Roboto" pitchFamily="2" charset="0"/>
-                <a:cs typeface="Arial" panose="020B0604020202020204" pitchFamily="34" charset="0"/>
-              </a:rPr>
-              <a:t> (indentation, scoping, naming)</a:t>
-            </a:r>
-          </a:p>
-          <a:p>
-            <a:pPr marL="342900" indent="-342900">
-              <a:buFont typeface="Arial" panose="020B0604020202020204" pitchFamily="34" charset="0"/>
-              <a:buChar char="•"/>
-            </a:pPr>
-            <a:endParaRPr lang="en-US" b="1" dirty="0">
-              <a:latin typeface="Arial" panose="020B0604020202020204" pitchFamily="34" charset="0"/>
-              <a:ea typeface="Roboto" pitchFamily="2" charset="0"/>
-              <a:cs typeface="Arial" panose="020B0604020202020204" pitchFamily="34" charset="0"/>
-            </a:endParaRPr>
-          </a:p>
-          <a:p>
-            <a:pPr marL="342900" indent="-342900">
-              <a:buFont typeface="Arial" panose="020B0604020202020204" pitchFamily="34" charset="0"/>
-              <a:buChar char="•"/>
-            </a:pPr>
-            <a:r>
-              <a:rPr lang="en-US" b="1" dirty="0" smtClean="0">
-                <a:latin typeface="Arial" panose="020B0604020202020204" pitchFamily="34" charset="0"/>
-                <a:ea typeface="Roboto" pitchFamily="2" charset="0"/>
-                <a:cs typeface="Arial" panose="020B0604020202020204" pitchFamily="34" charset="0"/>
-              </a:rPr>
-              <a:t>Must </a:t>
-            </a:r>
-            <a:r>
-              <a:rPr lang="en-US" b="1" u="sng" dirty="0" smtClean="0">
-                <a:latin typeface="Arial" panose="020B0604020202020204" pitchFamily="34" charset="0"/>
-                <a:ea typeface="Roboto" pitchFamily="2" charset="0"/>
-                <a:cs typeface="Arial" panose="020B0604020202020204" pitchFamily="34" charset="0"/>
-              </a:rPr>
-              <a:t>NOT use alerts, confirms, or prompts</a:t>
-            </a:r>
-            <a:r>
-              <a:rPr lang="en-US" b="1" dirty="0" smtClean="0">
-                <a:latin typeface="Arial" panose="020B0604020202020204" pitchFamily="34" charset="0"/>
-                <a:ea typeface="Roboto" pitchFamily="2" charset="0"/>
-                <a:cs typeface="Arial" panose="020B0604020202020204" pitchFamily="34" charset="0"/>
-              </a:rPr>
-              <a:t> (look into </a:t>
-            </a:r>
-            <a:r>
-              <a:rPr lang="en-US" b="1" i="1" dirty="0" smtClean="0">
-                <a:latin typeface="Arial" panose="020B0604020202020204" pitchFamily="34" charset="0"/>
-                <a:ea typeface="Roboto" pitchFamily="2" charset="0"/>
-                <a:cs typeface="Arial" panose="020B0604020202020204" pitchFamily="34" charset="0"/>
-              </a:rPr>
-              <a:t>modals!)</a:t>
-            </a:r>
-          </a:p>
-          <a:p>
-            <a:endParaRPr lang="en-US" b="1" dirty="0">
-              <a:latin typeface="Arial" panose="020B0604020202020204" pitchFamily="34" charset="0"/>
-              <a:ea typeface="Roboto" pitchFamily="2" charset="0"/>
-              <a:cs typeface="Arial" panose="020B0604020202020204" pitchFamily="34" charset="0"/>
-            </a:endParaRPr>
-          </a:p>
-          <a:p>
-            <a:pPr marL="342900" indent="-342900">
-              <a:buFont typeface="Arial" panose="020B0604020202020204" pitchFamily="34" charset="0"/>
-              <a:buChar char="•"/>
-            </a:pPr>
-            <a:r>
-              <a:rPr lang="en-US" b="1" dirty="0" smtClean="0">
-                <a:latin typeface="Arial" panose="020B0604020202020204" pitchFamily="34" charset="0"/>
-                <a:ea typeface="Roboto" pitchFamily="2" charset="0"/>
-                <a:cs typeface="Arial" panose="020B0604020202020204" pitchFamily="34" charset="0"/>
-              </a:rPr>
-              <a:t>Must have some sort of </a:t>
-            </a:r>
-            <a:r>
-              <a:rPr lang="en-US" b="1" u="sng" dirty="0" smtClean="0">
-                <a:latin typeface="Arial" panose="020B0604020202020204" pitchFamily="34" charset="0"/>
-                <a:ea typeface="Roboto" pitchFamily="2" charset="0"/>
-                <a:cs typeface="Arial" panose="020B0604020202020204" pitchFamily="34" charset="0"/>
-              </a:rPr>
-              <a:t>repeating element</a:t>
-            </a:r>
-            <a:r>
-              <a:rPr lang="en-US" b="1" dirty="0" smtClean="0">
-                <a:latin typeface="Arial" panose="020B0604020202020204" pitchFamily="34" charset="0"/>
-                <a:ea typeface="Roboto" pitchFamily="2" charset="0"/>
-                <a:cs typeface="Arial" panose="020B0604020202020204" pitchFamily="34" charset="0"/>
-              </a:rPr>
-              <a:t> (table, columns, </a:t>
-            </a:r>
-            <a:r>
-              <a:rPr lang="en-US" b="1" dirty="0" err="1" smtClean="0">
-                <a:latin typeface="Arial" panose="020B0604020202020204" pitchFamily="34" charset="0"/>
-                <a:ea typeface="Roboto" pitchFamily="2" charset="0"/>
-                <a:cs typeface="Arial" panose="020B0604020202020204" pitchFamily="34" charset="0"/>
-              </a:rPr>
-              <a:t>etc</a:t>
-            </a:r>
-            <a:r>
-              <a:rPr lang="en-US" b="1" dirty="0" smtClean="0">
-                <a:latin typeface="Arial" panose="020B0604020202020204" pitchFamily="34" charset="0"/>
-                <a:ea typeface="Roboto" pitchFamily="2" charset="0"/>
-                <a:cs typeface="Arial" panose="020B0604020202020204" pitchFamily="34" charset="0"/>
-              </a:rPr>
-              <a:t>)</a:t>
-            </a:r>
-          </a:p>
-          <a:p>
-            <a:pPr marL="342900" indent="-342900">
-              <a:buFont typeface="Arial" panose="020B0604020202020204" pitchFamily="34" charset="0"/>
-              <a:buChar char="•"/>
-            </a:pPr>
-            <a:endParaRPr lang="en-US" b="1" dirty="0">
-              <a:latin typeface="Arial" panose="020B0604020202020204" pitchFamily="34" charset="0"/>
-              <a:ea typeface="Roboto" pitchFamily="2" charset="0"/>
-              <a:cs typeface="Arial" panose="020B0604020202020204" pitchFamily="34" charset="0"/>
-            </a:endParaRPr>
-          </a:p>
-          <a:p>
-            <a:pPr marL="342900" indent="-342900">
-              <a:buFont typeface="Arial" panose="020B0604020202020204" pitchFamily="34" charset="0"/>
-              <a:buChar char="•"/>
-            </a:pPr>
-            <a:r>
-              <a:rPr lang="en-US" b="1" dirty="0" smtClean="0">
-                <a:latin typeface="Arial" panose="020B0604020202020204" pitchFamily="34" charset="0"/>
-                <a:ea typeface="Roboto" pitchFamily="2" charset="0"/>
-                <a:cs typeface="Arial" panose="020B0604020202020204" pitchFamily="34" charset="0"/>
-              </a:rPr>
-              <a:t>Must use </a:t>
-            </a:r>
-            <a:r>
-              <a:rPr lang="en-US" b="1" u="sng" dirty="0" smtClean="0">
-                <a:latin typeface="Arial" panose="020B0604020202020204" pitchFamily="34" charset="0"/>
-                <a:ea typeface="Roboto" pitchFamily="2" charset="0"/>
-                <a:cs typeface="Arial" panose="020B0604020202020204" pitchFamily="34" charset="0"/>
-              </a:rPr>
-              <a:t>Bootstrap or Alternative CSS Framework</a:t>
-            </a:r>
-          </a:p>
-          <a:p>
-            <a:pPr marL="342900" indent="-342900">
-              <a:buFont typeface="Arial" panose="020B0604020202020204" pitchFamily="34" charset="0"/>
-              <a:buChar char="•"/>
-            </a:pPr>
-            <a:endParaRPr lang="en-US" b="1" dirty="0">
-              <a:latin typeface="Arial" panose="020B0604020202020204" pitchFamily="34" charset="0"/>
-              <a:ea typeface="Roboto" pitchFamily="2" charset="0"/>
-              <a:cs typeface="Arial" panose="020B0604020202020204" pitchFamily="34" charset="0"/>
-            </a:endParaRPr>
-          </a:p>
-          <a:p>
-            <a:pPr marL="342900" indent="-342900">
-              <a:buFont typeface="Arial" panose="020B0604020202020204" pitchFamily="34" charset="0"/>
-              <a:buChar char="•"/>
-            </a:pPr>
-            <a:r>
-              <a:rPr lang="en-US" b="1" dirty="0" smtClean="0">
-                <a:latin typeface="Arial" panose="020B0604020202020204" pitchFamily="34" charset="0"/>
-                <a:ea typeface="Roboto" pitchFamily="2" charset="0"/>
-                <a:cs typeface="Arial" panose="020B0604020202020204" pitchFamily="34" charset="0"/>
-              </a:rPr>
-              <a:t>Must be </a:t>
-            </a:r>
-            <a:r>
-              <a:rPr lang="en-US" b="1" u="sng" dirty="0" smtClean="0">
-                <a:latin typeface="Arial" panose="020B0604020202020204" pitchFamily="34" charset="0"/>
-                <a:ea typeface="Roboto" pitchFamily="2" charset="0"/>
-                <a:cs typeface="Arial" panose="020B0604020202020204" pitchFamily="34" charset="0"/>
-              </a:rPr>
-              <a:t>Deployed</a:t>
-            </a:r>
-            <a:r>
-              <a:rPr lang="en-US" b="1" dirty="0" smtClean="0">
-                <a:latin typeface="Arial" panose="020B0604020202020204" pitchFamily="34" charset="0"/>
-                <a:ea typeface="Roboto" pitchFamily="2" charset="0"/>
-                <a:cs typeface="Arial" panose="020B0604020202020204" pitchFamily="34" charset="0"/>
-              </a:rPr>
-              <a:t> (</a:t>
-            </a:r>
-            <a:r>
-              <a:rPr lang="en-US" b="1" dirty="0" err="1" smtClean="0">
-                <a:latin typeface="Arial" panose="020B0604020202020204" pitchFamily="34" charset="0"/>
-                <a:ea typeface="Roboto" pitchFamily="2" charset="0"/>
-                <a:cs typeface="Arial" panose="020B0604020202020204" pitchFamily="34" charset="0"/>
-              </a:rPr>
-              <a:t>Heroku</a:t>
-            </a:r>
-            <a:r>
-              <a:rPr lang="en-US" b="1" dirty="0" smtClean="0">
-                <a:latin typeface="Arial" panose="020B0604020202020204" pitchFamily="34" charset="0"/>
-                <a:ea typeface="Roboto" pitchFamily="2" charset="0"/>
-                <a:cs typeface="Arial" panose="020B0604020202020204" pitchFamily="34" charset="0"/>
-              </a:rPr>
-              <a:t> or Firebase)</a:t>
-            </a:r>
-          </a:p>
-          <a:p>
-            <a:pPr marL="342900" indent="-342900">
-              <a:buFont typeface="Arial" panose="020B0604020202020204" pitchFamily="34" charset="0"/>
-              <a:buChar char="•"/>
-            </a:pPr>
-            <a:endParaRPr lang="en-US" b="1" dirty="0">
-              <a:latin typeface="Arial" panose="020B0604020202020204" pitchFamily="34" charset="0"/>
-              <a:ea typeface="Roboto" pitchFamily="2" charset="0"/>
-              <a:cs typeface="Arial" panose="020B0604020202020204" pitchFamily="34" charset="0"/>
-            </a:endParaRPr>
-          </a:p>
-          <a:p>
-            <a:pPr marL="342900" indent="-342900">
-              <a:buFont typeface="Arial" panose="020B0604020202020204" pitchFamily="34" charset="0"/>
-              <a:buChar char="•"/>
-            </a:pPr>
-            <a:r>
-              <a:rPr lang="en-US" b="1" dirty="0" smtClean="0">
-                <a:latin typeface="Arial" panose="020B0604020202020204" pitchFamily="34" charset="0"/>
-                <a:ea typeface="Roboto" pitchFamily="2" charset="0"/>
-                <a:cs typeface="Arial" panose="020B0604020202020204" pitchFamily="34" charset="0"/>
-              </a:rPr>
-              <a:t>Must have </a:t>
-            </a:r>
-            <a:r>
-              <a:rPr lang="en-US" b="1" u="sng" dirty="0" smtClean="0">
-                <a:latin typeface="Arial" panose="020B0604020202020204" pitchFamily="34" charset="0"/>
-                <a:ea typeface="Roboto" pitchFamily="2" charset="0"/>
-                <a:cs typeface="Arial" panose="020B0604020202020204" pitchFamily="34" charset="0"/>
-              </a:rPr>
-              <a:t>User Input Validation </a:t>
-            </a:r>
-          </a:p>
         </p:txBody>
       </p:sp>
     </p:spTree>
     <p:extLst>
       <p:ext uri="{BB962C8B-B14F-4D97-AF65-F5344CB8AC3E}">
-        <p14:creationId xmlns:p14="http://schemas.microsoft.com/office/powerpoint/2010/main" val="1535459678"/>
+        <p14:creationId xmlns:p14="http://schemas.microsoft.com/office/powerpoint/2010/main" val="4170913255"/>
       </p:ext>
     </p:extLst>
   </p:cSld>
@@ -8820,36 +8495,23 @@
       </p:grpSpPr>
       <p:sp>
         <p:nvSpPr>
-          <p:cNvPr id="4" name="Rectangle 3"/>
-          <p:cNvSpPr/>
-          <p:nvPr/>
-        </p:nvSpPr>
-        <p:spPr>
-          <a:xfrm>
-            <a:off x="304800" y="98052"/>
-            <a:ext cx="6781800" cy="461665"/>
-          </a:xfrm>
-          <a:prstGeom prst="rect">
-            <a:avLst/>
-          </a:prstGeom>
-        </p:spPr>
-        <p:txBody>
-          <a:bodyPr wrap="square">
-            <a:spAutoFit/>
-          </a:bodyPr>
+          <p:cNvPr id="2" name="Title 1"/>
+          <p:cNvSpPr>
+            <a:spLocks noGrp="1"/>
+          </p:cNvSpPr>
+          <p:nvPr>
+            <p:ph type="title"/>
+          </p:nvPr>
+        </p:nvSpPr>
+        <p:spPr/>
+        <p:txBody>
+          <a:bodyPr/>
           <a:lstStyle/>
           <a:p>
             <a:r>
-              <a:rPr lang="en-US" sz="2400" b="1" dirty="0" smtClean="0">
-                <a:latin typeface="Arial" panose="020B0604020202020204" pitchFamily="34" charset="0"/>
-                <a:cs typeface="Arial" panose="020B0604020202020204" pitchFamily="34" charset="0"/>
-              </a:rPr>
-              <a:t>Coding – Nice To Haves</a:t>
-            </a:r>
-            <a:endParaRPr lang="en-US" sz="2400" b="1" dirty="0">
-              <a:latin typeface="Arial" panose="020B0604020202020204" pitchFamily="34" charset="0"/>
-              <a:cs typeface="Arial" panose="020B0604020202020204" pitchFamily="34" charset="0"/>
-            </a:endParaRPr>
+              <a:rPr lang="en-US" dirty="0"/>
+              <a:t>Project Week (Next Week)</a:t>
+            </a:r>
           </a:p>
         </p:txBody>
       </p:sp>
@@ -8861,8 +8523,8 @@
         </p:nvSpPr>
         <p:spPr>
           <a:xfrm>
-            <a:off x="304799" y="762000"/>
-            <a:ext cx="8730343" cy="1754326"/>
+            <a:off x="304800" y="914400"/>
+            <a:ext cx="8610600" cy="3647152"/>
           </a:xfrm>
           <a:prstGeom prst="rect">
             <a:avLst/>
@@ -8875,49 +8537,32 @@
           </a:bodyPr>
           <a:lstStyle/>
           <a:p>
+            <a:r>
+              <a:rPr lang="en-US" sz="2100" b="1" u="sng" dirty="0" smtClean="0">
+                <a:latin typeface="Arial" panose="020B0604020202020204" pitchFamily="34" charset="0"/>
+                <a:ea typeface="Roboto" pitchFamily="2" charset="0"/>
+                <a:cs typeface="Arial" panose="020B0604020202020204" pitchFamily="34" charset="0"/>
+              </a:rPr>
+              <a:t>Next Week (M/T):</a:t>
+            </a:r>
+            <a:endParaRPr lang="en-US" sz="2100" b="1" u="sng" dirty="0">
+              <a:latin typeface="Arial" panose="020B0604020202020204" pitchFamily="34" charset="0"/>
+              <a:ea typeface="Roboto" pitchFamily="2" charset="0"/>
+              <a:cs typeface="Arial" panose="020B0604020202020204" pitchFamily="34" charset="0"/>
+            </a:endParaRPr>
+          </a:p>
+          <a:p>
             <a:pPr marL="342900" indent="-342900">
               <a:buFont typeface="Arial" panose="020B0604020202020204" pitchFamily="34" charset="0"/>
               <a:buChar char="•"/>
             </a:pPr>
             <a:r>
-              <a:rPr lang="en-US" b="1" dirty="0" smtClean="0">
+              <a:rPr lang="en-US" sz="2100" dirty="0" smtClean="0">
                 <a:latin typeface="Arial" panose="020B0604020202020204" pitchFamily="34" charset="0"/>
                 <a:ea typeface="Roboto" pitchFamily="2" charset="0"/>
                 <a:cs typeface="Arial" panose="020B0604020202020204" pitchFamily="34" charset="0"/>
               </a:rPr>
-              <a:t>Utilize Firebase for </a:t>
-            </a:r>
-            <a:r>
-              <a:rPr lang="en-US" b="1" u="sng" dirty="0" smtClean="0">
-                <a:latin typeface="Arial" panose="020B0604020202020204" pitchFamily="34" charset="0"/>
-                <a:ea typeface="Roboto" pitchFamily="2" charset="0"/>
-                <a:cs typeface="Arial" panose="020B0604020202020204" pitchFamily="34" charset="0"/>
-              </a:rPr>
-              <a:t>Persistent Data Storage</a:t>
-            </a:r>
-            <a:r>
-              <a:rPr lang="en-US" dirty="0" smtClean="0">
-                <a:latin typeface="Arial" panose="020B0604020202020204" pitchFamily="34" charset="0"/>
-                <a:ea typeface="Roboto" pitchFamily="2" charset="0"/>
-                <a:cs typeface="Arial" panose="020B0604020202020204" pitchFamily="34" charset="0"/>
-              </a:rPr>
-              <a:t> (Consider this </a:t>
-            </a:r>
-            <a:r>
-              <a:rPr lang="en-US" b="1" u="sng" dirty="0" smtClean="0">
-                <a:latin typeface="Arial" panose="020B0604020202020204" pitchFamily="34" charset="0"/>
-                <a:ea typeface="Roboto" pitchFamily="2" charset="0"/>
-                <a:cs typeface="Arial" panose="020B0604020202020204" pitchFamily="34" charset="0"/>
-              </a:rPr>
-              <a:t>basically a requirement</a:t>
-            </a:r>
-            <a:r>
-              <a:rPr lang="en-US" dirty="0" smtClean="0">
-                <a:latin typeface="Arial" panose="020B0604020202020204" pitchFamily="34" charset="0"/>
-                <a:ea typeface="Roboto" pitchFamily="2" charset="0"/>
-                <a:cs typeface="Arial" panose="020B0604020202020204" pitchFamily="34" charset="0"/>
-              </a:rPr>
-              <a:t>).</a:t>
+              <a:t>Interview Questions (Class Lecture)</a:t>
             </a:r>
           </a:p>
           <a:p>
@@ -8925,24 +8570,64 @@
               <a:buFont typeface="Arial" panose="020B0604020202020204" pitchFamily="34" charset="0"/>
               <a:buChar char="•"/>
             </a:pPr>
-            <a:endParaRPr lang="en-US" u="sng" dirty="0">
+            <a:r>
+              <a:rPr lang="en-US" sz="2100" dirty="0" smtClean="0">
+                <a:latin typeface="Arial" panose="020B0604020202020204" pitchFamily="34" charset="0"/>
+                <a:ea typeface="Roboto" pitchFamily="2" charset="0"/>
+                <a:cs typeface="Arial" panose="020B0604020202020204" pitchFamily="34" charset="0"/>
+              </a:rPr>
+              <a:t>Hardcore Development</a:t>
+            </a:r>
+          </a:p>
+          <a:p>
+            <a:pPr marL="342900" indent="-342900">
+              <a:buFont typeface="Arial" panose="020B0604020202020204" pitchFamily="34" charset="0"/>
+              <a:buChar char="•"/>
+            </a:pPr>
+            <a:endParaRPr lang="en-US" sz="2100" dirty="0">
               <a:latin typeface="Arial" panose="020B0604020202020204" pitchFamily="34" charset="0"/>
               <a:ea typeface="Roboto" pitchFamily="2" charset="0"/>
               <a:cs typeface="Arial" panose="020B0604020202020204" pitchFamily="34" charset="0"/>
             </a:endParaRPr>
           </a:p>
           <a:p>
+            <a:r>
+              <a:rPr lang="en-US" sz="2100" b="1" u="sng" dirty="0" smtClean="0">
+                <a:latin typeface="Arial" panose="020B0604020202020204" pitchFamily="34" charset="0"/>
+                <a:ea typeface="Roboto" pitchFamily="2" charset="0"/>
+                <a:cs typeface="Arial" panose="020B0604020202020204" pitchFamily="34" charset="0"/>
+              </a:rPr>
+              <a:t>Next Week (W/</a:t>
+            </a:r>
+            <a:r>
+              <a:rPr lang="en-US" sz="2100" b="1" u="sng" dirty="0" err="1" smtClean="0">
+                <a:latin typeface="Arial" panose="020B0604020202020204" pitchFamily="34" charset="0"/>
+                <a:ea typeface="Roboto" pitchFamily="2" charset="0"/>
+                <a:cs typeface="Arial" panose="020B0604020202020204" pitchFamily="34" charset="0"/>
+              </a:rPr>
+              <a:t>Th</a:t>
+            </a:r>
+            <a:r>
+              <a:rPr lang="en-US" sz="2100" b="1" u="sng" dirty="0" smtClean="0">
+                <a:latin typeface="Arial" panose="020B0604020202020204" pitchFamily="34" charset="0"/>
+                <a:ea typeface="Roboto" pitchFamily="2" charset="0"/>
+                <a:cs typeface="Arial" panose="020B0604020202020204" pitchFamily="34" charset="0"/>
+              </a:rPr>
+              <a:t>)</a:t>
+            </a:r>
+          </a:p>
+          <a:p>
             <a:pPr marL="342900" indent="-342900">
               <a:buFont typeface="Arial" panose="020B0604020202020204" pitchFamily="34" charset="0"/>
               <a:buChar char="•"/>
             </a:pPr>
             <a:r>
-              <a:rPr lang="en-US" b="1" dirty="0" smtClean="0">
+              <a:rPr lang="en-US" sz="2100" dirty="0" smtClean="0">
                 <a:latin typeface="Arial" panose="020B0604020202020204" pitchFamily="34" charset="0"/>
                 <a:ea typeface="Roboto" pitchFamily="2" charset="0"/>
                 <a:cs typeface="Arial" panose="020B0604020202020204" pitchFamily="34" charset="0"/>
               </a:rPr>
-              <a:t>Mobile Responsive</a:t>
+              <a:t>Debug Work (Class Lecture)</a:t>
             </a:r>
           </a:p>
           <a:p>
@@ -8950,24 +8635,63 @@
               <a:buFont typeface="Arial" panose="020B0604020202020204" pitchFamily="34" charset="0"/>
               <a:buChar char="•"/>
             </a:pPr>
-            <a:endParaRPr lang="en-US" b="1" dirty="0">
+            <a:r>
+              <a:rPr lang="en-US" sz="2100" dirty="0" smtClean="0">
+                <a:latin typeface="Arial" panose="020B0604020202020204" pitchFamily="34" charset="0"/>
+                <a:ea typeface="Roboto" pitchFamily="2" charset="0"/>
+                <a:cs typeface="Arial" panose="020B0604020202020204" pitchFamily="34" charset="0"/>
+              </a:rPr>
+              <a:t>Hardcore Development </a:t>
+            </a:r>
+          </a:p>
+          <a:p>
+            <a:pPr marL="342900" indent="-342900">
+              <a:buFont typeface="Arial" panose="020B0604020202020204" pitchFamily="34" charset="0"/>
+              <a:buChar char="•"/>
+            </a:pPr>
+            <a:r>
+              <a:rPr lang="en-US" sz="2100" dirty="0" smtClean="0">
+                <a:latin typeface="Arial" panose="020B0604020202020204" pitchFamily="34" charset="0"/>
+                <a:ea typeface="Roboto" pitchFamily="2" charset="0"/>
+                <a:cs typeface="Arial" panose="020B0604020202020204" pitchFamily="34" charset="0"/>
+              </a:rPr>
+              <a:t>Presentation Prep</a:t>
+            </a:r>
+            <a:endParaRPr lang="en-US" sz="2100" dirty="0">
               <a:latin typeface="Arial" panose="020B0604020202020204" pitchFamily="34" charset="0"/>
               <a:ea typeface="Roboto" pitchFamily="2" charset="0"/>
               <a:cs typeface="Arial" panose="020B0604020202020204" pitchFamily="34" charset="0"/>
             </a:endParaRPr>
           </a:p>
           <a:p>
+            <a:endParaRPr lang="en-US" sz="2100" u="sng" dirty="0">
+              <a:latin typeface="Arial" panose="020B0604020202020204" pitchFamily="34" charset="0"/>
+              <a:ea typeface="Roboto" pitchFamily="2" charset="0"/>
+              <a:cs typeface="Arial" panose="020B0604020202020204" pitchFamily="34" charset="0"/>
+            </a:endParaRPr>
+          </a:p>
+          <a:p>
+            <a:r>
+              <a:rPr lang="en-US" sz="2100" b="1" u="sng" dirty="0" smtClean="0">
+                <a:latin typeface="Arial" panose="020B0604020202020204" pitchFamily="34" charset="0"/>
+                <a:ea typeface="Roboto" pitchFamily="2" charset="0"/>
+                <a:cs typeface="Arial" panose="020B0604020202020204" pitchFamily="34" charset="0"/>
+              </a:rPr>
+              <a:t>Saturday’s Class:</a:t>
+            </a:r>
+          </a:p>
+          <a:p>
             <a:pPr marL="342900" indent="-342900">
               <a:buFont typeface="Arial" panose="020B0604020202020204" pitchFamily="34" charset="0"/>
               <a:buChar char="•"/>
             </a:pPr>
             <a:r>
-              <a:rPr lang="en-US" b="1" dirty="0" smtClean="0">
+              <a:rPr lang="en-US" sz="2100" dirty="0" smtClean="0">
                 <a:latin typeface="Arial" panose="020B0604020202020204" pitchFamily="34" charset="0"/>
                 <a:ea typeface="Roboto" pitchFamily="2" charset="0"/>
                 <a:cs typeface="Arial" panose="020B0604020202020204" pitchFamily="34" charset="0"/>
               </a:rPr>
-              <a:t>Use an alternative CSS framework like Materialize</a:t>
+              <a:t>Presentations!</a:t>
             </a:r>
           </a:p>
         </p:txBody>
@@ -8975,7 +8699,7 @@
     </p:spTree>
     <p:extLst>
       <p:ext uri="{BB962C8B-B14F-4D97-AF65-F5344CB8AC3E}">
-        <p14:creationId xmlns:p14="http://schemas.microsoft.com/office/powerpoint/2010/main" val="1619581713"/>
+        <p14:creationId xmlns:p14="http://schemas.microsoft.com/office/powerpoint/2010/main" val="1595839158"/>
       </p:ext>
     </p:extLst>
   </p:cSld>
@@ -9023,49 +8747,37 @@
       </p:grpSpPr>
       <p:sp>
         <p:nvSpPr>
-          <p:cNvPr id="6" name="Rectangle 5"/>
-          <p:cNvSpPr/>
+          <p:cNvPr id="2" name="Title 1"/>
+          <p:cNvSpPr>
+            <a:spLocks noGrp="1"/>
+          </p:cNvSpPr>
+          <p:nvPr>
+            <p:ph type="title"/>
+          </p:nvPr>
+        </p:nvSpPr>
+        <p:spPr/>
+        <p:txBody>
+          <a:bodyPr/>
+          <a:lstStyle/>
+          <a:p>
+            <a:r>
+              <a:rPr lang="en-US" dirty="0" smtClean="0"/>
+              <a:t>The Great Push</a:t>
+            </a:r>
+            <a:endParaRPr lang="en-US" dirty="0"/>
+          </a:p>
+        </p:txBody>
+      </p:sp>
+      <p:sp>
+        <p:nvSpPr>
+          <p:cNvPr id="4" name="TextBox 3"/>
+          <p:cNvSpPr txBox="1"/>
           <p:nvPr/>
         </p:nvSpPr>
         <p:spPr>
           <a:xfrm>
-            <a:off x="304800" y="98052"/>
-            <a:ext cx="6781800" cy="461665"/>
-          </a:xfrm>
-          <a:prstGeom prst="rect">
-            <a:avLst/>
-          </a:prstGeom>
-        </p:spPr>
-        <p:txBody>
-          <a:bodyPr wrap="square">
-            <a:spAutoFit/>
-          </a:bodyPr>
-          <a:lstStyle/>
-          <a:p>
-            <a:r>
-              <a:rPr lang="en-US" sz="2400" b="1" dirty="0" smtClean="0">
-                <a:latin typeface="Arial" panose="020B0604020202020204" pitchFamily="34" charset="0"/>
-                <a:cs typeface="Arial" panose="020B0604020202020204" pitchFamily="34" charset="0"/>
-              </a:rPr>
-              <a:t>Presentation Requirement</a:t>
-            </a:r>
-            <a:endParaRPr lang="en-US" sz="2400" b="1" dirty="0">
-              <a:latin typeface="Arial" panose="020B0604020202020204" pitchFamily="34" charset="0"/>
-              <a:cs typeface="Arial" panose="020B0604020202020204" pitchFamily="34" charset="0"/>
-            </a:endParaRPr>
-          </a:p>
-        </p:txBody>
-      </p:sp>
-      <p:sp>
-        <p:nvSpPr>
-          <p:cNvPr id="7" name="TextBox 6"/>
-          <p:cNvSpPr txBox="1"/>
-          <p:nvPr/>
-        </p:nvSpPr>
-        <p:spPr>
-          <a:xfrm>
-            <a:off x="304799" y="762000"/>
-            <a:ext cx="8730343" cy="5509200"/>
+            <a:off x="395537" y="1066800"/>
+            <a:ext cx="8341184" cy="3046988"/>
           </a:xfrm>
           <a:prstGeom prst="rect">
             <a:avLst/>
@@ -9078,295 +8790,93 @@
           </a:bodyPr>
           <a:lstStyle/>
           <a:p>
-            <a:pPr marL="342900" indent="-342900">
+            <a:pPr marL="457200" indent="-457200">
               <a:buFont typeface="Arial" panose="020B0604020202020204" pitchFamily="34" charset="0"/>
               <a:buChar char="•"/>
             </a:pPr>
             <a:r>
-              <a:rPr lang="en-US" sz="1600" b="1" dirty="0" smtClean="0">
-                <a:latin typeface="Arial" panose="020B0604020202020204" pitchFamily="34" charset="0"/>
-                <a:ea typeface="Roboto" pitchFamily="2" charset="0"/>
-                <a:cs typeface="Arial" panose="020B0604020202020204" pitchFamily="34" charset="0"/>
-              </a:rPr>
-              <a:t>You will also be responsible for preparing a </a:t>
-            </a:r>
-            <a:r>
-              <a:rPr lang="en-US" sz="1600" b="1" u="sng" dirty="0" smtClean="0">
-                <a:latin typeface="Arial" panose="020B0604020202020204" pitchFamily="34" charset="0"/>
-                <a:ea typeface="Roboto" pitchFamily="2" charset="0"/>
-                <a:cs typeface="Arial" panose="020B0604020202020204" pitchFamily="34" charset="0"/>
-              </a:rPr>
-              <a:t>10 minute presentation.</a:t>
-            </a:r>
-          </a:p>
-          <a:p>
-            <a:pPr marL="342900" indent="-342900">
+              <a:rPr lang="en-US" sz="3200" b="1" i="1" dirty="0" smtClean="0">
+                <a:latin typeface="Arial" panose="020B0604020202020204" pitchFamily="34" charset="0"/>
+                <a:cs typeface="Arial" panose="020B0604020202020204" pitchFamily="34" charset="0"/>
+              </a:rPr>
+              <a:t>Be serious about project week! </a:t>
+            </a:r>
+          </a:p>
+          <a:p>
+            <a:pPr marL="457200" indent="-457200">
               <a:buFont typeface="Arial" panose="020B0604020202020204" pitchFamily="34" charset="0"/>
               <a:buChar char="•"/>
             </a:pPr>
-            <a:endParaRPr lang="en-US" sz="1600" b="1" u="sng" dirty="0">
+            <a:endParaRPr lang="en-US" sz="3200" b="1" dirty="0">
               <a:latin typeface="Arial" panose="020B0604020202020204" pitchFamily="34" charset="0"/>
-              <a:ea typeface="Roboto" pitchFamily="2" charset="0"/>
               <a:cs typeface="Arial" panose="020B0604020202020204" pitchFamily="34" charset="0"/>
             </a:endParaRPr>
           </a:p>
           <a:p>
-            <a:pPr marL="342900" indent="-342900">
+            <a:pPr marL="457200" indent="-457200">
               <a:buFont typeface="Arial" panose="020B0604020202020204" pitchFamily="34" charset="0"/>
               <a:buChar char="•"/>
             </a:pPr>
             <a:r>
-              <a:rPr lang="en-US" sz="1600" b="1" u="sng" dirty="0" smtClean="0">
-                <a:latin typeface="Arial" panose="020B0604020202020204" pitchFamily="34" charset="0"/>
-                <a:ea typeface="Roboto" pitchFamily="2" charset="0"/>
-                <a:cs typeface="Arial" panose="020B0604020202020204" pitchFamily="34" charset="0"/>
-              </a:rPr>
-              <a:t>This will be a formal presentation. </a:t>
-            </a:r>
-            <a:endParaRPr lang="en-US" sz="1600" dirty="0" smtClean="0">
-              <a:latin typeface="Arial" panose="020B0604020202020204" pitchFamily="34" charset="0"/>
-              <a:ea typeface="Roboto" pitchFamily="2" charset="0"/>
-              <a:cs typeface="Arial" panose="020B0604020202020204" pitchFamily="34" charset="0"/>
-            </a:endParaRPr>
-          </a:p>
-          <a:p>
-            <a:pPr marL="342900" indent="-342900">
+              <a:rPr lang="en-US" sz="3200" dirty="0" smtClean="0">
+                <a:latin typeface="Arial" panose="020B0604020202020204" pitchFamily="34" charset="0"/>
+                <a:cs typeface="Arial" panose="020B0604020202020204" pitchFamily="34" charset="0"/>
+              </a:rPr>
+              <a:t>Use this as an opportunity to push yourself and prove what you know.</a:t>
+            </a:r>
+          </a:p>
+          <a:p>
+            <a:pPr marL="457200" indent="-457200">
               <a:buFont typeface="Arial" panose="020B0604020202020204" pitchFamily="34" charset="0"/>
               <a:buChar char="•"/>
             </a:pPr>
-            <a:endParaRPr lang="en-US" sz="1600" b="1" dirty="0">
+            <a:endParaRPr lang="en-US" sz="3200" b="1" i="1" dirty="0">
               <a:latin typeface="Arial" panose="020B0604020202020204" pitchFamily="34" charset="0"/>
-              <a:ea typeface="Roboto" pitchFamily="2" charset="0"/>
               <a:cs typeface="Arial" panose="020B0604020202020204" pitchFamily="34" charset="0"/>
             </a:endParaRPr>
           </a:p>
           <a:p>
-            <a:pPr marL="342900" indent="-342900">
+            <a:pPr marL="457200" indent="-457200">
               <a:buFont typeface="Arial" panose="020B0604020202020204" pitchFamily="34" charset="0"/>
               <a:buChar char="•"/>
             </a:pPr>
             <a:r>
-              <a:rPr lang="en-US" sz="1600" b="1" dirty="0" smtClean="0">
-                <a:latin typeface="Arial" panose="020B0604020202020204" pitchFamily="34" charset="0"/>
-                <a:ea typeface="Roboto" pitchFamily="2" charset="0"/>
-                <a:cs typeface="Arial" panose="020B0604020202020204" pitchFamily="34" charset="0"/>
-              </a:rPr>
-              <a:t>One in which you explain in detail:</a:t>
-            </a:r>
-          </a:p>
-          <a:p>
-            <a:pPr marL="342900" indent="-342900">
-              <a:buFont typeface="Arial" panose="020B0604020202020204" pitchFamily="34" charset="0"/>
-              <a:buChar char="•"/>
-            </a:pPr>
-            <a:endParaRPr lang="en-US" sz="1600" b="1" dirty="0">
+              <a:rPr lang="en-US" sz="3200" dirty="0" smtClean="0">
+                <a:latin typeface="Arial" panose="020B0604020202020204" pitchFamily="34" charset="0"/>
+                <a:cs typeface="Arial" panose="020B0604020202020204" pitchFamily="34" charset="0"/>
+              </a:rPr>
+              <a:t>Because you </a:t>
+            </a:r>
+            <a:r>
+              <a:rPr lang="en-US" sz="3200" b="1" i="1" dirty="0" smtClean="0">
+                <a:latin typeface="Arial" panose="020B0604020202020204" pitchFamily="34" charset="0"/>
+                <a:cs typeface="Arial" panose="020B0604020202020204" pitchFamily="34" charset="0"/>
+              </a:rPr>
+              <a:t>DO KNOW </a:t>
+            </a:r>
+            <a:r>
+              <a:rPr lang="en-US" sz="3200" dirty="0" err="1" smtClean="0">
+                <a:latin typeface="Arial" panose="020B0604020202020204" pitchFamily="34" charset="0"/>
+                <a:cs typeface="Arial" panose="020B0604020202020204" pitchFamily="34" charset="0"/>
+              </a:rPr>
+              <a:t>shiz</a:t>
+            </a:r>
+            <a:r>
+              <a:rPr lang="en-US" sz="3200" dirty="0" smtClean="0">
+                <a:latin typeface="Arial" panose="020B0604020202020204" pitchFamily="34" charset="0"/>
+                <a:cs typeface="Arial" panose="020B0604020202020204" pitchFamily="34" charset="0"/>
+              </a:rPr>
+              <a:t>.</a:t>
+            </a:r>
+            <a:r>
+              <a:rPr lang="en-US" sz="3200" b="1" i="1" dirty="0" smtClean="0">
+                <a:latin typeface="Arial" panose="020B0604020202020204" pitchFamily="34" charset="0"/>
+                <a:cs typeface="Arial" panose="020B0604020202020204" pitchFamily="34" charset="0"/>
+              </a:rPr>
+              <a:t> </a:t>
+            </a:r>
+            <a:endParaRPr lang="en-US" sz="3200" b="1" i="1" dirty="0">
               <a:latin typeface="Arial" panose="020B0604020202020204" pitchFamily="34" charset="0"/>
-              <a:ea typeface="Roboto" pitchFamily="2" charset="0"/>
-              <a:cs typeface="Arial" panose="020B0604020202020204" pitchFamily="34" charset="0"/>
-            </a:endParaRPr>
-          </a:p>
-          <a:p>
-            <a:pPr marL="800100" lvl="1" indent="-342900">
-              <a:buFont typeface="Courier New" panose="02070309020205020404" pitchFamily="49" charset="0"/>
-              <a:buChar char="o"/>
-            </a:pPr>
-            <a:r>
-              <a:rPr lang="en-US" sz="1600" b="1" dirty="0" smtClean="0">
-                <a:latin typeface="Arial" panose="020B0604020202020204" pitchFamily="34" charset="0"/>
-                <a:ea typeface="Roboto" pitchFamily="2" charset="0"/>
-                <a:cs typeface="Arial" panose="020B0604020202020204" pitchFamily="34" charset="0"/>
-              </a:rPr>
-              <a:t>Your overall application’s concept</a:t>
-            </a:r>
-          </a:p>
-          <a:p>
-            <a:pPr marL="800100" lvl="1" indent="-342900">
-              <a:buFont typeface="Courier New" panose="02070309020205020404" pitchFamily="49" charset="0"/>
-              <a:buChar char="o"/>
-            </a:pPr>
-            <a:endParaRPr lang="en-US" sz="1600" b="1" dirty="0">
-              <a:latin typeface="Arial" panose="020B0604020202020204" pitchFamily="34" charset="0"/>
-              <a:ea typeface="Roboto" pitchFamily="2" charset="0"/>
-              <a:cs typeface="Arial" panose="020B0604020202020204" pitchFamily="34" charset="0"/>
-            </a:endParaRPr>
-          </a:p>
-          <a:p>
-            <a:pPr marL="800100" lvl="1" indent="-342900">
-              <a:buFont typeface="Courier New" panose="02070309020205020404" pitchFamily="49" charset="0"/>
-              <a:buChar char="o"/>
-            </a:pPr>
-            <a:r>
-              <a:rPr lang="en-US" sz="1600" b="1" dirty="0" smtClean="0">
-                <a:latin typeface="Arial" panose="020B0604020202020204" pitchFamily="34" charset="0"/>
-                <a:ea typeface="Roboto" pitchFamily="2" charset="0"/>
-                <a:cs typeface="Arial" panose="020B0604020202020204" pitchFamily="34" charset="0"/>
-              </a:rPr>
-              <a:t>The motivation for its development</a:t>
-            </a:r>
-          </a:p>
-          <a:p>
-            <a:pPr marL="800100" lvl="1" indent="-342900">
-              <a:buFont typeface="Courier New" panose="02070309020205020404" pitchFamily="49" charset="0"/>
-              <a:buChar char="o"/>
-            </a:pPr>
-            <a:endParaRPr lang="en-US" sz="1600" b="1" dirty="0">
-              <a:latin typeface="Arial" panose="020B0604020202020204" pitchFamily="34" charset="0"/>
-              <a:ea typeface="Roboto" pitchFamily="2" charset="0"/>
-              <a:cs typeface="Arial" panose="020B0604020202020204" pitchFamily="34" charset="0"/>
-            </a:endParaRPr>
-          </a:p>
-          <a:p>
-            <a:pPr marL="800100" lvl="1" indent="-342900">
-              <a:buFont typeface="Courier New" panose="02070309020205020404" pitchFamily="49" charset="0"/>
-              <a:buChar char="o"/>
-            </a:pPr>
-            <a:r>
-              <a:rPr lang="en-US" sz="1600" b="1" dirty="0" smtClean="0">
-                <a:latin typeface="Arial" panose="020B0604020202020204" pitchFamily="34" charset="0"/>
-                <a:ea typeface="Roboto" pitchFamily="2" charset="0"/>
-                <a:cs typeface="Arial" panose="020B0604020202020204" pitchFamily="34" charset="0"/>
-              </a:rPr>
-              <a:t>Your design process</a:t>
-            </a:r>
-          </a:p>
-          <a:p>
-            <a:pPr marL="800100" lvl="1" indent="-342900">
-              <a:buFont typeface="Courier New" panose="02070309020205020404" pitchFamily="49" charset="0"/>
-              <a:buChar char="o"/>
-            </a:pPr>
-            <a:endParaRPr lang="en-US" sz="1600" b="1" dirty="0">
-              <a:latin typeface="Arial" panose="020B0604020202020204" pitchFamily="34" charset="0"/>
-              <a:ea typeface="Roboto" pitchFamily="2" charset="0"/>
-              <a:cs typeface="Arial" panose="020B0604020202020204" pitchFamily="34" charset="0"/>
-            </a:endParaRPr>
-          </a:p>
-          <a:p>
-            <a:pPr marL="800100" lvl="1" indent="-342900">
-              <a:buFont typeface="Courier New" panose="02070309020205020404" pitchFamily="49" charset="0"/>
-              <a:buChar char="o"/>
-            </a:pPr>
-            <a:r>
-              <a:rPr lang="en-US" sz="1600" b="1" dirty="0" smtClean="0">
-                <a:latin typeface="Arial" panose="020B0604020202020204" pitchFamily="34" charset="0"/>
-                <a:ea typeface="Roboto" pitchFamily="2" charset="0"/>
-                <a:cs typeface="Arial" panose="020B0604020202020204" pitchFamily="34" charset="0"/>
-              </a:rPr>
-              <a:t>The technologies you used (and briefly how they work)</a:t>
-            </a:r>
-          </a:p>
-          <a:p>
-            <a:pPr marL="800100" lvl="1" indent="-342900">
-              <a:buFont typeface="Courier New" panose="02070309020205020404" pitchFamily="49" charset="0"/>
-              <a:buChar char="o"/>
-            </a:pPr>
-            <a:endParaRPr lang="en-US" sz="1600" b="1" dirty="0">
-              <a:latin typeface="Arial" panose="020B0604020202020204" pitchFamily="34" charset="0"/>
-              <a:ea typeface="Roboto" pitchFamily="2" charset="0"/>
-              <a:cs typeface="Arial" panose="020B0604020202020204" pitchFamily="34" charset="0"/>
-            </a:endParaRPr>
-          </a:p>
-          <a:p>
-            <a:pPr marL="800100" lvl="1" indent="-342900">
-              <a:buFont typeface="Courier New" panose="02070309020205020404" pitchFamily="49" charset="0"/>
-              <a:buChar char="o"/>
-            </a:pPr>
-            <a:r>
-              <a:rPr lang="en-US" sz="1600" b="1" dirty="0" smtClean="0">
-                <a:latin typeface="Arial" panose="020B0604020202020204" pitchFamily="34" charset="0"/>
-                <a:ea typeface="Roboto" pitchFamily="2" charset="0"/>
-                <a:cs typeface="Arial" panose="020B0604020202020204" pitchFamily="34" charset="0"/>
-              </a:rPr>
-              <a:t>A demonstration of its functionality</a:t>
-            </a:r>
-          </a:p>
-          <a:p>
-            <a:pPr marL="800100" lvl="1" indent="-342900">
-              <a:buFont typeface="Courier New" panose="02070309020205020404" pitchFamily="49" charset="0"/>
-              <a:buChar char="o"/>
-            </a:pPr>
-            <a:endParaRPr lang="en-US" sz="1600" b="1" dirty="0">
-              <a:latin typeface="Arial" panose="020B0604020202020204" pitchFamily="34" charset="0"/>
-              <a:ea typeface="Roboto" pitchFamily="2" charset="0"/>
-              <a:cs typeface="Arial" panose="020B0604020202020204" pitchFamily="34" charset="0"/>
-            </a:endParaRPr>
-          </a:p>
-          <a:p>
-            <a:pPr marL="800100" lvl="1" indent="-342900">
-              <a:buFont typeface="Courier New" panose="02070309020205020404" pitchFamily="49" charset="0"/>
-              <a:buChar char="o"/>
-            </a:pPr>
-            <a:r>
-              <a:rPr lang="en-US" sz="1600" b="1" dirty="0" smtClean="0">
-                <a:latin typeface="Arial" panose="020B0604020202020204" pitchFamily="34" charset="0"/>
-                <a:ea typeface="Roboto" pitchFamily="2" charset="0"/>
-                <a:cs typeface="Arial" panose="020B0604020202020204" pitchFamily="34" charset="0"/>
-              </a:rPr>
-              <a:t>Directions for future development</a:t>
-            </a:r>
-          </a:p>
-          <a:p>
-            <a:pPr marL="342900" indent="-342900">
-              <a:buFont typeface="Arial" panose="020B0604020202020204" pitchFamily="34" charset="0"/>
-              <a:buChar char="•"/>
-            </a:pPr>
-            <a:endParaRPr lang="en-US" sz="1600" b="1" dirty="0">
-              <a:latin typeface="Arial" panose="020B0604020202020204" pitchFamily="34" charset="0"/>
-              <a:ea typeface="Roboto" pitchFamily="2" charset="0"/>
-              <a:cs typeface="Arial" panose="020B0604020202020204" pitchFamily="34" charset="0"/>
-            </a:endParaRPr>
-          </a:p>
-          <a:p>
-            <a:pPr marL="342900" indent="-342900">
-              <a:buFont typeface="Arial" panose="020B0604020202020204" pitchFamily="34" charset="0"/>
-              <a:buChar char="•"/>
-            </a:pPr>
-            <a:r>
-              <a:rPr lang="en-US" sz="1600" b="1" dirty="0" smtClean="0">
-                <a:latin typeface="Arial" panose="020B0604020202020204" pitchFamily="34" charset="0"/>
-                <a:ea typeface="Roboto" pitchFamily="2" charset="0"/>
-                <a:cs typeface="Arial" panose="020B0604020202020204" pitchFamily="34" charset="0"/>
-              </a:rPr>
-              <a:t>Treat the presentation seriously! </a:t>
-            </a:r>
-          </a:p>
-          <a:p>
-            <a:pPr marL="342900" indent="-342900">
-              <a:buFont typeface="Arial" panose="020B0604020202020204" pitchFamily="34" charset="0"/>
-              <a:buChar char="•"/>
-            </a:pPr>
-            <a:endParaRPr lang="en-US" sz="1600" b="1" dirty="0">
-              <a:latin typeface="Arial" panose="020B0604020202020204" pitchFamily="34" charset="0"/>
-              <a:ea typeface="Roboto" pitchFamily="2" charset="0"/>
-              <a:cs typeface="Arial" panose="020B0604020202020204" pitchFamily="34" charset="0"/>
-            </a:endParaRPr>
-          </a:p>
-          <a:p>
-            <a:pPr marL="342900" indent="-342900">
-              <a:buFont typeface="Arial" panose="020B0604020202020204" pitchFamily="34" charset="0"/>
-              <a:buChar char="•"/>
-            </a:pPr>
-            <a:r>
-              <a:rPr lang="en-US" sz="1600" b="1" dirty="0" smtClean="0">
-                <a:latin typeface="Arial" panose="020B0604020202020204" pitchFamily="34" charset="0"/>
-                <a:ea typeface="Roboto" pitchFamily="2" charset="0"/>
-                <a:cs typeface="Arial" panose="020B0604020202020204" pitchFamily="34" charset="0"/>
-              </a:rPr>
-              <a:t>Talking intelligently about tech &gt; doing tech sometimes. </a:t>
-            </a:r>
-            <a:endParaRPr lang="en-US" sz="1600" b="1" dirty="0">
-              <a:latin typeface="Arial" panose="020B0604020202020204" pitchFamily="34" charset="0"/>
-              <a:ea typeface="Roboto" pitchFamily="2" charset="0"/>
-              <a:cs typeface="Arial" panose="020B0604020202020204" pitchFamily="34" charset="0"/>
-            </a:endParaRPr>
-          </a:p>
-          <a:p>
-            <a:pPr marL="342900" indent="-342900">
-              <a:buFont typeface="Arial" panose="020B0604020202020204" pitchFamily="34" charset="0"/>
-              <a:buChar char="•"/>
-            </a:pPr>
-            <a:endParaRPr lang="en-US" sz="1600" b="1" dirty="0" smtClean="0">
-              <a:latin typeface="Arial" panose="020B0604020202020204" pitchFamily="34" charset="0"/>
-              <a:ea typeface="Roboto" pitchFamily="2" charset="0"/>
               <a:cs typeface="Arial" panose="020B0604020202020204" pitchFamily="34" charset="0"/>
             </a:endParaRPr>
           </a:p>
@@ -9375,7 +8885,7 @@
     </p:spTree>
     <p:extLst>
       <p:ext uri="{BB962C8B-B14F-4D97-AF65-F5344CB8AC3E}">
-        <p14:creationId xmlns:p14="http://schemas.microsoft.com/office/powerpoint/2010/main" val="2670123023"/>
+        <p14:creationId xmlns:p14="http://schemas.microsoft.com/office/powerpoint/2010/main" val="2429203136"/>
       </p:ext>
     </p:extLst>
   </p:cSld>
@@ -9423,49 +8933,37 @@
       </p:grpSpPr>
       <p:sp>
         <p:nvSpPr>
-          <p:cNvPr id="6" name="Rectangle 5"/>
-          <p:cNvSpPr/>
+          <p:cNvPr id="2" name="Title 1"/>
+          <p:cNvSpPr>
+            <a:spLocks noGrp="1"/>
+          </p:cNvSpPr>
+          <p:nvPr>
+            <p:ph type="title"/>
+          </p:nvPr>
+        </p:nvSpPr>
+        <p:spPr/>
+        <p:txBody>
+          <a:bodyPr/>
+          <a:lstStyle/>
+          <a:p>
+            <a:r>
+              <a:rPr lang="en-US" dirty="0" smtClean="0"/>
+              <a:t>Groups</a:t>
+            </a:r>
+            <a:endParaRPr lang="en-US" dirty="0"/>
+          </a:p>
+        </p:txBody>
+      </p:sp>
+      <p:sp>
+        <p:nvSpPr>
+          <p:cNvPr id="4" name="TextBox 3"/>
+          <p:cNvSpPr txBox="1"/>
           <p:nvPr/>
         </p:nvSpPr>
         <p:spPr>
           <a:xfrm>
-            <a:off x="304800" y="98052"/>
-            <a:ext cx="6781800" cy="461665"/>
-          </a:xfrm>
-          <a:prstGeom prst="rect">
-            <a:avLst/>
-          </a:prstGeom>
-        </p:spPr>
-        <p:txBody>
-          <a:bodyPr wrap="square">
-            <a:spAutoFit/>
-          </a:bodyPr>
-          <a:lstStyle/>
-          <a:p>
-            <a:r>
-              <a:rPr lang="en-US" sz="2400" b="1" dirty="0" smtClean="0">
-                <a:latin typeface="Arial" panose="020B0604020202020204" pitchFamily="34" charset="0"/>
-                <a:cs typeface="Arial" panose="020B0604020202020204" pitchFamily="34" charset="0"/>
-              </a:rPr>
-              <a:t>Be Glam for the Camera</a:t>
-            </a:r>
-            <a:endParaRPr lang="en-US" sz="2400" b="1" dirty="0">
-              <a:latin typeface="Arial" panose="020B0604020202020204" pitchFamily="34" charset="0"/>
-              <a:cs typeface="Arial" panose="020B0604020202020204" pitchFamily="34" charset="0"/>
-            </a:endParaRPr>
-          </a:p>
-        </p:txBody>
-      </p:sp>
-      <p:sp>
-        <p:nvSpPr>
-          <p:cNvPr id="7" name="TextBox 6"/>
-          <p:cNvSpPr txBox="1"/>
-          <p:nvPr/>
-        </p:nvSpPr>
-        <p:spPr>
-          <a:xfrm>
-            <a:off x="304799" y="762000"/>
-            <a:ext cx="8382001" cy="2862322"/>
+            <a:off x="336698" y="914400"/>
+            <a:ext cx="4082902" cy="4339650"/>
           </a:xfrm>
           <a:prstGeom prst="rect">
             <a:avLst/>
@@ -9478,80 +8976,445 @@
           </a:bodyPr>
           <a:lstStyle/>
           <a:p>
-            <a:pPr marL="685800" lvl="0" indent="-457200">
-              <a:spcBef>
-                <a:spcPts val="0"/>
-              </a:spcBef>
-              <a:buFont typeface="Arial" panose="020B0604020202020204" pitchFamily="34" charset="0"/>
-              <a:buChar char="•"/>
-            </a:pPr>
-            <a:r>
-              <a:rPr lang="en" sz="3000" dirty="0" smtClean="0">
-                <a:latin typeface="Arial" panose="020B0604020202020204" pitchFamily="34" charset="0"/>
-                <a:cs typeface="Arial" panose="020B0604020202020204" pitchFamily="34" charset="0"/>
-              </a:rPr>
-              <a:t>All presentations will be recorded…</a:t>
-            </a:r>
-          </a:p>
-          <a:p>
-            <a:pPr marL="685800" lvl="0" indent="-457200">
-              <a:spcBef>
-                <a:spcPts val="0"/>
-              </a:spcBef>
-              <a:buFont typeface="Arial" panose="020B0604020202020204" pitchFamily="34" charset="0"/>
-              <a:buChar char="•"/>
-            </a:pPr>
-            <a:endParaRPr lang="en" sz="3000" dirty="0">
+            <a:r>
+              <a:rPr lang="en-US" sz="2100" b="1" dirty="0" smtClean="0">
+                <a:latin typeface="Arial" panose="020B0604020202020204" pitchFamily="34" charset="0"/>
+                <a:ea typeface="Roboto" pitchFamily="2" charset="0"/>
+                <a:cs typeface="Arial" panose="020B0604020202020204" pitchFamily="34" charset="0"/>
+              </a:rPr>
+              <a:t>Team #1</a:t>
+            </a:r>
+          </a:p>
+          <a:p>
+            <a:r>
+              <a:rPr lang="en-US" sz="2400" dirty="0"/>
+              <a:t>Bill </a:t>
+            </a:r>
+            <a:r>
+              <a:rPr lang="en-US" sz="2400" dirty="0" err="1" smtClean="0"/>
+              <a:t>Kernan</a:t>
+            </a:r>
+            <a:r>
+              <a:rPr lang="en-US" sz="2400" dirty="0" smtClean="0"/>
+              <a:t>, </a:t>
+            </a:r>
+            <a:r>
+              <a:rPr lang="en-US" sz="2400" dirty="0" err="1" smtClean="0"/>
+              <a:t>Fatma</a:t>
+            </a:r>
+            <a:r>
+              <a:rPr lang="en-US" sz="2400" dirty="0" smtClean="0"/>
+              <a:t> </a:t>
+            </a:r>
+            <a:r>
+              <a:rPr lang="en-US" sz="2400" dirty="0" err="1" smtClean="0"/>
+              <a:t>Tarlaci</a:t>
+            </a:r>
+            <a:r>
+              <a:rPr lang="en-US" sz="2400" dirty="0" smtClean="0"/>
+              <a:t>,</a:t>
+            </a:r>
+            <a:endParaRPr lang="en-US" sz="2400" dirty="0"/>
+          </a:p>
+          <a:p>
+            <a:r>
+              <a:rPr lang="en-US" sz="2400" dirty="0" smtClean="0"/>
+              <a:t>Roy </a:t>
+            </a:r>
+            <a:r>
+              <a:rPr lang="en-US" sz="2400" dirty="0" err="1"/>
+              <a:t>Hinjosa</a:t>
+            </a:r>
+            <a:endParaRPr lang="en-US" sz="2100" dirty="0">
               <a:latin typeface="Arial" panose="020B0604020202020204" pitchFamily="34" charset="0"/>
+              <a:ea typeface="Roboto" pitchFamily="2" charset="0"/>
               <a:cs typeface="Arial" panose="020B0604020202020204" pitchFamily="34" charset="0"/>
             </a:endParaRPr>
           </a:p>
           <a:p>
-            <a:pPr marL="685800" lvl="0" indent="-457200">
-              <a:spcBef>
-                <a:spcPts val="0"/>
-              </a:spcBef>
-              <a:buFont typeface="Arial" panose="020B0604020202020204" pitchFamily="34" charset="0"/>
-              <a:buChar char="•"/>
-            </a:pPr>
-            <a:r>
-              <a:rPr lang="en" sz="3000" dirty="0" smtClean="0">
-                <a:latin typeface="Arial" panose="020B0604020202020204" pitchFamily="34" charset="0"/>
-                <a:cs typeface="Arial" panose="020B0604020202020204" pitchFamily="34" charset="0"/>
-              </a:rPr>
-              <a:t>So treat it seriously! </a:t>
-            </a:r>
-          </a:p>
-          <a:p>
-            <a:pPr marL="685800" lvl="0" indent="-457200">
-              <a:spcBef>
-                <a:spcPts val="0"/>
-              </a:spcBef>
-              <a:buFont typeface="Arial" panose="020B0604020202020204" pitchFamily="34" charset="0"/>
-              <a:buChar char="•"/>
-            </a:pPr>
-            <a:endParaRPr lang="en" sz="3000" dirty="0">
+            <a:r>
+              <a:rPr lang="en-US" sz="2100" b="1" dirty="0">
+                <a:latin typeface="Arial" panose="020B0604020202020204" pitchFamily="34" charset="0"/>
+                <a:ea typeface="Roboto" pitchFamily="2" charset="0"/>
+                <a:cs typeface="Arial" panose="020B0604020202020204" pitchFamily="34" charset="0"/>
+              </a:rPr>
+              <a:t>Team </a:t>
+            </a:r>
+            <a:r>
+              <a:rPr lang="en-US" sz="2100" b="1" dirty="0" smtClean="0">
+                <a:latin typeface="Arial" panose="020B0604020202020204" pitchFamily="34" charset="0"/>
+                <a:ea typeface="Roboto" pitchFamily="2" charset="0"/>
+                <a:cs typeface="Arial" panose="020B0604020202020204" pitchFamily="34" charset="0"/>
+              </a:rPr>
+              <a:t>#2</a:t>
+            </a:r>
+            <a:endParaRPr lang="en-US" sz="2100" b="1" dirty="0">
               <a:latin typeface="Arial" panose="020B0604020202020204" pitchFamily="34" charset="0"/>
+              <a:ea typeface="Roboto" pitchFamily="2" charset="0"/>
               <a:cs typeface="Arial" panose="020B0604020202020204" pitchFamily="34" charset="0"/>
             </a:endParaRPr>
           </a:p>
           <a:p>
-            <a:pPr marL="685800" lvl="0" indent="-457200">
-              <a:spcBef>
-                <a:spcPts val="0"/>
-              </a:spcBef>
-              <a:buFont typeface="Arial" panose="020B0604020202020204" pitchFamily="34" charset="0"/>
-              <a:buChar char="•"/>
-            </a:pPr>
-            <a:r>
-              <a:rPr lang="en" sz="3000" dirty="0" smtClean="0">
-                <a:latin typeface="Arial" panose="020B0604020202020204" pitchFamily="34" charset="0"/>
-                <a:cs typeface="Arial" panose="020B0604020202020204" pitchFamily="34" charset="0"/>
-              </a:rPr>
-              <a:t>These can be great portfolio pieces if you invest the time.</a:t>
-            </a:r>
-            <a:endParaRPr lang="en" sz="3000" dirty="0">
+            <a:r>
+              <a:rPr lang="en-US" sz="2400" dirty="0"/>
+              <a:t>Adam </a:t>
+            </a:r>
+            <a:r>
+              <a:rPr lang="en-US" sz="2400" dirty="0" smtClean="0"/>
+              <a:t>Camacho, </a:t>
+            </a:r>
+            <a:r>
+              <a:rPr lang="en-US" sz="2400" dirty="0" err="1" smtClean="0"/>
+              <a:t>Geegana</a:t>
+            </a:r>
+            <a:r>
+              <a:rPr lang="en-US" sz="2400" dirty="0" smtClean="0"/>
+              <a:t> </a:t>
+            </a:r>
+            <a:r>
+              <a:rPr lang="en-US" sz="2400" dirty="0" err="1" smtClean="0"/>
+              <a:t>Wickremasiri</a:t>
+            </a:r>
+            <a:r>
+              <a:rPr lang="en-US" sz="2400" dirty="0" smtClean="0"/>
+              <a:t>, Philip </a:t>
+            </a:r>
+            <a:r>
+              <a:rPr lang="en-US" sz="2400" dirty="0"/>
+              <a:t>Cooke</a:t>
+            </a:r>
+            <a:endParaRPr lang="en-US" sz="2100" dirty="0">
               <a:latin typeface="Arial" panose="020B0604020202020204" pitchFamily="34" charset="0"/>
+              <a:ea typeface="Roboto" pitchFamily="2" charset="0"/>
+              <a:cs typeface="Arial" panose="020B0604020202020204" pitchFamily="34" charset="0"/>
+            </a:endParaRPr>
+          </a:p>
+          <a:p>
+            <a:r>
+              <a:rPr lang="en-US" sz="2100" b="1" dirty="0">
+                <a:latin typeface="Arial" panose="020B0604020202020204" pitchFamily="34" charset="0"/>
+                <a:ea typeface="Roboto" pitchFamily="2" charset="0"/>
+                <a:cs typeface="Arial" panose="020B0604020202020204" pitchFamily="34" charset="0"/>
+              </a:rPr>
+              <a:t>Team </a:t>
+            </a:r>
+            <a:r>
+              <a:rPr lang="en-US" sz="2100" b="1" dirty="0" smtClean="0">
+                <a:latin typeface="Arial" panose="020B0604020202020204" pitchFamily="34" charset="0"/>
+                <a:ea typeface="Roboto" pitchFamily="2" charset="0"/>
+                <a:cs typeface="Arial" panose="020B0604020202020204" pitchFamily="34" charset="0"/>
+              </a:rPr>
+              <a:t>#3</a:t>
+            </a:r>
+            <a:endParaRPr lang="en-US" sz="2100" b="1" dirty="0">
+              <a:latin typeface="Arial" panose="020B0604020202020204" pitchFamily="34" charset="0"/>
+              <a:ea typeface="Roboto" pitchFamily="2" charset="0"/>
+              <a:cs typeface="Arial" panose="020B0604020202020204" pitchFamily="34" charset="0"/>
+            </a:endParaRPr>
+          </a:p>
+          <a:p>
+            <a:r>
+              <a:rPr lang="en-US" sz="2400" dirty="0" err="1"/>
+              <a:t>Conor</a:t>
+            </a:r>
+            <a:r>
+              <a:rPr lang="en-US" sz="2400" dirty="0"/>
+              <a:t> </a:t>
+            </a:r>
+            <a:r>
+              <a:rPr lang="en-US" sz="2400" dirty="0" smtClean="0"/>
+              <a:t>Mullen, Matthew White, Peter </a:t>
+            </a:r>
+            <a:r>
+              <a:rPr lang="en-US" sz="2400" dirty="0" err="1"/>
+              <a:t>Guerro</a:t>
+            </a:r>
+            <a:endParaRPr lang="en-US" sz="2100" dirty="0">
+              <a:latin typeface="Arial" panose="020B0604020202020204" pitchFamily="34" charset="0"/>
+              <a:ea typeface="Roboto" pitchFamily="2" charset="0"/>
+              <a:cs typeface="Arial" panose="020B0604020202020204" pitchFamily="34" charset="0"/>
+            </a:endParaRPr>
+          </a:p>
+          <a:p>
+            <a:r>
+              <a:rPr lang="en-US" sz="2100" b="1" dirty="0">
+                <a:latin typeface="Arial" panose="020B0604020202020204" pitchFamily="34" charset="0"/>
+                <a:ea typeface="Roboto" pitchFamily="2" charset="0"/>
+                <a:cs typeface="Arial" panose="020B0604020202020204" pitchFamily="34" charset="0"/>
+              </a:rPr>
+              <a:t>Team </a:t>
+            </a:r>
+            <a:r>
+              <a:rPr lang="en-US" sz="2100" b="1" dirty="0" smtClean="0">
+                <a:latin typeface="Arial" panose="020B0604020202020204" pitchFamily="34" charset="0"/>
+                <a:ea typeface="Roboto" pitchFamily="2" charset="0"/>
+                <a:cs typeface="Arial" panose="020B0604020202020204" pitchFamily="34" charset="0"/>
+              </a:rPr>
+              <a:t>#4</a:t>
+            </a:r>
+            <a:endParaRPr lang="en-US" sz="2100" b="1" dirty="0">
+              <a:latin typeface="Arial" panose="020B0604020202020204" pitchFamily="34" charset="0"/>
+              <a:ea typeface="Roboto" pitchFamily="2" charset="0"/>
+              <a:cs typeface="Arial" panose="020B0604020202020204" pitchFamily="34" charset="0"/>
+            </a:endParaRPr>
+          </a:p>
+          <a:p>
+            <a:r>
+              <a:rPr lang="en-US" sz="2400" dirty="0"/>
+              <a:t>Jessica </a:t>
+            </a:r>
+            <a:r>
+              <a:rPr lang="en-US" sz="2400" dirty="0" smtClean="0"/>
+              <a:t>Hurst, Mike Henry, Monica </a:t>
+            </a:r>
+            <a:r>
+              <a:rPr lang="en-US" sz="2400" dirty="0"/>
+              <a:t>Szabo</a:t>
+            </a:r>
+            <a:endParaRPr lang="en-US" sz="2100" dirty="0" smtClean="0">
+              <a:latin typeface="Arial" panose="020B0604020202020204" pitchFamily="34" charset="0"/>
+              <a:ea typeface="Roboto" pitchFamily="2" charset="0"/>
+              <a:cs typeface="Arial" panose="020B0604020202020204" pitchFamily="34" charset="0"/>
+            </a:endParaRPr>
+          </a:p>
+        </p:txBody>
+      </p:sp>
+      <p:sp>
+        <p:nvSpPr>
+          <p:cNvPr id="7" name="TextBox 6"/>
+          <p:cNvSpPr txBox="1"/>
+          <p:nvPr/>
+        </p:nvSpPr>
+        <p:spPr>
+          <a:xfrm>
+            <a:off x="4800600" y="914400"/>
+            <a:ext cx="4114800" cy="5724644"/>
+          </a:xfrm>
+          <a:prstGeom prst="rect">
+            <a:avLst/>
+          </a:prstGeom>
+          <a:noFill/>
+        </p:spPr>
+        <p:txBody>
+          <a:bodyPr wrap="square" rtlCol="0">
+            <a:spAutoFit/>
+          </a:bodyPr>
+          <a:lstStyle/>
+          <a:p>
+            <a:r>
+              <a:rPr lang="en-US" sz="2100" b="1" dirty="0" smtClean="0">
+                <a:latin typeface="Arial" panose="020B0604020202020204" pitchFamily="34" charset="0"/>
+                <a:ea typeface="Roboto" pitchFamily="2" charset="0"/>
+                <a:cs typeface="Arial" panose="020B0604020202020204" pitchFamily="34" charset="0"/>
+              </a:rPr>
+              <a:t>Team #5</a:t>
+            </a:r>
+          </a:p>
+          <a:p>
+            <a:r>
+              <a:rPr lang="en-US" sz="2400" dirty="0"/>
+              <a:t>Booth </a:t>
+            </a:r>
+            <a:r>
+              <a:rPr lang="en-US" sz="2400" dirty="0" smtClean="0"/>
+              <a:t>Kittson, Christopher Crawford,</a:t>
+            </a:r>
+            <a:r>
+              <a:rPr lang="en-US" sz="2400" dirty="0"/>
+              <a:t> </a:t>
+            </a:r>
+            <a:r>
+              <a:rPr lang="en-US" sz="2400" dirty="0" smtClean="0"/>
+              <a:t>Joshua </a:t>
+            </a:r>
+            <a:r>
+              <a:rPr lang="en-US" sz="2400" dirty="0"/>
+              <a:t>Carroll</a:t>
+            </a:r>
+            <a:endParaRPr lang="en-US" sz="2100" dirty="0">
+              <a:latin typeface="Arial" panose="020B0604020202020204" pitchFamily="34" charset="0"/>
+              <a:ea typeface="Roboto" pitchFamily="2" charset="0"/>
+              <a:cs typeface="Arial" panose="020B0604020202020204" pitchFamily="34" charset="0"/>
+            </a:endParaRPr>
+          </a:p>
+          <a:p>
+            <a:r>
+              <a:rPr lang="en-US" sz="2100" b="1" dirty="0">
+                <a:latin typeface="Arial" panose="020B0604020202020204" pitchFamily="34" charset="0"/>
+                <a:ea typeface="Roboto" pitchFamily="2" charset="0"/>
+                <a:cs typeface="Arial" panose="020B0604020202020204" pitchFamily="34" charset="0"/>
+              </a:rPr>
+              <a:t>Team </a:t>
+            </a:r>
+            <a:r>
+              <a:rPr lang="en-US" sz="2100" b="1" dirty="0" smtClean="0">
+                <a:latin typeface="Arial" panose="020B0604020202020204" pitchFamily="34" charset="0"/>
+                <a:ea typeface="Roboto" pitchFamily="2" charset="0"/>
+                <a:cs typeface="Arial" panose="020B0604020202020204" pitchFamily="34" charset="0"/>
+              </a:rPr>
+              <a:t>#6</a:t>
+            </a:r>
+            <a:endParaRPr lang="en-US" sz="2100" b="1" dirty="0">
+              <a:latin typeface="Arial" panose="020B0604020202020204" pitchFamily="34" charset="0"/>
+              <a:ea typeface="Roboto" pitchFamily="2" charset="0"/>
+              <a:cs typeface="Arial" panose="020B0604020202020204" pitchFamily="34" charset="0"/>
+            </a:endParaRPr>
+          </a:p>
+          <a:p>
+            <a:r>
+              <a:rPr lang="en-US" sz="2400" dirty="0"/>
+              <a:t>Andrew </a:t>
+            </a:r>
+            <a:r>
+              <a:rPr lang="en-US" sz="2400" dirty="0" err="1" smtClean="0"/>
+              <a:t>Heinke</a:t>
+            </a:r>
+            <a:r>
+              <a:rPr lang="en-US" sz="2400" dirty="0" smtClean="0"/>
+              <a:t>, Cherie </a:t>
+            </a:r>
+            <a:r>
+              <a:rPr lang="en-US" sz="2400" dirty="0" err="1" smtClean="0"/>
+              <a:t>Shedd</a:t>
+            </a:r>
+            <a:r>
+              <a:rPr lang="en-US" sz="2400" dirty="0" smtClean="0"/>
+              <a:t>, Herbert </a:t>
+            </a:r>
+            <a:r>
+              <a:rPr lang="en-US" sz="2400" dirty="0"/>
+              <a:t>Gutierrez</a:t>
+            </a:r>
+            <a:endParaRPr lang="en-US" sz="2100" dirty="0">
+              <a:latin typeface="Arial" panose="020B0604020202020204" pitchFamily="34" charset="0"/>
+              <a:ea typeface="Roboto" pitchFamily="2" charset="0"/>
+              <a:cs typeface="Arial" panose="020B0604020202020204" pitchFamily="34" charset="0"/>
+            </a:endParaRPr>
+          </a:p>
+          <a:p>
+            <a:r>
+              <a:rPr lang="en-US" sz="2100" b="1" dirty="0">
+                <a:latin typeface="Arial" panose="020B0604020202020204" pitchFamily="34" charset="0"/>
+                <a:ea typeface="Roboto" pitchFamily="2" charset="0"/>
+                <a:cs typeface="Arial" panose="020B0604020202020204" pitchFamily="34" charset="0"/>
+              </a:rPr>
+              <a:t>Team </a:t>
+            </a:r>
+            <a:r>
+              <a:rPr lang="en-US" sz="2100" b="1" dirty="0" smtClean="0">
+                <a:latin typeface="Arial" panose="020B0604020202020204" pitchFamily="34" charset="0"/>
+                <a:ea typeface="Roboto" pitchFamily="2" charset="0"/>
+                <a:cs typeface="Arial" panose="020B0604020202020204" pitchFamily="34" charset="0"/>
+              </a:rPr>
+              <a:t>#7</a:t>
+            </a:r>
+            <a:endParaRPr lang="en-US" sz="2100" b="1" dirty="0">
+              <a:latin typeface="Arial" panose="020B0604020202020204" pitchFamily="34" charset="0"/>
+              <a:ea typeface="Roboto" pitchFamily="2" charset="0"/>
+              <a:cs typeface="Arial" panose="020B0604020202020204" pitchFamily="34" charset="0"/>
+            </a:endParaRPr>
+          </a:p>
+          <a:p>
+            <a:r>
+              <a:rPr lang="en-US" sz="2400" dirty="0"/>
+              <a:t>David </a:t>
+            </a:r>
+            <a:r>
+              <a:rPr lang="en-US" sz="2400" dirty="0" smtClean="0"/>
+              <a:t>Quinlan, Kayla Martin, Lance </a:t>
+            </a:r>
+            <a:r>
+              <a:rPr lang="en-US" sz="2400" dirty="0"/>
+              <a:t>Martin</a:t>
+            </a:r>
+            <a:endParaRPr lang="en-US" sz="2100" dirty="0">
+              <a:latin typeface="Arial" panose="020B0604020202020204" pitchFamily="34" charset="0"/>
+              <a:ea typeface="Roboto" pitchFamily="2" charset="0"/>
+              <a:cs typeface="Arial" panose="020B0604020202020204" pitchFamily="34" charset="0"/>
+            </a:endParaRPr>
+          </a:p>
+          <a:p>
+            <a:r>
+              <a:rPr lang="en-US" sz="2100" b="1" dirty="0">
+                <a:latin typeface="Arial" panose="020B0604020202020204" pitchFamily="34" charset="0"/>
+                <a:ea typeface="Roboto" pitchFamily="2" charset="0"/>
+                <a:cs typeface="Arial" panose="020B0604020202020204" pitchFamily="34" charset="0"/>
+              </a:rPr>
+              <a:t>Team </a:t>
+            </a:r>
+            <a:r>
+              <a:rPr lang="en-US" sz="2100" b="1" dirty="0" smtClean="0">
+                <a:latin typeface="Arial" panose="020B0604020202020204" pitchFamily="34" charset="0"/>
+                <a:ea typeface="Roboto" pitchFamily="2" charset="0"/>
+                <a:cs typeface="Arial" panose="020B0604020202020204" pitchFamily="34" charset="0"/>
+              </a:rPr>
+              <a:t>#8</a:t>
+            </a:r>
+            <a:endParaRPr lang="en-US" sz="2100" b="1" dirty="0">
+              <a:latin typeface="Arial" panose="020B0604020202020204" pitchFamily="34" charset="0"/>
+              <a:ea typeface="Roboto" pitchFamily="2" charset="0"/>
+              <a:cs typeface="Arial" panose="020B0604020202020204" pitchFamily="34" charset="0"/>
+            </a:endParaRPr>
+          </a:p>
+          <a:p>
+            <a:r>
+              <a:rPr lang="en-US" sz="2400" dirty="0"/>
+              <a:t>Lisa </a:t>
+            </a:r>
+            <a:r>
+              <a:rPr lang="en-US" sz="2400" dirty="0" smtClean="0"/>
+              <a:t>Watkins, Megan King, Rhea Rivera</a:t>
+            </a:r>
+          </a:p>
+          <a:p>
+            <a:r>
+              <a:rPr lang="en-US" sz="2100" b="1" dirty="0">
+                <a:latin typeface="Arial" panose="020B0604020202020204" pitchFamily="34" charset="0"/>
+                <a:ea typeface="Roboto" pitchFamily="2" charset="0"/>
+                <a:cs typeface="Arial" panose="020B0604020202020204" pitchFamily="34" charset="0"/>
+              </a:rPr>
+              <a:t>Team </a:t>
+            </a:r>
+            <a:r>
+              <a:rPr lang="en-US" sz="2100" b="1" dirty="0" smtClean="0">
+                <a:latin typeface="Arial" panose="020B0604020202020204" pitchFamily="34" charset="0"/>
+                <a:ea typeface="Roboto" pitchFamily="2" charset="0"/>
+                <a:cs typeface="Arial" panose="020B0604020202020204" pitchFamily="34" charset="0"/>
+              </a:rPr>
+              <a:t>#9</a:t>
+            </a:r>
+          </a:p>
+          <a:p>
+            <a:r>
+              <a:rPr lang="en-US" sz="2400" dirty="0"/>
+              <a:t>Jack </a:t>
+            </a:r>
+            <a:r>
+              <a:rPr lang="en-US" sz="2400" dirty="0" smtClean="0"/>
+              <a:t>Walker, James </a:t>
+            </a:r>
+            <a:r>
+              <a:rPr lang="en-US" sz="2400" dirty="0" err="1" smtClean="0"/>
+              <a:t>Bazan</a:t>
+            </a:r>
+            <a:r>
+              <a:rPr lang="en-US" sz="2400" dirty="0" smtClean="0"/>
+              <a:t>, Justin </a:t>
+            </a:r>
+            <a:r>
+              <a:rPr lang="en-US" sz="2400" dirty="0"/>
+              <a:t>LeBlanc</a:t>
+            </a:r>
+            <a:endParaRPr lang="en-US" sz="2100" b="1" dirty="0">
+              <a:latin typeface="Arial" panose="020B0604020202020204" pitchFamily="34" charset="0"/>
+              <a:ea typeface="Roboto" pitchFamily="2" charset="0"/>
+              <a:cs typeface="Arial" panose="020B0604020202020204" pitchFamily="34" charset="0"/>
+            </a:endParaRPr>
+          </a:p>
+          <a:p>
+            <a:endParaRPr lang="en-US" sz="2100" dirty="0" smtClean="0">
+              <a:latin typeface="Arial" panose="020B0604020202020204" pitchFamily="34" charset="0"/>
+              <a:ea typeface="Roboto" pitchFamily="2" charset="0"/>
               <a:cs typeface="Arial" panose="020B0604020202020204" pitchFamily="34" charset="0"/>
             </a:endParaRPr>
           </a:p>
@@ -9560,7 +9423,7 @@
     </p:spTree>
     <p:extLst>
       <p:ext uri="{BB962C8B-B14F-4D97-AF65-F5344CB8AC3E}">
-        <p14:creationId xmlns:p14="http://schemas.microsoft.com/office/powerpoint/2010/main" val="2217315325"/>
+        <p14:creationId xmlns:p14="http://schemas.microsoft.com/office/powerpoint/2010/main" val="17340552"/>
       </p:ext>
     </p:extLst>
   </p:cSld>
@@ -9623,7 +9486,7 @@
           <a:p>
             <a:r>
               <a:rPr lang="en-US" dirty="0" smtClean="0"/>
-              <a:t>Metrics</a:t>
+              <a:t>Task</a:t>
             </a:r>
             <a:endParaRPr lang="en-US" dirty="0"/>
           </a:p>
@@ -9632,7 +9495,7 @@
     </p:spTree>
     <p:extLst>
       <p:ext uri="{BB962C8B-B14F-4D97-AF65-F5344CB8AC3E}">
-        <p14:creationId xmlns:p14="http://schemas.microsoft.com/office/powerpoint/2010/main" val="3698636728"/>
+        <p14:creationId xmlns:p14="http://schemas.microsoft.com/office/powerpoint/2010/main" val="1097347792"/>
       </p:ext>
     </p:extLst>
   </p:cSld>
@@ -9680,7 +9543,7 @@
       </p:grpSpPr>
       <p:sp>
         <p:nvSpPr>
-          <p:cNvPr id="4" name="Rectangle 3"/>
+          <p:cNvPr id="9" name="Rectangle 8"/>
           <p:cNvSpPr/>
           <p:nvPr/>
         </p:nvSpPr>
@@ -9704,7 +9567,7 @@
                 <a:latin typeface="Arial" panose="020B0604020202020204" pitchFamily="34" charset="0"/>
                 <a:cs typeface="Arial" panose="020B0604020202020204" pitchFamily="34" charset="0"/>
               </a:rPr>
-              <a:t>Metrics</a:t>
+              <a:t>Coding Requirements</a:t>
             </a:r>
             <a:endParaRPr lang="en-US" sz="2400" b="1" dirty="0">
               <a:latin typeface="Arial" panose="020B0604020202020204" pitchFamily="34" charset="0"/>
@@ -9715,14 +9578,14 @@
       </p:sp>
       <p:sp>
         <p:nvSpPr>
-          <p:cNvPr id="5" name="TextBox 4"/>
+          <p:cNvPr id="10" name="TextBox 9"/>
           <p:cNvSpPr txBox="1"/>
           <p:nvPr/>
         </p:nvSpPr>
         <p:spPr>
           <a:xfrm>
             <a:off x="304799" y="762000"/>
-            <a:ext cx="3733801" cy="5078313"/>
+            <a:ext cx="8730343" cy="5632311"/>
           </a:xfrm>
           <a:prstGeom prst="rect">
             <a:avLst/>
@@ -9740,12 +9603,28 @@
               <a:buChar char="•"/>
             </a:pPr>
             <a:r>
-              <a:rPr lang="en-US" sz="3600" b="1" dirty="0" smtClean="0">
+              <a:rPr lang="en-US" b="1" dirty="0" smtClean="0">
                 <a:latin typeface="Arial" panose="020B0604020202020204" pitchFamily="34" charset="0"/>
                 <a:ea typeface="Roboto" pitchFamily="2" charset="0"/>
                 <a:cs typeface="Arial" panose="020B0604020202020204" pitchFamily="34" charset="0"/>
               </a:rPr>
-              <a:t>Concept</a:t>
+              <a:t>Must uses </a:t>
+            </a:r>
+            <a:r>
+              <a:rPr lang="en-US" b="1" dirty="0">
+                <a:latin typeface="Arial" panose="020B0604020202020204" pitchFamily="34" charset="0"/>
+                <a:ea typeface="Roboto" pitchFamily="2" charset="0"/>
+                <a:cs typeface="Arial" panose="020B0604020202020204" pitchFamily="34" charset="0"/>
+              </a:rPr>
+              <a:t>at least </a:t>
+            </a:r>
+            <a:r>
+              <a:rPr lang="en-US" b="1" u="sng" dirty="0">
+                <a:latin typeface="Arial" panose="020B0604020202020204" pitchFamily="34" charset="0"/>
+                <a:ea typeface="Roboto" pitchFamily="2" charset="0"/>
+                <a:cs typeface="Arial" panose="020B0604020202020204" pitchFamily="34" charset="0"/>
+              </a:rPr>
+              <a:t>two APIs</a:t>
             </a:r>
           </a:p>
           <a:p>
@@ -9753,7 +9632,7 @@
               <a:buFont typeface="Arial" panose="020B0604020202020204" pitchFamily="34" charset="0"/>
               <a:buChar char="•"/>
             </a:pPr>
-            <a:endParaRPr lang="en-US" sz="3600" b="1" dirty="0" smtClean="0">
+            <a:endParaRPr lang="en-US" b="1" dirty="0" smtClean="0">
               <a:latin typeface="Arial" panose="020B0604020202020204" pitchFamily="34" charset="0"/>
               <a:ea typeface="Roboto" pitchFamily="2" charset="0"/>
               <a:cs typeface="Arial" panose="020B0604020202020204" pitchFamily="34" charset="0"/>
@@ -9765,12 +9644,20 @@
               <a:buChar char="•"/>
             </a:pPr>
             <a:r>
-              <a:rPr lang="en-US" sz="3600" b="1" dirty="0" smtClean="0">
+              <a:rPr lang="en-US" b="1" dirty="0" smtClean="0">
                 <a:latin typeface="Arial" panose="020B0604020202020204" pitchFamily="34" charset="0"/>
                 <a:ea typeface="Roboto" pitchFamily="2" charset="0"/>
                 <a:cs typeface="Arial" panose="020B0604020202020204" pitchFamily="34" charset="0"/>
               </a:rPr>
-              <a:t>Design</a:t>
+              <a:t>Must use </a:t>
+            </a:r>
+            <a:r>
+              <a:rPr lang="en-US" b="1" u="sng" dirty="0" smtClean="0">
+                <a:latin typeface="Arial" panose="020B0604020202020204" pitchFamily="34" charset="0"/>
+                <a:ea typeface="Roboto" pitchFamily="2" charset="0"/>
+                <a:cs typeface="Arial" panose="020B0604020202020204" pitchFamily="34" charset="0"/>
+              </a:rPr>
+              <a:t>AJAX to pull data</a:t>
             </a:r>
           </a:p>
           <a:p>
@@ -9778,7 +9665,7 @@
               <a:buFont typeface="Arial" panose="020B0604020202020204" pitchFamily="34" charset="0"/>
               <a:buChar char="•"/>
             </a:pPr>
-            <a:endParaRPr lang="en-US" sz="3600" b="1" dirty="0" smtClean="0">
+            <a:endParaRPr lang="en-US" b="1" u="sng" dirty="0">
               <a:latin typeface="Arial" panose="020B0604020202020204" pitchFamily="34" charset="0"/>
               <a:ea typeface="Roboto" pitchFamily="2" charset="0"/>
               <a:cs typeface="Arial" panose="020B0604020202020204" pitchFamily="34" charset="0"/>
@@ -9790,12 +9677,28 @@
               <a:buChar char="•"/>
             </a:pPr>
             <a:r>
-              <a:rPr lang="en-US" sz="3600" b="1" dirty="0" smtClean="0">
+              <a:rPr lang="en-US" b="1" dirty="0" smtClean="0">
                 <a:latin typeface="Arial" panose="020B0604020202020204" pitchFamily="34" charset="0"/>
                 <a:ea typeface="Roboto" pitchFamily="2" charset="0"/>
                 <a:cs typeface="Arial" panose="020B0604020202020204" pitchFamily="34" charset="0"/>
               </a:rPr>
-              <a:t>Functionality</a:t>
+              <a:t>Must utilize at least one </a:t>
+            </a:r>
+            <a:r>
+              <a:rPr lang="en-US" b="1" u="sng" dirty="0" smtClean="0">
+                <a:latin typeface="Arial" panose="020B0604020202020204" pitchFamily="34" charset="0"/>
+                <a:ea typeface="Roboto" pitchFamily="2" charset="0"/>
+                <a:cs typeface="Arial" panose="020B0604020202020204" pitchFamily="34" charset="0"/>
+              </a:rPr>
+              <a:t>new library or technology</a:t>
+            </a:r>
+            <a:r>
+              <a:rPr lang="en-US" b="1" dirty="0" smtClean="0">
+                <a:latin typeface="Arial" panose="020B0604020202020204" pitchFamily="34" charset="0"/>
+                <a:ea typeface="Roboto" pitchFamily="2" charset="0"/>
+                <a:cs typeface="Arial" panose="020B0604020202020204" pitchFamily="34" charset="0"/>
+              </a:rPr>
+              <a:t> that we haven’t discussed</a:t>
             </a:r>
           </a:p>
           <a:p>
@@ -9803,7 +9706,7 @@
               <a:buFont typeface="Arial" panose="020B0604020202020204" pitchFamily="34" charset="0"/>
               <a:buChar char="•"/>
             </a:pPr>
-            <a:endParaRPr lang="en-US" sz="3600" b="1" dirty="0">
+            <a:endParaRPr lang="en-US" b="1" dirty="0">
               <a:latin typeface="Arial" panose="020B0604020202020204" pitchFamily="34" charset="0"/>
               <a:ea typeface="Roboto" pitchFamily="2" charset="0"/>
               <a:cs typeface="Arial" panose="020B0604020202020204" pitchFamily="34" charset="0"/>
@@ -9815,12 +9718,28 @@
               <a:buChar char="•"/>
             </a:pPr>
             <a:r>
-              <a:rPr lang="en-US" sz="3600" b="1" dirty="0" smtClean="0">
+              <a:rPr lang="en-US" b="1" dirty="0" smtClean="0">
                 <a:latin typeface="Arial" panose="020B0604020202020204" pitchFamily="34" charset="0"/>
                 <a:ea typeface="Roboto" pitchFamily="2" charset="0"/>
                 <a:cs typeface="Arial" panose="020B0604020202020204" pitchFamily="34" charset="0"/>
               </a:rPr>
-              <a:t>Collaboration</a:t>
+              <a:t>Must have a </a:t>
+            </a:r>
+            <a:r>
+              <a:rPr lang="en-US" b="1" u="sng" dirty="0" smtClean="0">
+                <a:latin typeface="Arial" panose="020B0604020202020204" pitchFamily="34" charset="0"/>
+                <a:ea typeface="Roboto" pitchFamily="2" charset="0"/>
+                <a:cs typeface="Arial" panose="020B0604020202020204" pitchFamily="34" charset="0"/>
+              </a:rPr>
+              <a:t>polished frontend / UI</a:t>
+            </a:r>
+            <a:r>
+              <a:rPr lang="en-US" b="1" dirty="0" smtClean="0">
+                <a:latin typeface="Arial" panose="020B0604020202020204" pitchFamily="34" charset="0"/>
+                <a:ea typeface="Roboto" pitchFamily="2" charset="0"/>
+                <a:cs typeface="Arial" panose="020B0604020202020204" pitchFamily="34" charset="0"/>
+              </a:rPr>
+              <a:t> </a:t>
             </a:r>
           </a:p>
           <a:p>
@@ -9828,7 +9747,7 @@
               <a:buFont typeface="Arial" panose="020B0604020202020204" pitchFamily="34" charset="0"/>
               <a:buChar char="•"/>
             </a:pPr>
-            <a:endParaRPr lang="en-US" sz="3600" b="1" dirty="0">
+            <a:endParaRPr lang="en-US" b="1" dirty="0">
               <a:latin typeface="Arial" panose="020B0604020202020204" pitchFamily="34" charset="0"/>
               <a:ea typeface="Roboto" pitchFamily="2" charset="0"/>
               <a:cs typeface="Arial" panose="020B0604020202020204" pitchFamily="34" charset="0"/>
@@ -9840,12 +9759,253 @@
               <a:buChar char="•"/>
             </a:pPr>
             <a:r>
-              <a:rPr lang="en-US" sz="3600" b="1" dirty="0" smtClean="0">
+              <a:rPr lang="en-US" b="1" dirty="0" smtClean="0">
                 <a:latin typeface="Arial" panose="020B0604020202020204" pitchFamily="34" charset="0"/>
                 <a:ea typeface="Roboto" pitchFamily="2" charset="0"/>
                 <a:cs typeface="Arial" panose="020B0604020202020204" pitchFamily="34" charset="0"/>
               </a:rPr>
-              <a:t>Presentation</a:t>
+              <a:t>Must meet </a:t>
+            </a:r>
+            <a:r>
+              <a:rPr lang="en-US" b="1" u="sng" dirty="0" smtClean="0">
+                <a:latin typeface="Arial" panose="020B0604020202020204" pitchFamily="34" charset="0"/>
+                <a:ea typeface="Roboto" pitchFamily="2" charset="0"/>
+                <a:cs typeface="Arial" panose="020B0604020202020204" pitchFamily="34" charset="0"/>
+              </a:rPr>
+              <a:t>good quality coding standards</a:t>
+            </a:r>
+            <a:r>
+              <a:rPr lang="en-US" b="1" dirty="0" smtClean="0">
+                <a:latin typeface="Arial" panose="020B0604020202020204" pitchFamily="34" charset="0"/>
+                <a:ea typeface="Roboto" pitchFamily="2" charset="0"/>
+                <a:cs typeface="Arial" panose="020B0604020202020204" pitchFamily="34" charset="0"/>
+              </a:rPr>
+              <a:t> (indentation, scoping, naming)</a:t>
+            </a:r>
+          </a:p>
+          <a:p>
+            <a:pPr marL="342900" indent="-342900">
+              <a:buFont typeface="Arial" panose="020B0604020202020204" pitchFamily="34" charset="0"/>
+              <a:buChar char="•"/>
+            </a:pPr>
+            <a:endParaRPr lang="en-US" b="1" dirty="0">
+              <a:latin typeface="Arial" panose="020B0604020202020204" pitchFamily="34" charset="0"/>
+              <a:ea typeface="Roboto" pitchFamily="2" charset="0"/>
+              <a:cs typeface="Arial" panose="020B0604020202020204" pitchFamily="34" charset="0"/>
+            </a:endParaRPr>
+          </a:p>
+          <a:p>
+            <a:pPr marL="342900" indent="-342900">
+              <a:buFont typeface="Arial" panose="020B0604020202020204" pitchFamily="34" charset="0"/>
+              <a:buChar char="•"/>
+            </a:pPr>
+            <a:r>
+              <a:rPr lang="en-US" b="1" dirty="0" smtClean="0">
+                <a:latin typeface="Arial" panose="020B0604020202020204" pitchFamily="34" charset="0"/>
+                <a:ea typeface="Roboto" pitchFamily="2" charset="0"/>
+                <a:cs typeface="Arial" panose="020B0604020202020204" pitchFamily="34" charset="0"/>
+              </a:rPr>
+              <a:t>Must </a:t>
+            </a:r>
+            <a:r>
+              <a:rPr lang="en-US" b="1" u="sng" dirty="0" smtClean="0">
+                <a:latin typeface="Arial" panose="020B0604020202020204" pitchFamily="34" charset="0"/>
+                <a:ea typeface="Roboto" pitchFamily="2" charset="0"/>
+                <a:cs typeface="Arial" panose="020B0604020202020204" pitchFamily="34" charset="0"/>
+              </a:rPr>
+              <a:t>NOT use alerts, confirms, or prompts</a:t>
+            </a:r>
+            <a:r>
+              <a:rPr lang="en-US" b="1" dirty="0" smtClean="0">
+                <a:latin typeface="Arial" panose="020B0604020202020204" pitchFamily="34" charset="0"/>
+                <a:ea typeface="Roboto" pitchFamily="2" charset="0"/>
+                <a:cs typeface="Arial" panose="020B0604020202020204" pitchFamily="34" charset="0"/>
+              </a:rPr>
+              <a:t> (look into </a:t>
+            </a:r>
+            <a:r>
+              <a:rPr lang="en-US" b="1" i="1" dirty="0" smtClean="0">
+                <a:latin typeface="Arial" panose="020B0604020202020204" pitchFamily="34" charset="0"/>
+                <a:ea typeface="Roboto" pitchFamily="2" charset="0"/>
+                <a:cs typeface="Arial" panose="020B0604020202020204" pitchFamily="34" charset="0"/>
+              </a:rPr>
+              <a:t>modals!)</a:t>
+            </a:r>
+          </a:p>
+          <a:p>
+            <a:endParaRPr lang="en-US" b="1" dirty="0">
+              <a:latin typeface="Arial" panose="020B0604020202020204" pitchFamily="34" charset="0"/>
+              <a:ea typeface="Roboto" pitchFamily="2" charset="0"/>
+              <a:cs typeface="Arial" panose="020B0604020202020204" pitchFamily="34" charset="0"/>
+            </a:endParaRPr>
+          </a:p>
+          <a:p>
+            <a:pPr marL="342900" indent="-342900">
+              <a:buFont typeface="Arial" panose="020B0604020202020204" pitchFamily="34" charset="0"/>
+              <a:buChar char="•"/>
+            </a:pPr>
+            <a:r>
+              <a:rPr lang="en-US" b="1" dirty="0" smtClean="0">
+                <a:latin typeface="Arial" panose="020B0604020202020204" pitchFamily="34" charset="0"/>
+                <a:ea typeface="Roboto" pitchFamily="2" charset="0"/>
+                <a:cs typeface="Arial" panose="020B0604020202020204" pitchFamily="34" charset="0"/>
+              </a:rPr>
+              <a:t>Must have some sort of </a:t>
+            </a:r>
+            <a:r>
+              <a:rPr lang="en-US" b="1" u="sng" dirty="0" smtClean="0">
+                <a:latin typeface="Arial" panose="020B0604020202020204" pitchFamily="34" charset="0"/>
+                <a:ea typeface="Roboto" pitchFamily="2" charset="0"/>
+                <a:cs typeface="Arial" panose="020B0604020202020204" pitchFamily="34" charset="0"/>
+              </a:rPr>
+              <a:t>repeating element</a:t>
+            </a:r>
+            <a:r>
+              <a:rPr lang="en-US" b="1" dirty="0" smtClean="0">
+                <a:latin typeface="Arial" panose="020B0604020202020204" pitchFamily="34" charset="0"/>
+                <a:ea typeface="Roboto" pitchFamily="2" charset="0"/>
+                <a:cs typeface="Arial" panose="020B0604020202020204" pitchFamily="34" charset="0"/>
+              </a:rPr>
+              <a:t> (table, columns, </a:t>
+            </a:r>
+            <a:r>
+              <a:rPr lang="en-US" b="1" dirty="0" err="1" smtClean="0">
+                <a:latin typeface="Arial" panose="020B0604020202020204" pitchFamily="34" charset="0"/>
+                <a:ea typeface="Roboto" pitchFamily="2" charset="0"/>
+                <a:cs typeface="Arial" panose="020B0604020202020204" pitchFamily="34" charset="0"/>
+              </a:rPr>
+              <a:t>etc</a:t>
+            </a:r>
+            <a:r>
+              <a:rPr lang="en-US" b="1" dirty="0" smtClean="0">
+                <a:latin typeface="Arial" panose="020B0604020202020204" pitchFamily="34" charset="0"/>
+                <a:ea typeface="Roboto" pitchFamily="2" charset="0"/>
+                <a:cs typeface="Arial" panose="020B0604020202020204" pitchFamily="34" charset="0"/>
+              </a:rPr>
+              <a:t>)</a:t>
+            </a:r>
+          </a:p>
+          <a:p>
+            <a:pPr marL="342900" indent="-342900">
+              <a:buFont typeface="Arial" panose="020B0604020202020204" pitchFamily="34" charset="0"/>
+              <a:buChar char="•"/>
+            </a:pPr>
+            <a:endParaRPr lang="en-US" b="1" dirty="0">
+              <a:latin typeface="Arial" panose="020B0604020202020204" pitchFamily="34" charset="0"/>
+              <a:ea typeface="Roboto" pitchFamily="2" charset="0"/>
+              <a:cs typeface="Arial" panose="020B0604020202020204" pitchFamily="34" charset="0"/>
+            </a:endParaRPr>
+          </a:p>
+          <a:p>
+            <a:pPr marL="342900" indent="-342900">
+              <a:buFont typeface="Arial" panose="020B0604020202020204" pitchFamily="34" charset="0"/>
+              <a:buChar char="•"/>
+            </a:pPr>
+            <a:r>
+              <a:rPr lang="en-US" b="1" dirty="0" smtClean="0">
+                <a:latin typeface="Arial" panose="020B0604020202020204" pitchFamily="34" charset="0"/>
+                <a:ea typeface="Roboto" pitchFamily="2" charset="0"/>
+                <a:cs typeface="Arial" panose="020B0604020202020204" pitchFamily="34" charset="0"/>
+              </a:rPr>
+              <a:t>Must use </a:t>
+            </a:r>
+            <a:r>
+              <a:rPr lang="en-US" b="1" u="sng" dirty="0" smtClean="0">
+                <a:latin typeface="Arial" panose="020B0604020202020204" pitchFamily="34" charset="0"/>
+                <a:ea typeface="Roboto" pitchFamily="2" charset="0"/>
+                <a:cs typeface="Arial" panose="020B0604020202020204" pitchFamily="34" charset="0"/>
+              </a:rPr>
+              <a:t>Bootstrap or Alternative CSS Framework</a:t>
+            </a:r>
+          </a:p>
+          <a:p>
+            <a:pPr marL="342900" indent="-342900">
+              <a:buFont typeface="Arial" panose="020B0604020202020204" pitchFamily="34" charset="0"/>
+              <a:buChar char="•"/>
+            </a:pPr>
+            <a:endParaRPr lang="en-US" b="1" dirty="0">
+              <a:latin typeface="Arial" panose="020B0604020202020204" pitchFamily="34" charset="0"/>
+              <a:ea typeface="Roboto" pitchFamily="2" charset="0"/>
+              <a:cs typeface="Arial" panose="020B0604020202020204" pitchFamily="34" charset="0"/>
+            </a:endParaRPr>
+          </a:p>
+          <a:p>
+            <a:pPr marL="342900" indent="-342900">
+              <a:buFont typeface="Arial" panose="020B0604020202020204" pitchFamily="34" charset="0"/>
+              <a:buChar char="•"/>
+            </a:pPr>
+            <a:r>
+              <a:rPr lang="en-US" b="1" dirty="0" smtClean="0">
+                <a:latin typeface="Arial" panose="020B0604020202020204" pitchFamily="34" charset="0"/>
+                <a:ea typeface="Roboto" pitchFamily="2" charset="0"/>
+                <a:cs typeface="Arial" panose="020B0604020202020204" pitchFamily="34" charset="0"/>
+              </a:rPr>
+              <a:t>Must be </a:t>
+            </a:r>
+            <a:r>
+              <a:rPr lang="en-US" b="1" u="sng" dirty="0" smtClean="0">
+                <a:latin typeface="Arial" panose="020B0604020202020204" pitchFamily="34" charset="0"/>
+                <a:ea typeface="Roboto" pitchFamily="2" charset="0"/>
+                <a:cs typeface="Arial" panose="020B0604020202020204" pitchFamily="34" charset="0"/>
+              </a:rPr>
+              <a:t>Deployed</a:t>
+            </a:r>
+            <a:r>
+              <a:rPr lang="en-US" b="1" dirty="0" smtClean="0">
+                <a:latin typeface="Arial" panose="020B0604020202020204" pitchFamily="34" charset="0"/>
+                <a:ea typeface="Roboto" pitchFamily="2" charset="0"/>
+                <a:cs typeface="Arial" panose="020B0604020202020204" pitchFamily="34" charset="0"/>
+              </a:rPr>
+              <a:t> (</a:t>
+            </a:r>
+            <a:r>
+              <a:rPr lang="en-US" b="1" dirty="0" err="1" smtClean="0">
+                <a:latin typeface="Arial" panose="020B0604020202020204" pitchFamily="34" charset="0"/>
+                <a:ea typeface="Roboto" pitchFamily="2" charset="0"/>
+                <a:cs typeface="Arial" panose="020B0604020202020204" pitchFamily="34" charset="0"/>
+              </a:rPr>
+              <a:t>Heroku</a:t>
+            </a:r>
+            <a:r>
+              <a:rPr lang="en-US" b="1" dirty="0" smtClean="0">
+                <a:latin typeface="Arial" panose="020B0604020202020204" pitchFamily="34" charset="0"/>
+                <a:ea typeface="Roboto" pitchFamily="2" charset="0"/>
+                <a:cs typeface="Arial" panose="020B0604020202020204" pitchFamily="34" charset="0"/>
+              </a:rPr>
+              <a:t> or Firebase)</a:t>
+            </a:r>
+          </a:p>
+          <a:p>
+            <a:pPr marL="342900" indent="-342900">
+              <a:buFont typeface="Arial" panose="020B0604020202020204" pitchFamily="34" charset="0"/>
+              <a:buChar char="•"/>
+            </a:pPr>
+            <a:endParaRPr lang="en-US" b="1" dirty="0">
+              <a:latin typeface="Arial" panose="020B0604020202020204" pitchFamily="34" charset="0"/>
+              <a:ea typeface="Roboto" pitchFamily="2" charset="0"/>
+              <a:cs typeface="Arial" panose="020B0604020202020204" pitchFamily="34" charset="0"/>
+            </a:endParaRPr>
+          </a:p>
+          <a:p>
+            <a:pPr marL="342900" indent="-342900">
+              <a:buFont typeface="Arial" panose="020B0604020202020204" pitchFamily="34" charset="0"/>
+              <a:buChar char="•"/>
+            </a:pPr>
+            <a:r>
+              <a:rPr lang="en-US" b="1" dirty="0" smtClean="0">
+                <a:latin typeface="Arial" panose="020B0604020202020204" pitchFamily="34" charset="0"/>
+                <a:ea typeface="Roboto" pitchFamily="2" charset="0"/>
+                <a:cs typeface="Arial" panose="020B0604020202020204" pitchFamily="34" charset="0"/>
+              </a:rPr>
+              <a:t>Must have </a:t>
+            </a:r>
+            <a:r>
+              <a:rPr lang="en-US" b="1" u="sng" dirty="0" smtClean="0">
+                <a:latin typeface="Arial" panose="020B0604020202020204" pitchFamily="34" charset="0"/>
+                <a:ea typeface="Roboto" pitchFamily="2" charset="0"/>
+                <a:cs typeface="Arial" panose="020B0604020202020204" pitchFamily="34" charset="0"/>
+              </a:rPr>
+              <a:t>User Input Validation </a:t>
             </a:r>
           </a:p>
         </p:txBody>
@@ -9853,7 +10013,7 @@
     </p:spTree>
     <p:extLst>
       <p:ext uri="{BB962C8B-B14F-4D97-AF65-F5344CB8AC3E}">
-        <p14:creationId xmlns:p14="http://schemas.microsoft.com/office/powerpoint/2010/main" val="4274685843"/>
+        <p14:creationId xmlns:p14="http://schemas.microsoft.com/office/powerpoint/2010/main" val="1535459678"/>
       </p:ext>
     </p:extLst>
   </p:cSld>
@@ -9901,7 +10061,7 @@
       </p:grpSpPr>
       <p:sp>
         <p:nvSpPr>
-          <p:cNvPr id="6" name="Rectangle 5"/>
+          <p:cNvPr id="4" name="Rectangle 3"/>
           <p:cNvSpPr/>
           <p:nvPr/>
         </p:nvSpPr>
@@ -9925,7 +10085,7 @@
                 <a:latin typeface="Arial" panose="020B0604020202020204" pitchFamily="34" charset="0"/>
                 <a:cs typeface="Arial" panose="020B0604020202020204" pitchFamily="34" charset="0"/>
               </a:rPr>
-              <a:t>Awards Yay!</a:t>
+              <a:t>Coding – Nice To Haves</a:t>
             </a:r>
             <a:endParaRPr lang="en-US" sz="2400" b="1" dirty="0">
               <a:latin typeface="Arial" panose="020B0604020202020204" pitchFamily="34" charset="0"/>
@@ -9936,14 +10096,14 @@
       </p:sp>
       <p:sp>
         <p:nvSpPr>
-          <p:cNvPr id="7" name="TextBox 6"/>
+          <p:cNvPr id="5" name="TextBox 4"/>
           <p:cNvSpPr txBox="1"/>
           <p:nvPr/>
         </p:nvSpPr>
         <p:spPr>
           <a:xfrm>
             <a:off x="304799" y="762000"/>
-            <a:ext cx="8382001" cy="5632311"/>
+            <a:ext cx="8730343" cy="1754326"/>
           </a:xfrm>
           <a:prstGeom prst="rect">
             <a:avLst/>
@@ -9961,12 +10121,44 @@
               <a:buChar char="•"/>
             </a:pPr>
             <a:r>
-              <a:rPr lang="en-US" sz="2400" b="1" dirty="0">
+              <a:rPr lang="en-US" b="1" dirty="0" smtClean="0">
                 <a:latin typeface="Arial" panose="020B0604020202020204" pitchFamily="34" charset="0"/>
                 <a:ea typeface="Roboto" pitchFamily="2" charset="0"/>
                 <a:cs typeface="Arial" panose="020B0604020202020204" pitchFamily="34" charset="0"/>
               </a:rPr>
-              <a:t>Most Awe-Inspiring</a:t>
+              <a:t>Utilize Firebase for </a:t>
+            </a:r>
+            <a:r>
+              <a:rPr lang="en-US" b="1" u="sng" dirty="0" smtClean="0">
+                <a:latin typeface="Arial" panose="020B0604020202020204" pitchFamily="34" charset="0"/>
+                <a:ea typeface="Roboto" pitchFamily="2" charset="0"/>
+                <a:cs typeface="Arial" panose="020B0604020202020204" pitchFamily="34" charset="0"/>
+              </a:rPr>
+              <a:t>Persistent Data Storage</a:t>
+            </a:r>
+            <a:r>
+              <a:rPr lang="en-US" dirty="0" smtClean="0">
+                <a:latin typeface="Arial" panose="020B0604020202020204" pitchFamily="34" charset="0"/>
+                <a:ea typeface="Roboto" pitchFamily="2" charset="0"/>
+                <a:cs typeface="Arial" panose="020B0604020202020204" pitchFamily="34" charset="0"/>
+              </a:rPr>
+              <a:t> (Consider this </a:t>
+            </a:r>
+            <a:r>
+              <a:rPr lang="en-US" b="1" u="sng" dirty="0" smtClean="0">
+                <a:latin typeface="Arial" panose="020B0604020202020204" pitchFamily="34" charset="0"/>
+                <a:ea typeface="Roboto" pitchFamily="2" charset="0"/>
+                <a:cs typeface="Arial" panose="020B0604020202020204" pitchFamily="34" charset="0"/>
+              </a:rPr>
+              <a:t>basically a requirement</a:t>
+            </a:r>
+            <a:r>
+              <a:rPr lang="en-US" dirty="0" smtClean="0">
+                <a:latin typeface="Arial" panose="020B0604020202020204" pitchFamily="34" charset="0"/>
+                <a:ea typeface="Roboto" pitchFamily="2" charset="0"/>
+                <a:cs typeface="Arial" panose="020B0604020202020204" pitchFamily="34" charset="0"/>
+              </a:rPr>
+              <a:t>).</a:t>
             </a:r>
           </a:p>
           <a:p>
@@ -9974,7 +10166,7 @@
               <a:buFont typeface="Arial" panose="020B0604020202020204" pitchFamily="34" charset="0"/>
               <a:buChar char="•"/>
             </a:pPr>
-            <a:endParaRPr lang="en-US" sz="2400" b="1" dirty="0" smtClean="0">
+            <a:endParaRPr lang="en-US" u="sng" dirty="0">
               <a:latin typeface="Arial" panose="020B0604020202020204" pitchFamily="34" charset="0"/>
               <a:ea typeface="Roboto" pitchFamily="2" charset="0"/>
               <a:cs typeface="Arial" panose="020B0604020202020204" pitchFamily="34" charset="0"/>
@@ -9986,12 +10178,12 @@
               <a:buChar char="•"/>
             </a:pPr>
             <a:r>
-              <a:rPr lang="en-US" sz="2400" b="1" dirty="0" smtClean="0">
+              <a:rPr lang="en-US" b="1" dirty="0" smtClean="0">
                 <a:latin typeface="Arial" panose="020B0604020202020204" pitchFamily="34" charset="0"/>
                 <a:ea typeface="Roboto" pitchFamily="2" charset="0"/>
                 <a:cs typeface="Arial" panose="020B0604020202020204" pitchFamily="34" charset="0"/>
               </a:rPr>
-              <a:t>Most Useful</a:t>
+              <a:t>Mobile Responsive</a:t>
             </a:r>
           </a:p>
           <a:p>
@@ -9999,7 +10191,7 @@
               <a:buFont typeface="Arial" panose="020B0604020202020204" pitchFamily="34" charset="0"/>
               <a:buChar char="•"/>
             </a:pPr>
-            <a:endParaRPr lang="en-US" sz="2400" b="1" dirty="0" smtClean="0">
+            <a:endParaRPr lang="en-US" b="1" dirty="0">
               <a:latin typeface="Arial" panose="020B0604020202020204" pitchFamily="34" charset="0"/>
               <a:ea typeface="Roboto" pitchFamily="2" charset="0"/>
               <a:cs typeface="Arial" panose="020B0604020202020204" pitchFamily="34" charset="0"/>
@@ -10011,133 +10203,12 @@
               <a:buChar char="•"/>
             </a:pPr>
             <a:r>
-              <a:rPr lang="en-US" sz="2400" b="1" dirty="0" smtClean="0">
+              <a:rPr lang="en-US" b="1" dirty="0" smtClean="0">
                 <a:latin typeface="Arial" panose="020B0604020202020204" pitchFamily="34" charset="0"/>
                 <a:ea typeface="Roboto" pitchFamily="2" charset="0"/>
                 <a:cs typeface="Arial" panose="020B0604020202020204" pitchFamily="34" charset="0"/>
               </a:rPr>
-              <a:t>Most Creative</a:t>
-            </a:r>
-          </a:p>
-          <a:p>
-            <a:pPr marL="342900" indent="-342900">
-              <a:buFont typeface="Arial" panose="020B0604020202020204" pitchFamily="34" charset="0"/>
-              <a:buChar char="•"/>
-            </a:pPr>
-            <a:endParaRPr lang="en-US" sz="2400" b="1" dirty="0">
-              <a:latin typeface="Arial" panose="020B0604020202020204" pitchFamily="34" charset="0"/>
-              <a:ea typeface="Roboto" pitchFamily="2" charset="0"/>
-              <a:cs typeface="Arial" panose="020B0604020202020204" pitchFamily="34" charset="0"/>
-            </a:endParaRPr>
-          </a:p>
-          <a:p>
-            <a:pPr marL="342900" indent="-342900">
-              <a:buFont typeface="Arial" panose="020B0604020202020204" pitchFamily="34" charset="0"/>
-              <a:buChar char="•"/>
-            </a:pPr>
-            <a:r>
-              <a:rPr lang="en-US" sz="2400" b="1" dirty="0" smtClean="0">
-                <a:latin typeface="Arial" panose="020B0604020202020204" pitchFamily="34" charset="0"/>
-                <a:ea typeface="Roboto" pitchFamily="2" charset="0"/>
-                <a:cs typeface="Arial" panose="020B0604020202020204" pitchFamily="34" charset="0"/>
-              </a:rPr>
-              <a:t>Best Use of Tech</a:t>
-            </a:r>
-          </a:p>
-          <a:p>
-            <a:endParaRPr lang="en-US" sz="2400" b="1" dirty="0">
-              <a:latin typeface="Arial" panose="020B0604020202020204" pitchFamily="34" charset="0"/>
-              <a:ea typeface="Roboto" pitchFamily="2" charset="0"/>
-              <a:cs typeface="Arial" panose="020B0604020202020204" pitchFamily="34" charset="0"/>
-            </a:endParaRPr>
-          </a:p>
-          <a:p>
-            <a:pPr marL="342900" indent="-342900">
-              <a:buFont typeface="Arial" panose="020B0604020202020204" pitchFamily="34" charset="0"/>
-              <a:buChar char="•"/>
-            </a:pPr>
-            <a:r>
-              <a:rPr lang="en-US" sz="2400" b="1" dirty="0" smtClean="0">
-                <a:latin typeface="Arial" panose="020B0604020202020204" pitchFamily="34" charset="0"/>
-                <a:ea typeface="Roboto" pitchFamily="2" charset="0"/>
-                <a:cs typeface="Arial" panose="020B0604020202020204" pitchFamily="34" charset="0"/>
-              </a:rPr>
-              <a:t>Best UI/UX</a:t>
-            </a:r>
-          </a:p>
-          <a:p>
-            <a:pPr marL="342900" indent="-342900">
-              <a:buFont typeface="Arial" panose="020B0604020202020204" pitchFamily="34" charset="0"/>
-              <a:buChar char="•"/>
-            </a:pPr>
-            <a:endParaRPr lang="en-US" sz="2400" b="1" dirty="0">
-              <a:latin typeface="Arial" panose="020B0604020202020204" pitchFamily="34" charset="0"/>
-              <a:ea typeface="Roboto" pitchFamily="2" charset="0"/>
-              <a:cs typeface="Arial" panose="020B0604020202020204" pitchFamily="34" charset="0"/>
-            </a:endParaRPr>
-          </a:p>
-          <a:p>
-            <a:pPr marL="342900" indent="-342900">
-              <a:buFont typeface="Arial" panose="020B0604020202020204" pitchFamily="34" charset="0"/>
-              <a:buChar char="•"/>
-            </a:pPr>
-            <a:r>
-              <a:rPr lang="en-US" sz="2400" b="1" dirty="0" smtClean="0">
-                <a:latin typeface="Arial" panose="020B0604020202020204" pitchFamily="34" charset="0"/>
-                <a:ea typeface="Roboto" pitchFamily="2" charset="0"/>
-                <a:cs typeface="Arial" panose="020B0604020202020204" pitchFamily="34" charset="0"/>
-              </a:rPr>
-              <a:t>Most Hilarious</a:t>
-            </a:r>
-          </a:p>
-          <a:p>
-            <a:pPr marL="342900" indent="-342900">
-              <a:buFont typeface="Arial" panose="020B0604020202020204" pitchFamily="34" charset="0"/>
-              <a:buChar char="•"/>
-            </a:pPr>
-            <a:endParaRPr lang="en-US" sz="2400" b="1" dirty="0">
-              <a:latin typeface="Arial" panose="020B0604020202020204" pitchFamily="34" charset="0"/>
-              <a:ea typeface="Roboto" pitchFamily="2" charset="0"/>
-              <a:cs typeface="Arial" panose="020B0604020202020204" pitchFamily="34" charset="0"/>
-            </a:endParaRPr>
-          </a:p>
-          <a:p>
-            <a:pPr marL="342900" indent="-342900">
-              <a:buFont typeface="Arial" panose="020B0604020202020204" pitchFamily="34" charset="0"/>
-              <a:buChar char="•"/>
-            </a:pPr>
-            <a:r>
-              <a:rPr lang="en-US" sz="2400" b="1" dirty="0" smtClean="0">
-                <a:latin typeface="Arial" panose="020B0604020202020204" pitchFamily="34" charset="0"/>
-                <a:ea typeface="Roboto" pitchFamily="2" charset="0"/>
-                <a:cs typeface="Arial" panose="020B0604020202020204" pitchFamily="34" charset="0"/>
-              </a:rPr>
-              <a:t>Most Disruptive</a:t>
-            </a:r>
-          </a:p>
-          <a:p>
-            <a:pPr marL="342900" indent="-342900">
-              <a:buFont typeface="Arial" panose="020B0604020202020204" pitchFamily="34" charset="0"/>
-              <a:buChar char="•"/>
-            </a:pPr>
-            <a:endParaRPr lang="en-US" sz="2400" b="1" dirty="0">
-              <a:latin typeface="Arial" panose="020B0604020202020204" pitchFamily="34" charset="0"/>
-              <a:ea typeface="Roboto" pitchFamily="2" charset="0"/>
-              <a:cs typeface="Arial" panose="020B0604020202020204" pitchFamily="34" charset="0"/>
-            </a:endParaRPr>
-          </a:p>
-          <a:p>
-            <a:pPr marL="342900" indent="-342900">
-              <a:buFont typeface="Arial" panose="020B0604020202020204" pitchFamily="34" charset="0"/>
-              <a:buChar char="•"/>
-            </a:pPr>
-            <a:r>
-              <a:rPr lang="en-US" sz="2400" b="1" dirty="0" smtClean="0">
-                <a:latin typeface="Arial" panose="020B0604020202020204" pitchFamily="34" charset="0"/>
-                <a:ea typeface="Roboto" pitchFamily="2" charset="0"/>
-                <a:cs typeface="Arial" panose="020B0604020202020204" pitchFamily="34" charset="0"/>
-              </a:rPr>
-              <a:t>Most Socially Conscious</a:t>
+              <a:t>Use an alternative CSS framework like Materialize</a:t>
             </a:r>
           </a:p>
         </p:txBody>
@@ -10145,7 +10216,7 @@
     </p:spTree>
     <p:extLst>
       <p:ext uri="{BB962C8B-B14F-4D97-AF65-F5344CB8AC3E}">
-        <p14:creationId xmlns:p14="http://schemas.microsoft.com/office/powerpoint/2010/main" val="2424522056"/>
+        <p14:creationId xmlns:p14="http://schemas.microsoft.com/office/powerpoint/2010/main" val="1619581713"/>
       </p:ext>
     </p:extLst>
   </p:cSld>
@@ -10193,31 +10264,359 @@
       </p:grpSpPr>
       <p:sp>
         <p:nvSpPr>
-          <p:cNvPr id="2" name="Title 1"/>
-          <p:cNvSpPr>
-            <a:spLocks noGrp="1"/>
-          </p:cNvSpPr>
-          <p:nvPr>
-            <p:ph type="title"/>
-          </p:nvPr>
-        </p:nvSpPr>
-        <p:spPr/>
-        <p:txBody>
-          <a:bodyPr/>
+          <p:cNvPr id="6" name="Rectangle 5"/>
+          <p:cNvSpPr/>
+          <p:nvPr/>
+        </p:nvSpPr>
+        <p:spPr>
+          <a:xfrm>
+            <a:off x="304800" y="98052"/>
+            <a:ext cx="6781800" cy="461665"/>
+          </a:xfrm>
+          <a:prstGeom prst="rect">
+            <a:avLst/>
+          </a:prstGeom>
+        </p:spPr>
+        <p:txBody>
+          <a:bodyPr wrap="square">
+            <a:spAutoFit/>
+          </a:bodyPr>
           <a:lstStyle/>
           <a:p>
             <a:r>
-              <a:rPr lang="en-US" dirty="0" smtClean="0"/>
-              <a:t>API Suggestions</a:t>
-            </a:r>
-            <a:endParaRPr lang="en-US" dirty="0"/>
+              <a:rPr lang="en-US" sz="2400" b="1" dirty="0" smtClean="0">
+                <a:latin typeface="Arial" panose="020B0604020202020204" pitchFamily="34" charset="0"/>
+                <a:cs typeface="Arial" panose="020B0604020202020204" pitchFamily="34" charset="0"/>
+              </a:rPr>
+              <a:t>Presentation Requirement</a:t>
+            </a:r>
+            <a:endParaRPr lang="en-US" sz="2400" b="1" dirty="0">
+              <a:latin typeface="Arial" panose="020B0604020202020204" pitchFamily="34" charset="0"/>
+              <a:cs typeface="Arial" panose="020B0604020202020204" pitchFamily="34" charset="0"/>
+            </a:endParaRPr>
+          </a:p>
+        </p:txBody>
+      </p:sp>
+      <p:sp>
+        <p:nvSpPr>
+          <p:cNvPr id="7" name="TextBox 6"/>
+          <p:cNvSpPr txBox="1"/>
+          <p:nvPr/>
+        </p:nvSpPr>
+        <p:spPr>
+          <a:xfrm>
+            <a:off x="304799" y="762000"/>
+            <a:ext cx="8730343" cy="5509200"/>
+          </a:xfrm>
+          <a:prstGeom prst="rect">
+            <a:avLst/>
+          </a:prstGeom>
+          <a:noFill/>
+        </p:spPr>
+        <p:txBody>
+          <a:bodyPr wrap="square" rtlCol="0">
+            <a:spAutoFit/>
+          </a:bodyPr>
+          <a:lstStyle/>
+          <a:p>
+            <a:pPr marL="342900" indent="-342900">
+              <a:buFont typeface="Arial" panose="020B0604020202020204" pitchFamily="34" charset="0"/>
+              <a:buChar char="•"/>
+            </a:pPr>
+            <a:r>
+              <a:rPr lang="en-US" sz="1600" b="1" dirty="0" smtClean="0">
+                <a:latin typeface="Arial" panose="020B0604020202020204" pitchFamily="34" charset="0"/>
+                <a:ea typeface="Roboto" pitchFamily="2" charset="0"/>
+                <a:cs typeface="Arial" panose="020B0604020202020204" pitchFamily="34" charset="0"/>
+              </a:rPr>
+              <a:t>You will also be responsible for preparing a </a:t>
+            </a:r>
+            <a:r>
+              <a:rPr lang="en-US" sz="1600" b="1" u="sng" dirty="0" smtClean="0">
+                <a:latin typeface="Arial" panose="020B0604020202020204" pitchFamily="34" charset="0"/>
+                <a:ea typeface="Roboto" pitchFamily="2" charset="0"/>
+                <a:cs typeface="Arial" panose="020B0604020202020204" pitchFamily="34" charset="0"/>
+              </a:rPr>
+              <a:t>10 minute presentation.</a:t>
+            </a:r>
+          </a:p>
+          <a:p>
+            <a:pPr marL="342900" indent="-342900">
+              <a:buFont typeface="Arial" panose="020B0604020202020204" pitchFamily="34" charset="0"/>
+              <a:buChar char="•"/>
+            </a:pPr>
+            <a:endParaRPr lang="en-US" sz="1600" b="1" u="sng" dirty="0">
+              <a:latin typeface="Arial" panose="020B0604020202020204" pitchFamily="34" charset="0"/>
+              <a:ea typeface="Roboto" pitchFamily="2" charset="0"/>
+              <a:cs typeface="Arial" panose="020B0604020202020204" pitchFamily="34" charset="0"/>
+            </a:endParaRPr>
+          </a:p>
+          <a:p>
+            <a:pPr marL="342900" indent="-342900">
+              <a:buFont typeface="Arial" panose="020B0604020202020204" pitchFamily="34" charset="0"/>
+              <a:buChar char="•"/>
+            </a:pPr>
+            <a:r>
+              <a:rPr lang="en-US" sz="1600" b="1" u="sng" dirty="0" smtClean="0">
+                <a:latin typeface="Arial" panose="020B0604020202020204" pitchFamily="34" charset="0"/>
+                <a:ea typeface="Roboto" pitchFamily="2" charset="0"/>
+                <a:cs typeface="Arial" panose="020B0604020202020204" pitchFamily="34" charset="0"/>
+              </a:rPr>
+              <a:t>This will be a formal presentation. </a:t>
+            </a:r>
+            <a:endParaRPr lang="en-US" sz="1600" dirty="0" smtClean="0">
+              <a:latin typeface="Arial" panose="020B0604020202020204" pitchFamily="34" charset="0"/>
+              <a:ea typeface="Roboto" pitchFamily="2" charset="0"/>
+              <a:cs typeface="Arial" panose="020B0604020202020204" pitchFamily="34" charset="0"/>
+            </a:endParaRPr>
+          </a:p>
+          <a:p>
+            <a:pPr marL="342900" indent="-342900">
+              <a:buFont typeface="Arial" panose="020B0604020202020204" pitchFamily="34" charset="0"/>
+              <a:buChar char="•"/>
+            </a:pPr>
+            <a:endParaRPr lang="en-US" sz="1600" b="1" dirty="0">
+              <a:latin typeface="Arial" panose="020B0604020202020204" pitchFamily="34" charset="0"/>
+              <a:ea typeface="Roboto" pitchFamily="2" charset="0"/>
+              <a:cs typeface="Arial" panose="020B0604020202020204" pitchFamily="34" charset="0"/>
+            </a:endParaRPr>
+          </a:p>
+          <a:p>
+            <a:pPr marL="342900" indent="-342900">
+              <a:buFont typeface="Arial" panose="020B0604020202020204" pitchFamily="34" charset="0"/>
+              <a:buChar char="•"/>
+            </a:pPr>
+            <a:r>
+              <a:rPr lang="en-US" sz="1600" b="1" dirty="0" smtClean="0">
+                <a:latin typeface="Arial" panose="020B0604020202020204" pitchFamily="34" charset="0"/>
+                <a:ea typeface="Roboto" pitchFamily="2" charset="0"/>
+                <a:cs typeface="Arial" panose="020B0604020202020204" pitchFamily="34" charset="0"/>
+              </a:rPr>
+              <a:t>One in which you explain in detail:</a:t>
+            </a:r>
+          </a:p>
+          <a:p>
+            <a:pPr marL="342900" indent="-342900">
+              <a:buFont typeface="Arial" panose="020B0604020202020204" pitchFamily="34" charset="0"/>
+              <a:buChar char="•"/>
+            </a:pPr>
+            <a:endParaRPr lang="en-US" sz="1600" b="1" dirty="0">
+              <a:latin typeface="Arial" panose="020B0604020202020204" pitchFamily="34" charset="0"/>
+              <a:ea typeface="Roboto" pitchFamily="2" charset="0"/>
+              <a:cs typeface="Arial" panose="020B0604020202020204" pitchFamily="34" charset="0"/>
+            </a:endParaRPr>
+          </a:p>
+          <a:p>
+            <a:pPr marL="800100" lvl="1" indent="-342900">
+              <a:buFont typeface="Courier New" panose="02070309020205020404" pitchFamily="49" charset="0"/>
+              <a:buChar char="o"/>
+            </a:pPr>
+            <a:r>
+              <a:rPr lang="en-US" sz="1600" b="1" dirty="0" smtClean="0">
+                <a:latin typeface="Arial" panose="020B0604020202020204" pitchFamily="34" charset="0"/>
+                <a:ea typeface="Roboto" pitchFamily="2" charset="0"/>
+                <a:cs typeface="Arial" panose="020B0604020202020204" pitchFamily="34" charset="0"/>
+              </a:rPr>
+              <a:t>Your overall application’s concept</a:t>
+            </a:r>
+          </a:p>
+          <a:p>
+            <a:pPr marL="800100" lvl="1" indent="-342900">
+              <a:buFont typeface="Courier New" panose="02070309020205020404" pitchFamily="49" charset="0"/>
+              <a:buChar char="o"/>
+            </a:pPr>
+            <a:endParaRPr lang="en-US" sz="1600" b="1" dirty="0">
+              <a:latin typeface="Arial" panose="020B0604020202020204" pitchFamily="34" charset="0"/>
+              <a:ea typeface="Roboto" pitchFamily="2" charset="0"/>
+              <a:cs typeface="Arial" panose="020B0604020202020204" pitchFamily="34" charset="0"/>
+            </a:endParaRPr>
+          </a:p>
+          <a:p>
+            <a:pPr marL="800100" lvl="1" indent="-342900">
+              <a:buFont typeface="Courier New" panose="02070309020205020404" pitchFamily="49" charset="0"/>
+              <a:buChar char="o"/>
+            </a:pPr>
+            <a:r>
+              <a:rPr lang="en-US" sz="1600" b="1" dirty="0" smtClean="0">
+                <a:latin typeface="Arial" panose="020B0604020202020204" pitchFamily="34" charset="0"/>
+                <a:ea typeface="Roboto" pitchFamily="2" charset="0"/>
+                <a:cs typeface="Arial" panose="020B0604020202020204" pitchFamily="34" charset="0"/>
+              </a:rPr>
+              <a:t>The motivation for its development</a:t>
+            </a:r>
+          </a:p>
+          <a:p>
+            <a:pPr marL="800100" lvl="1" indent="-342900">
+              <a:buFont typeface="Courier New" panose="02070309020205020404" pitchFamily="49" charset="0"/>
+              <a:buChar char="o"/>
+            </a:pPr>
+            <a:endParaRPr lang="en-US" sz="1600" b="1" dirty="0">
+              <a:latin typeface="Arial" panose="020B0604020202020204" pitchFamily="34" charset="0"/>
+              <a:ea typeface="Roboto" pitchFamily="2" charset="0"/>
+              <a:cs typeface="Arial" panose="020B0604020202020204" pitchFamily="34" charset="0"/>
+            </a:endParaRPr>
+          </a:p>
+          <a:p>
+            <a:pPr marL="800100" lvl="1" indent="-342900">
+              <a:buFont typeface="Courier New" panose="02070309020205020404" pitchFamily="49" charset="0"/>
+              <a:buChar char="o"/>
+            </a:pPr>
+            <a:r>
+              <a:rPr lang="en-US" sz="1600" b="1" dirty="0" smtClean="0">
+                <a:latin typeface="Arial" panose="020B0604020202020204" pitchFamily="34" charset="0"/>
+                <a:ea typeface="Roboto" pitchFamily="2" charset="0"/>
+                <a:cs typeface="Arial" panose="020B0604020202020204" pitchFamily="34" charset="0"/>
+              </a:rPr>
+              <a:t>Your design process</a:t>
+            </a:r>
+          </a:p>
+          <a:p>
+            <a:pPr marL="800100" lvl="1" indent="-342900">
+              <a:buFont typeface="Courier New" panose="02070309020205020404" pitchFamily="49" charset="0"/>
+              <a:buChar char="o"/>
+            </a:pPr>
+            <a:endParaRPr lang="en-US" sz="1600" b="1" dirty="0">
+              <a:latin typeface="Arial" panose="020B0604020202020204" pitchFamily="34" charset="0"/>
+              <a:ea typeface="Roboto" pitchFamily="2" charset="0"/>
+              <a:cs typeface="Arial" panose="020B0604020202020204" pitchFamily="34" charset="0"/>
+            </a:endParaRPr>
+          </a:p>
+          <a:p>
+            <a:pPr marL="800100" lvl="1" indent="-342900">
+              <a:buFont typeface="Courier New" panose="02070309020205020404" pitchFamily="49" charset="0"/>
+              <a:buChar char="o"/>
+            </a:pPr>
+            <a:r>
+              <a:rPr lang="en-US" sz="1600" b="1" dirty="0" smtClean="0">
+                <a:latin typeface="Arial" panose="020B0604020202020204" pitchFamily="34" charset="0"/>
+                <a:ea typeface="Roboto" pitchFamily="2" charset="0"/>
+                <a:cs typeface="Arial" panose="020B0604020202020204" pitchFamily="34" charset="0"/>
+              </a:rPr>
+              <a:t>The technologies you used (and briefly how they work)</a:t>
+            </a:r>
+          </a:p>
+          <a:p>
+            <a:pPr marL="800100" lvl="1" indent="-342900">
+              <a:buFont typeface="Courier New" panose="02070309020205020404" pitchFamily="49" charset="0"/>
+              <a:buChar char="o"/>
+            </a:pPr>
+            <a:endParaRPr lang="en-US" sz="1600" b="1" dirty="0">
+              <a:latin typeface="Arial" panose="020B0604020202020204" pitchFamily="34" charset="0"/>
+              <a:ea typeface="Roboto" pitchFamily="2" charset="0"/>
+              <a:cs typeface="Arial" panose="020B0604020202020204" pitchFamily="34" charset="0"/>
+            </a:endParaRPr>
+          </a:p>
+          <a:p>
+            <a:pPr marL="800100" lvl="1" indent="-342900">
+              <a:buFont typeface="Courier New" panose="02070309020205020404" pitchFamily="49" charset="0"/>
+              <a:buChar char="o"/>
+            </a:pPr>
+            <a:r>
+              <a:rPr lang="en-US" sz="1600" b="1" dirty="0" smtClean="0">
+                <a:latin typeface="Arial" panose="020B0604020202020204" pitchFamily="34" charset="0"/>
+                <a:ea typeface="Roboto" pitchFamily="2" charset="0"/>
+                <a:cs typeface="Arial" panose="020B0604020202020204" pitchFamily="34" charset="0"/>
+              </a:rPr>
+              <a:t>A demonstration of its functionality</a:t>
+            </a:r>
+          </a:p>
+          <a:p>
+            <a:pPr marL="800100" lvl="1" indent="-342900">
+              <a:buFont typeface="Courier New" panose="02070309020205020404" pitchFamily="49" charset="0"/>
+              <a:buChar char="o"/>
+            </a:pPr>
+            <a:endParaRPr lang="en-US" sz="1600" b="1" dirty="0">
+              <a:latin typeface="Arial" panose="020B0604020202020204" pitchFamily="34" charset="0"/>
+              <a:ea typeface="Roboto" pitchFamily="2" charset="0"/>
+              <a:cs typeface="Arial" panose="020B0604020202020204" pitchFamily="34" charset="0"/>
+            </a:endParaRPr>
+          </a:p>
+          <a:p>
+            <a:pPr marL="800100" lvl="1" indent="-342900">
+              <a:buFont typeface="Courier New" panose="02070309020205020404" pitchFamily="49" charset="0"/>
+              <a:buChar char="o"/>
+            </a:pPr>
+            <a:r>
+              <a:rPr lang="en-US" sz="1600" b="1" dirty="0" smtClean="0">
+                <a:latin typeface="Arial" panose="020B0604020202020204" pitchFamily="34" charset="0"/>
+                <a:ea typeface="Roboto" pitchFamily="2" charset="0"/>
+                <a:cs typeface="Arial" panose="020B0604020202020204" pitchFamily="34" charset="0"/>
+              </a:rPr>
+              <a:t>Directions for future development</a:t>
+            </a:r>
+          </a:p>
+          <a:p>
+            <a:pPr marL="342900" indent="-342900">
+              <a:buFont typeface="Arial" panose="020B0604020202020204" pitchFamily="34" charset="0"/>
+              <a:buChar char="•"/>
+            </a:pPr>
+            <a:endParaRPr lang="en-US" sz="1600" b="1" dirty="0">
+              <a:latin typeface="Arial" panose="020B0604020202020204" pitchFamily="34" charset="0"/>
+              <a:ea typeface="Roboto" pitchFamily="2" charset="0"/>
+              <a:cs typeface="Arial" panose="020B0604020202020204" pitchFamily="34" charset="0"/>
+            </a:endParaRPr>
+          </a:p>
+          <a:p>
+            <a:pPr marL="342900" indent="-342900">
+              <a:buFont typeface="Arial" panose="020B0604020202020204" pitchFamily="34" charset="0"/>
+              <a:buChar char="•"/>
+            </a:pPr>
+            <a:r>
+              <a:rPr lang="en-US" sz="1600" b="1" dirty="0" smtClean="0">
+                <a:latin typeface="Arial" panose="020B0604020202020204" pitchFamily="34" charset="0"/>
+                <a:ea typeface="Roboto" pitchFamily="2" charset="0"/>
+                <a:cs typeface="Arial" panose="020B0604020202020204" pitchFamily="34" charset="0"/>
+              </a:rPr>
+              <a:t>Treat the presentation seriously! </a:t>
+            </a:r>
+          </a:p>
+          <a:p>
+            <a:pPr marL="342900" indent="-342900">
+              <a:buFont typeface="Arial" panose="020B0604020202020204" pitchFamily="34" charset="0"/>
+              <a:buChar char="•"/>
+            </a:pPr>
+            <a:endParaRPr lang="en-US" sz="1600" b="1" dirty="0">
+              <a:latin typeface="Arial" panose="020B0604020202020204" pitchFamily="34" charset="0"/>
+              <a:ea typeface="Roboto" pitchFamily="2" charset="0"/>
+              <a:cs typeface="Arial" panose="020B0604020202020204" pitchFamily="34" charset="0"/>
+            </a:endParaRPr>
+          </a:p>
+          <a:p>
+            <a:pPr marL="342900" indent="-342900">
+              <a:buFont typeface="Arial" panose="020B0604020202020204" pitchFamily="34" charset="0"/>
+              <a:buChar char="•"/>
+            </a:pPr>
+            <a:r>
+              <a:rPr lang="en-US" sz="1600" b="1" dirty="0" smtClean="0">
+                <a:latin typeface="Arial" panose="020B0604020202020204" pitchFamily="34" charset="0"/>
+                <a:ea typeface="Roboto" pitchFamily="2" charset="0"/>
+                <a:cs typeface="Arial" panose="020B0604020202020204" pitchFamily="34" charset="0"/>
+              </a:rPr>
+              <a:t>Talking intelligently about tech &gt; doing tech sometimes. </a:t>
+            </a:r>
+            <a:endParaRPr lang="en-US" sz="1600" b="1" dirty="0">
+              <a:latin typeface="Arial" panose="020B0604020202020204" pitchFamily="34" charset="0"/>
+              <a:ea typeface="Roboto" pitchFamily="2" charset="0"/>
+              <a:cs typeface="Arial" panose="020B0604020202020204" pitchFamily="34" charset="0"/>
+            </a:endParaRPr>
+          </a:p>
+          <a:p>
+            <a:pPr marL="342900" indent="-342900">
+              <a:buFont typeface="Arial" panose="020B0604020202020204" pitchFamily="34" charset="0"/>
+              <a:buChar char="•"/>
+            </a:pPr>
+            <a:endParaRPr lang="en-US" sz="1600" b="1" dirty="0" smtClean="0">
+              <a:latin typeface="Arial" panose="020B0604020202020204" pitchFamily="34" charset="0"/>
+              <a:ea typeface="Roboto" pitchFamily="2" charset="0"/>
+              <a:cs typeface="Arial" panose="020B0604020202020204" pitchFamily="34" charset="0"/>
+            </a:endParaRPr>
           </a:p>
         </p:txBody>
       </p:sp>
     </p:spTree>
     <p:extLst>
       <p:ext uri="{BB962C8B-B14F-4D97-AF65-F5344CB8AC3E}">
-        <p14:creationId xmlns:p14="http://schemas.microsoft.com/office/powerpoint/2010/main" val="1283631671"/>
+        <p14:creationId xmlns:p14="http://schemas.microsoft.com/office/powerpoint/2010/main" val="2670123023"/>
       </p:ext>
     </p:extLst>
   </p:cSld>
@@ -10265,6 +10664,1229 @@
       </p:grpSpPr>
       <p:sp>
         <p:nvSpPr>
+          <p:cNvPr id="6" name="Rectangle 5"/>
+          <p:cNvSpPr/>
+          <p:nvPr/>
+        </p:nvSpPr>
+        <p:spPr>
+          <a:xfrm>
+            <a:off x="304800" y="98052"/>
+            <a:ext cx="6781800" cy="461665"/>
+          </a:xfrm>
+          <a:prstGeom prst="rect">
+            <a:avLst/>
+          </a:prstGeom>
+        </p:spPr>
+        <p:txBody>
+          <a:bodyPr wrap="square">
+            <a:spAutoFit/>
+          </a:bodyPr>
+          <a:lstStyle/>
+          <a:p>
+            <a:r>
+              <a:rPr lang="en-US" sz="2400" b="1" dirty="0" smtClean="0">
+                <a:latin typeface="Arial" panose="020B0604020202020204" pitchFamily="34" charset="0"/>
+                <a:cs typeface="Arial" panose="020B0604020202020204" pitchFamily="34" charset="0"/>
+              </a:rPr>
+              <a:t>Be Glam for the Camera</a:t>
+            </a:r>
+            <a:endParaRPr lang="en-US" sz="2400" b="1" dirty="0">
+              <a:latin typeface="Arial" panose="020B0604020202020204" pitchFamily="34" charset="0"/>
+              <a:cs typeface="Arial" panose="020B0604020202020204" pitchFamily="34" charset="0"/>
+            </a:endParaRPr>
+          </a:p>
+        </p:txBody>
+      </p:sp>
+      <p:sp>
+        <p:nvSpPr>
+          <p:cNvPr id="7" name="TextBox 6"/>
+          <p:cNvSpPr txBox="1"/>
+          <p:nvPr/>
+        </p:nvSpPr>
+        <p:spPr>
+          <a:xfrm>
+            <a:off x="304799" y="762000"/>
+            <a:ext cx="8382001" cy="2862322"/>
+          </a:xfrm>
+          <a:prstGeom prst="rect">
+            <a:avLst/>
+          </a:prstGeom>
+          <a:noFill/>
+        </p:spPr>
+        <p:txBody>
+          <a:bodyPr wrap="square" rtlCol="0">
+            <a:spAutoFit/>
+          </a:bodyPr>
+          <a:lstStyle/>
+          <a:p>
+            <a:pPr marL="685800" lvl="0" indent="-457200">
+              <a:spcBef>
+                <a:spcPts val="0"/>
+              </a:spcBef>
+              <a:buFont typeface="Arial" panose="020B0604020202020204" pitchFamily="34" charset="0"/>
+              <a:buChar char="•"/>
+            </a:pPr>
+            <a:r>
+              <a:rPr lang="en" sz="3000" dirty="0" smtClean="0">
+                <a:latin typeface="Arial" panose="020B0604020202020204" pitchFamily="34" charset="0"/>
+                <a:cs typeface="Arial" panose="020B0604020202020204" pitchFamily="34" charset="0"/>
+              </a:rPr>
+              <a:t>All presentations will be recorded…</a:t>
+            </a:r>
+          </a:p>
+          <a:p>
+            <a:pPr marL="685800" lvl="0" indent="-457200">
+              <a:spcBef>
+                <a:spcPts val="0"/>
+              </a:spcBef>
+              <a:buFont typeface="Arial" panose="020B0604020202020204" pitchFamily="34" charset="0"/>
+              <a:buChar char="•"/>
+            </a:pPr>
+            <a:endParaRPr lang="en" sz="3000" dirty="0">
+              <a:latin typeface="Arial" panose="020B0604020202020204" pitchFamily="34" charset="0"/>
+              <a:cs typeface="Arial" panose="020B0604020202020204" pitchFamily="34" charset="0"/>
+            </a:endParaRPr>
+          </a:p>
+          <a:p>
+            <a:pPr marL="685800" lvl="0" indent="-457200">
+              <a:spcBef>
+                <a:spcPts val="0"/>
+              </a:spcBef>
+              <a:buFont typeface="Arial" panose="020B0604020202020204" pitchFamily="34" charset="0"/>
+              <a:buChar char="•"/>
+            </a:pPr>
+            <a:r>
+              <a:rPr lang="en" sz="3000" dirty="0" smtClean="0">
+                <a:latin typeface="Arial" panose="020B0604020202020204" pitchFamily="34" charset="0"/>
+                <a:cs typeface="Arial" panose="020B0604020202020204" pitchFamily="34" charset="0"/>
+              </a:rPr>
+              <a:t>So treat it seriously! </a:t>
+            </a:r>
+          </a:p>
+          <a:p>
+            <a:pPr marL="685800" lvl="0" indent="-457200">
+              <a:spcBef>
+                <a:spcPts val="0"/>
+              </a:spcBef>
+              <a:buFont typeface="Arial" panose="020B0604020202020204" pitchFamily="34" charset="0"/>
+              <a:buChar char="•"/>
+            </a:pPr>
+            <a:endParaRPr lang="en" sz="3000" dirty="0">
+              <a:latin typeface="Arial" panose="020B0604020202020204" pitchFamily="34" charset="0"/>
+              <a:cs typeface="Arial" panose="020B0604020202020204" pitchFamily="34" charset="0"/>
+            </a:endParaRPr>
+          </a:p>
+          <a:p>
+            <a:pPr marL="685800" lvl="0" indent="-457200">
+              <a:spcBef>
+                <a:spcPts val="0"/>
+              </a:spcBef>
+              <a:buFont typeface="Arial" panose="020B0604020202020204" pitchFamily="34" charset="0"/>
+              <a:buChar char="•"/>
+            </a:pPr>
+            <a:r>
+              <a:rPr lang="en" sz="3000" dirty="0" smtClean="0">
+                <a:latin typeface="Arial" panose="020B0604020202020204" pitchFamily="34" charset="0"/>
+                <a:cs typeface="Arial" panose="020B0604020202020204" pitchFamily="34" charset="0"/>
+              </a:rPr>
+              <a:t>These can be great portfolio pieces if you invest the time.</a:t>
+            </a:r>
+            <a:endParaRPr lang="en" sz="3000" dirty="0">
+              <a:latin typeface="Arial" panose="020B0604020202020204" pitchFamily="34" charset="0"/>
+              <a:cs typeface="Arial" panose="020B0604020202020204" pitchFamily="34" charset="0"/>
+            </a:endParaRPr>
+          </a:p>
+        </p:txBody>
+      </p:sp>
+    </p:spTree>
+    <p:extLst>
+      <p:ext uri="{BB962C8B-B14F-4D97-AF65-F5344CB8AC3E}">
+        <p14:creationId xmlns:p14="http://schemas.microsoft.com/office/powerpoint/2010/main" val="2217315325"/>
+      </p:ext>
+    </p:extLst>
+  </p:cSld>
+  <p:clrMapOvr>
+    <a:masterClrMapping/>
+  </p:clrMapOvr>
+  <mc:AlternateContent xmlns:mc="http://schemas.openxmlformats.org/markup-compatibility/2006" xmlns:p14="http://schemas.microsoft.com/office/powerpoint/2010/main">
+    <mc:Choice Requires="p14">
+      <p:transition p14:dur="250">
+        <p:fade/>
+      </p:transition>
+    </mc:Choice>
+    <mc:Fallback xmlns="">
+      <p:transition>
+        <p:fade/>
+      </p:transition>
+    </mc:Fallback>
+  </mc:AlternateContent>
+  <p:timing>
+    <p:tnLst>
+      <p:par>
+        <p:cTn id="1" dur="indefinite" restart="never" nodeType="tmRoot"/>
+      </p:par>
+    </p:tnLst>
+  </p:timing>
+</p:sld>
+</file>
+
+<file path=ppt/slides/slide19.xml><?xml version="1.0" encoding="utf-8"?>
+<p:sld xmlns:a="http://schemas.openxmlformats.org/drawingml/2006/main" xmlns:r="http://schemas.openxmlformats.org/officeDocument/2006/relationships" xmlns:p="http://schemas.openxmlformats.org/presentationml/2006/main">
+  <p:cSld>
+    <p:spTree>
+      <p:nvGrpSpPr>
+        <p:cNvPr id="1" name=""/>
+        <p:cNvGrpSpPr/>
+        <p:nvPr/>
+      </p:nvGrpSpPr>
+      <p:grpSpPr>
+        <a:xfrm>
+          <a:off x="0" y="0"/>
+          <a:ext cx="0" cy="0"/>
+          <a:chOff x="0" y="0"/>
+          <a:chExt cx="0" cy="0"/>
+        </a:xfrm>
+      </p:grpSpPr>
+      <p:sp>
+        <p:nvSpPr>
+          <p:cNvPr id="2" name="Title 1"/>
+          <p:cNvSpPr>
+            <a:spLocks noGrp="1"/>
+          </p:cNvSpPr>
+          <p:nvPr>
+            <p:ph type="title"/>
+          </p:nvPr>
+        </p:nvSpPr>
+        <p:spPr/>
+        <p:txBody>
+          <a:bodyPr/>
+          <a:lstStyle/>
+          <a:p>
+            <a:r>
+              <a:rPr lang="en-US" dirty="0" smtClean="0"/>
+              <a:t>Metrics</a:t>
+            </a:r>
+            <a:endParaRPr lang="en-US" dirty="0"/>
+          </a:p>
+        </p:txBody>
+      </p:sp>
+    </p:spTree>
+    <p:extLst>
+      <p:ext uri="{BB962C8B-B14F-4D97-AF65-F5344CB8AC3E}">
+        <p14:creationId xmlns:p14="http://schemas.microsoft.com/office/powerpoint/2010/main" val="3698636728"/>
+      </p:ext>
+    </p:extLst>
+  </p:cSld>
+  <p:clrMapOvr>
+    <a:masterClrMapping/>
+  </p:clrMapOvr>
+  <mc:AlternateContent xmlns:mc="http://schemas.openxmlformats.org/markup-compatibility/2006" xmlns:p14="http://schemas.microsoft.com/office/powerpoint/2010/main">
+    <mc:Choice Requires="p14">
+      <p:transition p14:dur="250">
+        <p:fade/>
+      </p:transition>
+    </mc:Choice>
+    <mc:Fallback xmlns="">
+      <p:transition>
+        <p:fade/>
+      </p:transition>
+    </mc:Fallback>
+  </mc:AlternateContent>
+  <p:timing>
+    <p:tnLst>
+      <p:par>
+        <p:cTn id="1" dur="indefinite" restart="never" nodeType="tmRoot"/>
+      </p:par>
+    </p:tnLst>
+  </p:timing>
+</p:sld>
+</file>
+
+<file path=ppt/slides/slide2.xml><?xml version="1.0" encoding="utf-8"?>
+<p:sld xmlns:a="http://schemas.openxmlformats.org/drawingml/2006/main" xmlns:r="http://schemas.openxmlformats.org/officeDocument/2006/relationships" xmlns:p="http://schemas.openxmlformats.org/presentationml/2006/main">
+  <p:cSld>
+    <p:spTree>
+      <p:nvGrpSpPr>
+        <p:cNvPr id="1" name=""/>
+        <p:cNvGrpSpPr/>
+        <p:nvPr/>
+      </p:nvGrpSpPr>
+      <p:grpSpPr>
+        <a:xfrm>
+          <a:off x="0" y="0"/>
+          <a:ext cx="0" cy="0"/>
+          <a:chOff x="0" y="0"/>
+          <a:chExt cx="0" cy="0"/>
+        </a:xfrm>
+      </p:grpSpPr>
+      <p:sp>
+        <p:nvSpPr>
+          <p:cNvPr id="2" name="Title 1"/>
+          <p:cNvSpPr>
+            <a:spLocks noGrp="1"/>
+          </p:cNvSpPr>
+          <p:nvPr>
+            <p:ph type="title"/>
+          </p:nvPr>
+        </p:nvSpPr>
+        <p:spPr/>
+        <p:txBody>
+          <a:bodyPr/>
+          <a:lstStyle/>
+          <a:p>
+            <a:r>
+              <a:rPr lang="en-US" dirty="0" smtClean="0"/>
+              <a:t>The Path</a:t>
+            </a:r>
+            <a:endParaRPr lang="en-US" dirty="0"/>
+          </a:p>
+        </p:txBody>
+      </p:sp>
+      <p:sp>
+        <p:nvSpPr>
+          <p:cNvPr id="4" name="TextBox 3"/>
+          <p:cNvSpPr txBox="1"/>
+          <p:nvPr/>
+        </p:nvSpPr>
+        <p:spPr>
+          <a:xfrm>
+            <a:off x="870468" y="1600198"/>
+            <a:ext cx="2048446" cy="584775"/>
+          </a:xfrm>
+          <a:prstGeom prst="rect">
+            <a:avLst/>
+          </a:prstGeom>
+          <a:noFill/>
+        </p:spPr>
+        <p:txBody>
+          <a:bodyPr wrap="none" rtlCol="0">
+            <a:spAutoFit/>
+          </a:bodyPr>
+          <a:lstStyle/>
+          <a:p>
+            <a:pPr algn="ctr"/>
+            <a:r>
+              <a:rPr lang="en-US" sz="3200" dirty="0" smtClean="0"/>
+              <a:t>Dependent</a:t>
+            </a:r>
+            <a:endParaRPr lang="en-US" sz="3200" dirty="0"/>
+          </a:p>
+        </p:txBody>
+      </p:sp>
+      <p:sp>
+        <p:nvSpPr>
+          <p:cNvPr id="5" name="TextBox 4"/>
+          <p:cNvSpPr txBox="1"/>
+          <p:nvPr/>
+        </p:nvSpPr>
+        <p:spPr>
+          <a:xfrm>
+            <a:off x="3258287" y="1600199"/>
+            <a:ext cx="2803140" cy="584775"/>
+          </a:xfrm>
+          <a:prstGeom prst="rect">
+            <a:avLst/>
+          </a:prstGeom>
+          <a:noFill/>
+        </p:spPr>
+        <p:txBody>
+          <a:bodyPr wrap="none" rtlCol="0">
+            <a:spAutoFit/>
+          </a:bodyPr>
+          <a:lstStyle/>
+          <a:p>
+            <a:pPr algn="ctr"/>
+            <a:r>
+              <a:rPr lang="en-US" sz="3200" dirty="0" smtClean="0"/>
+              <a:t>Interdependent</a:t>
+            </a:r>
+            <a:endParaRPr lang="en-US" sz="3200" dirty="0"/>
+          </a:p>
+        </p:txBody>
+      </p:sp>
+      <p:sp>
+        <p:nvSpPr>
+          <p:cNvPr id="6" name="TextBox 5"/>
+          <p:cNvSpPr txBox="1"/>
+          <p:nvPr/>
+        </p:nvSpPr>
+        <p:spPr>
+          <a:xfrm>
+            <a:off x="6400800" y="1600200"/>
+            <a:ext cx="2332177" cy="584775"/>
+          </a:xfrm>
+          <a:prstGeom prst="rect">
+            <a:avLst/>
+          </a:prstGeom>
+          <a:noFill/>
+        </p:spPr>
+        <p:txBody>
+          <a:bodyPr wrap="none" rtlCol="0">
+            <a:spAutoFit/>
+          </a:bodyPr>
+          <a:lstStyle/>
+          <a:p>
+            <a:pPr algn="ctr"/>
+            <a:r>
+              <a:rPr lang="en-US" sz="3200" dirty="0" smtClean="0"/>
+              <a:t>Independent</a:t>
+            </a:r>
+            <a:endParaRPr lang="en-US" sz="3200" dirty="0"/>
+          </a:p>
+        </p:txBody>
+      </p:sp>
+      <p:pic>
+        <p:nvPicPr>
+          <p:cNvPr id="7" name="Picture 6"/>
+          <p:cNvPicPr>
+            <a:picLocks noChangeAspect="1"/>
+          </p:cNvPicPr>
+          <p:nvPr/>
+        </p:nvPicPr>
+        <p:blipFill>
+          <a:blip r:embed="rId2">
+            <a:extLst>
+              <a:ext uri="{28A0092B-C50C-407E-A947-70E740481C1C}">
+                <a14:useLocalDpi xmlns:a14="http://schemas.microsoft.com/office/drawing/2010/main" val="0"/>
+              </a:ext>
+            </a:extLst>
+          </a:blip>
+          <a:stretch>
+            <a:fillRect/>
+          </a:stretch>
+        </p:blipFill>
+        <p:spPr>
+          <a:xfrm>
+            <a:off x="1098256" y="3550980"/>
+            <a:ext cx="1592869" cy="1321086"/>
+          </a:xfrm>
+          <a:prstGeom prst="rect">
+            <a:avLst/>
+          </a:prstGeom>
+        </p:spPr>
+      </p:pic>
+      <p:sp>
+        <p:nvSpPr>
+          <p:cNvPr id="8" name="TextBox 7"/>
+          <p:cNvSpPr txBox="1"/>
+          <p:nvPr/>
+        </p:nvSpPr>
+        <p:spPr>
+          <a:xfrm>
+            <a:off x="945772" y="5257112"/>
+            <a:ext cx="2094291" cy="1200329"/>
+          </a:xfrm>
+          <a:prstGeom prst="rect">
+            <a:avLst/>
+          </a:prstGeom>
+          <a:noFill/>
+        </p:spPr>
+        <p:txBody>
+          <a:bodyPr wrap="none" rtlCol="0">
+            <a:spAutoFit/>
+          </a:bodyPr>
+          <a:lstStyle/>
+          <a:p>
+            <a:r>
+              <a:rPr lang="en-US" sz="2400" dirty="0" smtClean="0"/>
+              <a:t>Limited Range</a:t>
+            </a:r>
+          </a:p>
+          <a:p>
+            <a:r>
+              <a:rPr lang="en-US" sz="2400" dirty="0" smtClean="0"/>
+              <a:t>Smooth Terrain</a:t>
+            </a:r>
+          </a:p>
+          <a:p>
+            <a:r>
+              <a:rPr lang="en-US" sz="2400" dirty="0" smtClean="0"/>
+              <a:t>Single Gear</a:t>
+            </a:r>
+            <a:endParaRPr lang="en-US" sz="2400" dirty="0"/>
+          </a:p>
+        </p:txBody>
+      </p:sp>
+      <p:sp>
+        <p:nvSpPr>
+          <p:cNvPr id="9" name="TextBox 8"/>
+          <p:cNvSpPr txBox="1"/>
+          <p:nvPr/>
+        </p:nvSpPr>
+        <p:spPr>
+          <a:xfrm>
+            <a:off x="3452678" y="5257113"/>
+            <a:ext cx="2211183" cy="1200329"/>
+          </a:xfrm>
+          <a:prstGeom prst="rect">
+            <a:avLst/>
+          </a:prstGeom>
+          <a:noFill/>
+        </p:spPr>
+        <p:txBody>
+          <a:bodyPr wrap="none" rtlCol="0">
+            <a:spAutoFit/>
+          </a:bodyPr>
+          <a:lstStyle/>
+          <a:p>
+            <a:r>
+              <a:rPr lang="en-US" sz="2400" dirty="0" smtClean="0"/>
+              <a:t>Longer Range</a:t>
+            </a:r>
+          </a:p>
+          <a:p>
+            <a:r>
+              <a:rPr lang="en-US" sz="2400" dirty="0" smtClean="0"/>
+              <a:t>Smooth/Rugged</a:t>
+            </a:r>
+          </a:p>
+          <a:p>
+            <a:r>
+              <a:rPr lang="en-US" sz="2400" dirty="0" smtClean="0"/>
+              <a:t>Adjustable Gear</a:t>
+            </a:r>
+            <a:endParaRPr lang="en-US" sz="2400" dirty="0"/>
+          </a:p>
+        </p:txBody>
+      </p:sp>
+      <p:pic>
+        <p:nvPicPr>
+          <p:cNvPr id="10" name="Picture 9"/>
+          <p:cNvPicPr>
+            <a:picLocks noChangeAspect="1"/>
+          </p:cNvPicPr>
+          <p:nvPr/>
+        </p:nvPicPr>
+        <p:blipFill>
+          <a:blip r:embed="rId3">
+            <a:extLst>
+              <a:ext uri="{28A0092B-C50C-407E-A947-70E740481C1C}">
+                <a14:useLocalDpi xmlns:a14="http://schemas.microsoft.com/office/drawing/2010/main" val="0"/>
+              </a:ext>
+            </a:extLst>
+          </a:blip>
+          <a:stretch>
+            <a:fillRect/>
+          </a:stretch>
+        </p:blipFill>
+        <p:spPr>
+          <a:xfrm>
+            <a:off x="3040063" y="3136183"/>
+            <a:ext cx="3036415" cy="1842092"/>
+          </a:xfrm>
+          <a:prstGeom prst="rect">
+            <a:avLst/>
+          </a:prstGeom>
+        </p:spPr>
+      </p:pic>
+      <p:pic>
+        <p:nvPicPr>
+          <p:cNvPr id="13" name="Picture 12"/>
+          <p:cNvPicPr>
+            <a:picLocks noChangeAspect="1"/>
+          </p:cNvPicPr>
+          <p:nvPr/>
+        </p:nvPicPr>
+        <p:blipFill>
+          <a:blip r:embed="rId4">
+            <a:extLst>
+              <a:ext uri="{28A0092B-C50C-407E-A947-70E740481C1C}">
+                <a14:useLocalDpi xmlns:a14="http://schemas.microsoft.com/office/drawing/2010/main" val="0"/>
+              </a:ext>
+            </a:extLst>
+          </a:blip>
+          <a:stretch>
+            <a:fillRect/>
+          </a:stretch>
+        </p:blipFill>
+        <p:spPr>
+          <a:xfrm>
+            <a:off x="5939683" y="2656140"/>
+            <a:ext cx="3170270" cy="2322135"/>
+          </a:xfrm>
+          <a:prstGeom prst="rect">
+            <a:avLst/>
+          </a:prstGeom>
+        </p:spPr>
+      </p:pic>
+      <p:sp>
+        <p:nvSpPr>
+          <p:cNvPr id="14" name="TextBox 13"/>
+          <p:cNvSpPr txBox="1"/>
+          <p:nvPr/>
+        </p:nvSpPr>
+        <p:spPr>
+          <a:xfrm>
+            <a:off x="6461296" y="5293935"/>
+            <a:ext cx="2211183" cy="1200329"/>
+          </a:xfrm>
+          <a:prstGeom prst="rect">
+            <a:avLst/>
+          </a:prstGeom>
+          <a:noFill/>
+        </p:spPr>
+        <p:txBody>
+          <a:bodyPr wrap="none" rtlCol="0">
+            <a:spAutoFit/>
+          </a:bodyPr>
+          <a:lstStyle/>
+          <a:p>
+            <a:r>
+              <a:rPr lang="en-US" sz="2400" dirty="0" smtClean="0"/>
+              <a:t>Longest Range</a:t>
+            </a:r>
+          </a:p>
+          <a:p>
+            <a:r>
+              <a:rPr lang="en-US" sz="2400" dirty="0" smtClean="0"/>
+              <a:t>Smooth/Rugged</a:t>
+            </a:r>
+          </a:p>
+          <a:p>
+            <a:r>
+              <a:rPr lang="en-US" sz="2400" dirty="0" smtClean="0"/>
+              <a:t>Transmission</a:t>
+            </a:r>
+            <a:endParaRPr lang="en-US" sz="2400" dirty="0"/>
+          </a:p>
+        </p:txBody>
+      </p:sp>
+    </p:spTree>
+    <p:extLst>
+      <p:ext uri="{BB962C8B-B14F-4D97-AF65-F5344CB8AC3E}">
+        <p14:creationId xmlns:p14="http://schemas.microsoft.com/office/powerpoint/2010/main" val="730517573"/>
+      </p:ext>
+    </p:extLst>
+  </p:cSld>
+  <p:clrMapOvr>
+    <a:masterClrMapping/>
+  </p:clrMapOvr>
+  <mc:AlternateContent xmlns:mc="http://schemas.openxmlformats.org/markup-compatibility/2006" xmlns:p14="http://schemas.microsoft.com/office/powerpoint/2010/main">
+    <mc:Choice Requires="p14">
+      <p:transition p14:dur="250">
+        <p:fade/>
+      </p:transition>
+    </mc:Choice>
+    <mc:Fallback xmlns="">
+      <p:transition>
+        <p:fade/>
+      </p:transition>
+    </mc:Fallback>
+  </mc:AlternateContent>
+  <p:timing>
+    <p:tnLst>
+      <p:par>
+        <p:cTn id="1" dur="indefinite" restart="never" nodeType="tmRoot"/>
+      </p:par>
+    </p:tnLst>
+  </p:timing>
+</p:sld>
+</file>
+
+<file path=ppt/slides/slide20.xml><?xml version="1.0" encoding="utf-8"?>
+<p:sld xmlns:a="http://schemas.openxmlformats.org/drawingml/2006/main" xmlns:r="http://schemas.openxmlformats.org/officeDocument/2006/relationships" xmlns:p="http://schemas.openxmlformats.org/presentationml/2006/main">
+  <p:cSld>
+    <p:spTree>
+      <p:nvGrpSpPr>
+        <p:cNvPr id="1" name=""/>
+        <p:cNvGrpSpPr/>
+        <p:nvPr/>
+      </p:nvGrpSpPr>
+      <p:grpSpPr>
+        <a:xfrm>
+          <a:off x="0" y="0"/>
+          <a:ext cx="0" cy="0"/>
+          <a:chOff x="0" y="0"/>
+          <a:chExt cx="0" cy="0"/>
+        </a:xfrm>
+      </p:grpSpPr>
+      <p:sp>
+        <p:nvSpPr>
+          <p:cNvPr id="4" name="Rectangle 3"/>
+          <p:cNvSpPr/>
+          <p:nvPr/>
+        </p:nvSpPr>
+        <p:spPr>
+          <a:xfrm>
+            <a:off x="304800" y="98052"/>
+            <a:ext cx="6781800" cy="461665"/>
+          </a:xfrm>
+          <a:prstGeom prst="rect">
+            <a:avLst/>
+          </a:prstGeom>
+        </p:spPr>
+        <p:txBody>
+          <a:bodyPr wrap="square">
+            <a:spAutoFit/>
+          </a:bodyPr>
+          <a:lstStyle/>
+          <a:p>
+            <a:r>
+              <a:rPr lang="en-US" sz="2400" b="1" dirty="0" smtClean="0">
+                <a:latin typeface="Arial" panose="020B0604020202020204" pitchFamily="34" charset="0"/>
+                <a:cs typeface="Arial" panose="020B0604020202020204" pitchFamily="34" charset="0"/>
+              </a:rPr>
+              <a:t>Metrics</a:t>
+            </a:r>
+            <a:endParaRPr lang="en-US" sz="2400" b="1" dirty="0">
+              <a:latin typeface="Arial" panose="020B0604020202020204" pitchFamily="34" charset="0"/>
+              <a:cs typeface="Arial" panose="020B0604020202020204" pitchFamily="34" charset="0"/>
+            </a:endParaRPr>
+          </a:p>
+        </p:txBody>
+      </p:sp>
+      <p:sp>
+        <p:nvSpPr>
+          <p:cNvPr id="5" name="TextBox 4"/>
+          <p:cNvSpPr txBox="1"/>
+          <p:nvPr/>
+        </p:nvSpPr>
+        <p:spPr>
+          <a:xfrm>
+            <a:off x="304799" y="762000"/>
+            <a:ext cx="3733801" cy="5078313"/>
+          </a:xfrm>
+          <a:prstGeom prst="rect">
+            <a:avLst/>
+          </a:prstGeom>
+          <a:noFill/>
+        </p:spPr>
+        <p:txBody>
+          <a:bodyPr wrap="square" rtlCol="0">
+            <a:spAutoFit/>
+          </a:bodyPr>
+          <a:lstStyle/>
+          <a:p>
+            <a:pPr marL="342900" indent="-342900">
+              <a:buFont typeface="Arial" panose="020B0604020202020204" pitchFamily="34" charset="0"/>
+              <a:buChar char="•"/>
+            </a:pPr>
+            <a:r>
+              <a:rPr lang="en-US" sz="3600" b="1" dirty="0" smtClean="0">
+                <a:latin typeface="Arial" panose="020B0604020202020204" pitchFamily="34" charset="0"/>
+                <a:ea typeface="Roboto" pitchFamily="2" charset="0"/>
+                <a:cs typeface="Arial" panose="020B0604020202020204" pitchFamily="34" charset="0"/>
+              </a:rPr>
+              <a:t>Concept</a:t>
+            </a:r>
+          </a:p>
+          <a:p>
+            <a:pPr marL="342900" indent="-342900">
+              <a:buFont typeface="Arial" panose="020B0604020202020204" pitchFamily="34" charset="0"/>
+              <a:buChar char="•"/>
+            </a:pPr>
+            <a:endParaRPr lang="en-US" sz="3600" b="1" dirty="0" smtClean="0">
+              <a:latin typeface="Arial" panose="020B0604020202020204" pitchFamily="34" charset="0"/>
+              <a:ea typeface="Roboto" pitchFamily="2" charset="0"/>
+              <a:cs typeface="Arial" panose="020B0604020202020204" pitchFamily="34" charset="0"/>
+            </a:endParaRPr>
+          </a:p>
+          <a:p>
+            <a:pPr marL="342900" indent="-342900">
+              <a:buFont typeface="Arial" panose="020B0604020202020204" pitchFamily="34" charset="0"/>
+              <a:buChar char="•"/>
+            </a:pPr>
+            <a:r>
+              <a:rPr lang="en-US" sz="3600" b="1" dirty="0" smtClean="0">
+                <a:latin typeface="Arial" panose="020B0604020202020204" pitchFamily="34" charset="0"/>
+                <a:ea typeface="Roboto" pitchFamily="2" charset="0"/>
+                <a:cs typeface="Arial" panose="020B0604020202020204" pitchFamily="34" charset="0"/>
+              </a:rPr>
+              <a:t>Design</a:t>
+            </a:r>
+          </a:p>
+          <a:p>
+            <a:pPr marL="342900" indent="-342900">
+              <a:buFont typeface="Arial" panose="020B0604020202020204" pitchFamily="34" charset="0"/>
+              <a:buChar char="•"/>
+            </a:pPr>
+            <a:endParaRPr lang="en-US" sz="3600" b="1" dirty="0" smtClean="0">
+              <a:latin typeface="Arial" panose="020B0604020202020204" pitchFamily="34" charset="0"/>
+              <a:ea typeface="Roboto" pitchFamily="2" charset="0"/>
+              <a:cs typeface="Arial" panose="020B0604020202020204" pitchFamily="34" charset="0"/>
+            </a:endParaRPr>
+          </a:p>
+          <a:p>
+            <a:pPr marL="342900" indent="-342900">
+              <a:buFont typeface="Arial" panose="020B0604020202020204" pitchFamily="34" charset="0"/>
+              <a:buChar char="•"/>
+            </a:pPr>
+            <a:r>
+              <a:rPr lang="en-US" sz="3600" b="1" dirty="0" smtClean="0">
+                <a:latin typeface="Arial" panose="020B0604020202020204" pitchFamily="34" charset="0"/>
+                <a:ea typeface="Roboto" pitchFamily="2" charset="0"/>
+                <a:cs typeface="Arial" panose="020B0604020202020204" pitchFamily="34" charset="0"/>
+              </a:rPr>
+              <a:t>Functionality</a:t>
+            </a:r>
+          </a:p>
+          <a:p>
+            <a:pPr marL="342900" indent="-342900">
+              <a:buFont typeface="Arial" panose="020B0604020202020204" pitchFamily="34" charset="0"/>
+              <a:buChar char="•"/>
+            </a:pPr>
+            <a:endParaRPr lang="en-US" sz="3600" b="1" dirty="0">
+              <a:latin typeface="Arial" panose="020B0604020202020204" pitchFamily="34" charset="0"/>
+              <a:ea typeface="Roboto" pitchFamily="2" charset="0"/>
+              <a:cs typeface="Arial" panose="020B0604020202020204" pitchFamily="34" charset="0"/>
+            </a:endParaRPr>
+          </a:p>
+          <a:p>
+            <a:pPr marL="342900" indent="-342900">
+              <a:buFont typeface="Arial" panose="020B0604020202020204" pitchFamily="34" charset="0"/>
+              <a:buChar char="•"/>
+            </a:pPr>
+            <a:r>
+              <a:rPr lang="en-US" sz="3600" b="1" dirty="0" smtClean="0">
+                <a:latin typeface="Arial" panose="020B0604020202020204" pitchFamily="34" charset="0"/>
+                <a:ea typeface="Roboto" pitchFamily="2" charset="0"/>
+                <a:cs typeface="Arial" panose="020B0604020202020204" pitchFamily="34" charset="0"/>
+              </a:rPr>
+              <a:t>Collaboration</a:t>
+            </a:r>
+          </a:p>
+          <a:p>
+            <a:pPr marL="342900" indent="-342900">
+              <a:buFont typeface="Arial" panose="020B0604020202020204" pitchFamily="34" charset="0"/>
+              <a:buChar char="•"/>
+            </a:pPr>
+            <a:endParaRPr lang="en-US" sz="3600" b="1" dirty="0">
+              <a:latin typeface="Arial" panose="020B0604020202020204" pitchFamily="34" charset="0"/>
+              <a:ea typeface="Roboto" pitchFamily="2" charset="0"/>
+              <a:cs typeface="Arial" panose="020B0604020202020204" pitchFamily="34" charset="0"/>
+            </a:endParaRPr>
+          </a:p>
+          <a:p>
+            <a:pPr marL="342900" indent="-342900">
+              <a:buFont typeface="Arial" panose="020B0604020202020204" pitchFamily="34" charset="0"/>
+              <a:buChar char="•"/>
+            </a:pPr>
+            <a:r>
+              <a:rPr lang="en-US" sz="3600" b="1" dirty="0" smtClean="0">
+                <a:latin typeface="Arial" panose="020B0604020202020204" pitchFamily="34" charset="0"/>
+                <a:ea typeface="Roboto" pitchFamily="2" charset="0"/>
+                <a:cs typeface="Arial" panose="020B0604020202020204" pitchFamily="34" charset="0"/>
+              </a:rPr>
+              <a:t>Presentation</a:t>
+            </a:r>
+          </a:p>
+        </p:txBody>
+      </p:sp>
+    </p:spTree>
+    <p:extLst>
+      <p:ext uri="{BB962C8B-B14F-4D97-AF65-F5344CB8AC3E}">
+        <p14:creationId xmlns:p14="http://schemas.microsoft.com/office/powerpoint/2010/main" val="4274685843"/>
+      </p:ext>
+    </p:extLst>
+  </p:cSld>
+  <p:clrMapOvr>
+    <a:masterClrMapping/>
+  </p:clrMapOvr>
+  <mc:AlternateContent xmlns:mc="http://schemas.openxmlformats.org/markup-compatibility/2006" xmlns:p14="http://schemas.microsoft.com/office/powerpoint/2010/main">
+    <mc:Choice Requires="p14">
+      <p:transition p14:dur="250">
+        <p:fade/>
+      </p:transition>
+    </mc:Choice>
+    <mc:Fallback xmlns="">
+      <p:transition>
+        <p:fade/>
+      </p:transition>
+    </mc:Fallback>
+  </mc:AlternateContent>
+  <p:timing>
+    <p:tnLst>
+      <p:par>
+        <p:cTn id="1" dur="indefinite" restart="never" nodeType="tmRoot"/>
+      </p:par>
+    </p:tnLst>
+  </p:timing>
+</p:sld>
+</file>
+
+<file path=ppt/slides/slide21.xml><?xml version="1.0" encoding="utf-8"?>
+<p:sld xmlns:a="http://schemas.openxmlformats.org/drawingml/2006/main" xmlns:r="http://schemas.openxmlformats.org/officeDocument/2006/relationships" xmlns:p="http://schemas.openxmlformats.org/presentationml/2006/main">
+  <p:cSld>
+    <p:spTree>
+      <p:nvGrpSpPr>
+        <p:cNvPr id="1" name=""/>
+        <p:cNvGrpSpPr/>
+        <p:nvPr/>
+      </p:nvGrpSpPr>
+      <p:grpSpPr>
+        <a:xfrm>
+          <a:off x="0" y="0"/>
+          <a:ext cx="0" cy="0"/>
+          <a:chOff x="0" y="0"/>
+          <a:chExt cx="0" cy="0"/>
+        </a:xfrm>
+      </p:grpSpPr>
+      <p:sp>
+        <p:nvSpPr>
+          <p:cNvPr id="6" name="Rectangle 5"/>
+          <p:cNvSpPr/>
+          <p:nvPr/>
+        </p:nvSpPr>
+        <p:spPr>
+          <a:xfrm>
+            <a:off x="304800" y="98052"/>
+            <a:ext cx="6781800" cy="461665"/>
+          </a:xfrm>
+          <a:prstGeom prst="rect">
+            <a:avLst/>
+          </a:prstGeom>
+        </p:spPr>
+        <p:txBody>
+          <a:bodyPr wrap="square">
+            <a:spAutoFit/>
+          </a:bodyPr>
+          <a:lstStyle/>
+          <a:p>
+            <a:r>
+              <a:rPr lang="en-US" sz="2400" b="1" dirty="0" smtClean="0">
+                <a:latin typeface="Arial" panose="020B0604020202020204" pitchFamily="34" charset="0"/>
+                <a:cs typeface="Arial" panose="020B0604020202020204" pitchFamily="34" charset="0"/>
+              </a:rPr>
+              <a:t>Awards Yay!</a:t>
+            </a:r>
+            <a:endParaRPr lang="en-US" sz="2400" b="1" dirty="0">
+              <a:latin typeface="Arial" panose="020B0604020202020204" pitchFamily="34" charset="0"/>
+              <a:cs typeface="Arial" panose="020B0604020202020204" pitchFamily="34" charset="0"/>
+            </a:endParaRPr>
+          </a:p>
+        </p:txBody>
+      </p:sp>
+      <p:sp>
+        <p:nvSpPr>
+          <p:cNvPr id="7" name="TextBox 6"/>
+          <p:cNvSpPr txBox="1"/>
+          <p:nvPr/>
+        </p:nvSpPr>
+        <p:spPr>
+          <a:xfrm>
+            <a:off x="304799" y="762000"/>
+            <a:ext cx="8382001" cy="5632311"/>
+          </a:xfrm>
+          <a:prstGeom prst="rect">
+            <a:avLst/>
+          </a:prstGeom>
+          <a:noFill/>
+        </p:spPr>
+        <p:txBody>
+          <a:bodyPr wrap="square" rtlCol="0">
+            <a:spAutoFit/>
+          </a:bodyPr>
+          <a:lstStyle/>
+          <a:p>
+            <a:pPr marL="342900" indent="-342900">
+              <a:buFont typeface="Arial" panose="020B0604020202020204" pitchFamily="34" charset="0"/>
+              <a:buChar char="•"/>
+            </a:pPr>
+            <a:r>
+              <a:rPr lang="en-US" sz="2400" b="1" dirty="0">
+                <a:latin typeface="Arial" panose="020B0604020202020204" pitchFamily="34" charset="0"/>
+                <a:ea typeface="Roboto" pitchFamily="2" charset="0"/>
+                <a:cs typeface="Arial" panose="020B0604020202020204" pitchFamily="34" charset="0"/>
+              </a:rPr>
+              <a:t>Most Awe-Inspiring</a:t>
+            </a:r>
+          </a:p>
+          <a:p>
+            <a:pPr marL="342900" indent="-342900">
+              <a:buFont typeface="Arial" panose="020B0604020202020204" pitchFamily="34" charset="0"/>
+              <a:buChar char="•"/>
+            </a:pPr>
+            <a:endParaRPr lang="en-US" sz="2400" b="1" dirty="0" smtClean="0">
+              <a:latin typeface="Arial" panose="020B0604020202020204" pitchFamily="34" charset="0"/>
+              <a:ea typeface="Roboto" pitchFamily="2" charset="0"/>
+              <a:cs typeface="Arial" panose="020B0604020202020204" pitchFamily="34" charset="0"/>
+            </a:endParaRPr>
+          </a:p>
+          <a:p>
+            <a:pPr marL="342900" indent="-342900">
+              <a:buFont typeface="Arial" panose="020B0604020202020204" pitchFamily="34" charset="0"/>
+              <a:buChar char="•"/>
+            </a:pPr>
+            <a:r>
+              <a:rPr lang="en-US" sz="2400" b="1" dirty="0" smtClean="0">
+                <a:latin typeface="Arial" panose="020B0604020202020204" pitchFamily="34" charset="0"/>
+                <a:ea typeface="Roboto" pitchFamily="2" charset="0"/>
+                <a:cs typeface="Arial" panose="020B0604020202020204" pitchFamily="34" charset="0"/>
+              </a:rPr>
+              <a:t>Most Useful</a:t>
+            </a:r>
+          </a:p>
+          <a:p>
+            <a:pPr marL="342900" indent="-342900">
+              <a:buFont typeface="Arial" panose="020B0604020202020204" pitchFamily="34" charset="0"/>
+              <a:buChar char="•"/>
+            </a:pPr>
+            <a:endParaRPr lang="en-US" sz="2400" b="1" dirty="0" smtClean="0">
+              <a:latin typeface="Arial" panose="020B0604020202020204" pitchFamily="34" charset="0"/>
+              <a:ea typeface="Roboto" pitchFamily="2" charset="0"/>
+              <a:cs typeface="Arial" panose="020B0604020202020204" pitchFamily="34" charset="0"/>
+            </a:endParaRPr>
+          </a:p>
+          <a:p>
+            <a:pPr marL="342900" indent="-342900">
+              <a:buFont typeface="Arial" panose="020B0604020202020204" pitchFamily="34" charset="0"/>
+              <a:buChar char="•"/>
+            </a:pPr>
+            <a:r>
+              <a:rPr lang="en-US" sz="2400" b="1" dirty="0" smtClean="0">
+                <a:latin typeface="Arial" panose="020B0604020202020204" pitchFamily="34" charset="0"/>
+                <a:ea typeface="Roboto" pitchFamily="2" charset="0"/>
+                <a:cs typeface="Arial" panose="020B0604020202020204" pitchFamily="34" charset="0"/>
+              </a:rPr>
+              <a:t>Most Creative</a:t>
+            </a:r>
+          </a:p>
+          <a:p>
+            <a:pPr marL="342900" indent="-342900">
+              <a:buFont typeface="Arial" panose="020B0604020202020204" pitchFamily="34" charset="0"/>
+              <a:buChar char="•"/>
+            </a:pPr>
+            <a:endParaRPr lang="en-US" sz="2400" b="1" dirty="0">
+              <a:latin typeface="Arial" panose="020B0604020202020204" pitchFamily="34" charset="0"/>
+              <a:ea typeface="Roboto" pitchFamily="2" charset="0"/>
+              <a:cs typeface="Arial" panose="020B0604020202020204" pitchFamily="34" charset="0"/>
+            </a:endParaRPr>
+          </a:p>
+          <a:p>
+            <a:pPr marL="342900" indent="-342900">
+              <a:buFont typeface="Arial" panose="020B0604020202020204" pitchFamily="34" charset="0"/>
+              <a:buChar char="•"/>
+            </a:pPr>
+            <a:r>
+              <a:rPr lang="en-US" sz="2400" b="1" dirty="0" smtClean="0">
+                <a:latin typeface="Arial" panose="020B0604020202020204" pitchFamily="34" charset="0"/>
+                <a:ea typeface="Roboto" pitchFamily="2" charset="0"/>
+                <a:cs typeface="Arial" panose="020B0604020202020204" pitchFamily="34" charset="0"/>
+              </a:rPr>
+              <a:t>Best Use of Tech</a:t>
+            </a:r>
+          </a:p>
+          <a:p>
+            <a:endParaRPr lang="en-US" sz="2400" b="1" dirty="0">
+              <a:latin typeface="Arial" panose="020B0604020202020204" pitchFamily="34" charset="0"/>
+              <a:ea typeface="Roboto" pitchFamily="2" charset="0"/>
+              <a:cs typeface="Arial" panose="020B0604020202020204" pitchFamily="34" charset="0"/>
+            </a:endParaRPr>
+          </a:p>
+          <a:p>
+            <a:pPr marL="342900" indent="-342900">
+              <a:buFont typeface="Arial" panose="020B0604020202020204" pitchFamily="34" charset="0"/>
+              <a:buChar char="•"/>
+            </a:pPr>
+            <a:r>
+              <a:rPr lang="en-US" sz="2400" b="1" dirty="0" smtClean="0">
+                <a:latin typeface="Arial" panose="020B0604020202020204" pitchFamily="34" charset="0"/>
+                <a:ea typeface="Roboto" pitchFamily="2" charset="0"/>
+                <a:cs typeface="Arial" panose="020B0604020202020204" pitchFamily="34" charset="0"/>
+              </a:rPr>
+              <a:t>Best UI/UX</a:t>
+            </a:r>
+          </a:p>
+          <a:p>
+            <a:pPr marL="342900" indent="-342900">
+              <a:buFont typeface="Arial" panose="020B0604020202020204" pitchFamily="34" charset="0"/>
+              <a:buChar char="•"/>
+            </a:pPr>
+            <a:endParaRPr lang="en-US" sz="2400" b="1" dirty="0">
+              <a:latin typeface="Arial" panose="020B0604020202020204" pitchFamily="34" charset="0"/>
+              <a:ea typeface="Roboto" pitchFamily="2" charset="0"/>
+              <a:cs typeface="Arial" panose="020B0604020202020204" pitchFamily="34" charset="0"/>
+            </a:endParaRPr>
+          </a:p>
+          <a:p>
+            <a:pPr marL="342900" indent="-342900">
+              <a:buFont typeface="Arial" panose="020B0604020202020204" pitchFamily="34" charset="0"/>
+              <a:buChar char="•"/>
+            </a:pPr>
+            <a:r>
+              <a:rPr lang="en-US" sz="2400" b="1" dirty="0" smtClean="0">
+                <a:latin typeface="Arial" panose="020B0604020202020204" pitchFamily="34" charset="0"/>
+                <a:ea typeface="Roboto" pitchFamily="2" charset="0"/>
+                <a:cs typeface="Arial" panose="020B0604020202020204" pitchFamily="34" charset="0"/>
+              </a:rPr>
+              <a:t>Most Hilarious</a:t>
+            </a:r>
+          </a:p>
+          <a:p>
+            <a:pPr marL="342900" indent="-342900">
+              <a:buFont typeface="Arial" panose="020B0604020202020204" pitchFamily="34" charset="0"/>
+              <a:buChar char="•"/>
+            </a:pPr>
+            <a:endParaRPr lang="en-US" sz="2400" b="1" dirty="0">
+              <a:latin typeface="Arial" panose="020B0604020202020204" pitchFamily="34" charset="0"/>
+              <a:ea typeface="Roboto" pitchFamily="2" charset="0"/>
+              <a:cs typeface="Arial" panose="020B0604020202020204" pitchFamily="34" charset="0"/>
+            </a:endParaRPr>
+          </a:p>
+          <a:p>
+            <a:pPr marL="342900" indent="-342900">
+              <a:buFont typeface="Arial" panose="020B0604020202020204" pitchFamily="34" charset="0"/>
+              <a:buChar char="•"/>
+            </a:pPr>
+            <a:r>
+              <a:rPr lang="en-US" sz="2400" b="1" dirty="0" smtClean="0">
+                <a:latin typeface="Arial" panose="020B0604020202020204" pitchFamily="34" charset="0"/>
+                <a:ea typeface="Roboto" pitchFamily="2" charset="0"/>
+                <a:cs typeface="Arial" panose="020B0604020202020204" pitchFamily="34" charset="0"/>
+              </a:rPr>
+              <a:t>Most Disruptive</a:t>
+            </a:r>
+          </a:p>
+          <a:p>
+            <a:pPr marL="342900" indent="-342900">
+              <a:buFont typeface="Arial" panose="020B0604020202020204" pitchFamily="34" charset="0"/>
+              <a:buChar char="•"/>
+            </a:pPr>
+            <a:endParaRPr lang="en-US" sz="2400" b="1" dirty="0">
+              <a:latin typeface="Arial" panose="020B0604020202020204" pitchFamily="34" charset="0"/>
+              <a:ea typeface="Roboto" pitchFamily="2" charset="0"/>
+              <a:cs typeface="Arial" panose="020B0604020202020204" pitchFamily="34" charset="0"/>
+            </a:endParaRPr>
+          </a:p>
+          <a:p>
+            <a:pPr marL="342900" indent="-342900">
+              <a:buFont typeface="Arial" panose="020B0604020202020204" pitchFamily="34" charset="0"/>
+              <a:buChar char="•"/>
+            </a:pPr>
+            <a:r>
+              <a:rPr lang="en-US" sz="2400" b="1" dirty="0" smtClean="0">
+                <a:latin typeface="Arial" panose="020B0604020202020204" pitchFamily="34" charset="0"/>
+                <a:ea typeface="Roboto" pitchFamily="2" charset="0"/>
+                <a:cs typeface="Arial" panose="020B0604020202020204" pitchFamily="34" charset="0"/>
+              </a:rPr>
+              <a:t>Most Socially Conscious</a:t>
+            </a:r>
+          </a:p>
+        </p:txBody>
+      </p:sp>
+    </p:spTree>
+    <p:extLst>
+      <p:ext uri="{BB962C8B-B14F-4D97-AF65-F5344CB8AC3E}">
+        <p14:creationId xmlns:p14="http://schemas.microsoft.com/office/powerpoint/2010/main" val="2424522056"/>
+      </p:ext>
+    </p:extLst>
+  </p:cSld>
+  <p:clrMapOvr>
+    <a:masterClrMapping/>
+  </p:clrMapOvr>
+  <mc:AlternateContent xmlns:mc="http://schemas.openxmlformats.org/markup-compatibility/2006" xmlns:p14="http://schemas.microsoft.com/office/powerpoint/2010/main">
+    <mc:Choice Requires="p14">
+      <p:transition p14:dur="250">
+        <p:fade/>
+      </p:transition>
+    </mc:Choice>
+    <mc:Fallback xmlns="">
+      <p:transition>
+        <p:fade/>
+      </p:transition>
+    </mc:Fallback>
+  </mc:AlternateContent>
+  <p:timing>
+    <p:tnLst>
+      <p:par>
+        <p:cTn id="1" dur="indefinite" restart="never" nodeType="tmRoot"/>
+      </p:par>
+    </p:tnLst>
+  </p:timing>
+</p:sld>
+</file>
+
+<file path=ppt/slides/slide22.xml><?xml version="1.0" encoding="utf-8"?>
+<p:sld xmlns:a="http://schemas.openxmlformats.org/drawingml/2006/main" xmlns:r="http://schemas.openxmlformats.org/officeDocument/2006/relationships" xmlns:p="http://schemas.openxmlformats.org/presentationml/2006/main">
+  <p:cSld>
+    <p:spTree>
+      <p:nvGrpSpPr>
+        <p:cNvPr id="1" name=""/>
+        <p:cNvGrpSpPr/>
+        <p:nvPr/>
+      </p:nvGrpSpPr>
+      <p:grpSpPr>
+        <a:xfrm>
+          <a:off x="0" y="0"/>
+          <a:ext cx="0" cy="0"/>
+          <a:chOff x="0" y="0"/>
+          <a:chExt cx="0" cy="0"/>
+        </a:xfrm>
+      </p:grpSpPr>
+      <p:sp>
+        <p:nvSpPr>
+          <p:cNvPr id="2" name="Title 1"/>
+          <p:cNvSpPr>
+            <a:spLocks noGrp="1"/>
+          </p:cNvSpPr>
+          <p:nvPr>
+            <p:ph type="title"/>
+          </p:nvPr>
+        </p:nvSpPr>
+        <p:spPr/>
+        <p:txBody>
+          <a:bodyPr/>
+          <a:lstStyle/>
+          <a:p>
+            <a:r>
+              <a:rPr lang="en-US" dirty="0" smtClean="0"/>
+              <a:t>API Suggestions</a:t>
+            </a:r>
+            <a:endParaRPr lang="en-US" dirty="0"/>
+          </a:p>
+        </p:txBody>
+      </p:sp>
+    </p:spTree>
+    <p:extLst>
+      <p:ext uri="{BB962C8B-B14F-4D97-AF65-F5344CB8AC3E}">
+        <p14:creationId xmlns:p14="http://schemas.microsoft.com/office/powerpoint/2010/main" val="1283631671"/>
+      </p:ext>
+    </p:extLst>
+  </p:cSld>
+  <p:clrMapOvr>
+    <a:masterClrMapping/>
+  </p:clrMapOvr>
+  <mc:AlternateContent xmlns:mc="http://schemas.openxmlformats.org/markup-compatibility/2006" xmlns:p14="http://schemas.microsoft.com/office/powerpoint/2010/main">
+    <mc:Choice Requires="p14">
+      <p:transition p14:dur="250">
+        <p:fade/>
+      </p:transition>
+    </mc:Choice>
+    <mc:Fallback xmlns="">
+      <p:transition>
+        <p:fade/>
+      </p:transition>
+    </mc:Fallback>
+  </mc:AlternateContent>
+  <p:timing>
+    <p:tnLst>
+      <p:par>
+        <p:cTn id="1" dur="indefinite" restart="never" nodeType="tmRoot"/>
+      </p:par>
+    </p:tnLst>
+  </p:timing>
+</p:sld>
+</file>
+
+<file path=ppt/slides/slide23.xml><?xml version="1.0" encoding="utf-8"?>
+<p:sld xmlns:a="http://schemas.openxmlformats.org/drawingml/2006/main" xmlns:r="http://schemas.openxmlformats.org/officeDocument/2006/relationships" xmlns:p="http://schemas.openxmlformats.org/presentationml/2006/main">
+  <p:cSld>
+    <p:spTree>
+      <p:nvGrpSpPr>
+        <p:cNvPr id="1" name=""/>
+        <p:cNvGrpSpPr/>
+        <p:nvPr/>
+      </p:nvGrpSpPr>
+      <p:grpSpPr>
+        <a:xfrm>
+          <a:off x="0" y="0"/>
+          <a:ext cx="0" cy="0"/>
+          <a:chOff x="0" y="0"/>
+          <a:chExt cx="0" cy="0"/>
+        </a:xfrm>
+      </p:grpSpPr>
+      <p:sp>
+        <p:nvSpPr>
           <p:cNvPr id="4" name="Rectangle 3"/>
           <p:cNvSpPr/>
           <p:nvPr/>
@@ -10471,7 +12093,7 @@
 </p:sld>
 </file>
 
-<file path=ppt/slides/slide19.xml><?xml version="1.0" encoding="utf-8"?>
+<file path=ppt/slides/slide24.xml><?xml version="1.0" encoding="utf-8"?>
 <p:sld xmlns:a="http://schemas.openxmlformats.org/drawingml/2006/main" xmlns:r="http://schemas.openxmlformats.org/officeDocument/2006/relationships" xmlns:p="http://schemas.openxmlformats.org/presentationml/2006/main">
   <p:cSld>
     <p:spTree>
@@ -10603,79 +12225,7 @@
 </p:sld>
 </file>
 
-<file path=ppt/slides/slide2.xml><?xml version="1.0" encoding="utf-8"?>
-<p:sld xmlns:a="http://schemas.openxmlformats.org/drawingml/2006/main" xmlns:r="http://schemas.openxmlformats.org/officeDocument/2006/relationships" xmlns:p="http://schemas.openxmlformats.org/presentationml/2006/main">
-  <p:cSld>
-    <p:spTree>
-      <p:nvGrpSpPr>
-        <p:cNvPr id="1" name=""/>
-        <p:cNvGrpSpPr/>
-        <p:nvPr/>
-      </p:nvGrpSpPr>
-      <p:grpSpPr>
-        <a:xfrm>
-          <a:off x="0" y="0"/>
-          <a:ext cx="0" cy="0"/>
-          <a:chOff x="0" y="0"/>
-          <a:chExt cx="0" cy="0"/>
-        </a:xfrm>
-      </p:grpSpPr>
-      <p:sp>
-        <p:nvSpPr>
-          <p:cNvPr id="2" name="Title 1"/>
-          <p:cNvSpPr>
-            <a:spLocks noGrp="1"/>
-          </p:cNvSpPr>
-          <p:nvPr>
-            <p:ph type="title"/>
-          </p:nvPr>
-        </p:nvSpPr>
-        <p:spPr/>
-        <p:txBody>
-          <a:bodyPr/>
-          <a:lstStyle/>
-          <a:p>
-            <a:r>
-              <a:rPr lang="en-US" dirty="0" smtClean="0"/>
-              <a:t>Project Week Overview</a:t>
-            </a:r>
-            <a:endParaRPr lang="en-US" dirty="0"/>
-          </a:p>
-        </p:txBody>
-      </p:sp>
-    </p:spTree>
-    <p:extLst>
-      <p:ext uri="{BB962C8B-B14F-4D97-AF65-F5344CB8AC3E}">
-        <p14:creationId xmlns:p14="http://schemas.microsoft.com/office/powerpoint/2010/main" val="3315888371"/>
-      </p:ext>
-    </p:extLst>
-  </p:cSld>
-  <p:clrMapOvr>
-    <a:masterClrMapping/>
-  </p:clrMapOvr>
-  <mc:AlternateContent xmlns:mc="http://schemas.openxmlformats.org/markup-compatibility/2006" xmlns:p14="http://schemas.microsoft.com/office/powerpoint/2010/main">
-    <mc:Choice Requires="p14">
-      <p:transition p14:dur="250">
-        <p:fade/>
-      </p:transition>
-    </mc:Choice>
-    <mc:Fallback xmlns="">
-      <p:transition>
-        <p:fade/>
-      </p:transition>
-    </mc:Fallback>
-  </mc:AlternateContent>
-  <p:timing>
-    <p:tnLst>
-      <p:par>
-        <p:cTn id="1" dur="indefinite" restart="never" nodeType="tmRoot"/>
-      </p:par>
-    </p:tnLst>
-  </p:timing>
-</p:sld>
-</file>
-
-<file path=ppt/slides/slide20.xml><?xml version="1.0" encoding="utf-8"?>
+<file path=ppt/slides/slide25.xml><?xml version="1.0" encoding="utf-8"?>
 <p:sld xmlns:a="http://schemas.openxmlformats.org/drawingml/2006/main" xmlns:r="http://schemas.openxmlformats.org/officeDocument/2006/relationships" xmlns:p="http://schemas.openxmlformats.org/presentationml/2006/main">
   <p:cSld>
     <p:spTree>
@@ -10747,7 +12297,7 @@
 </p:sld>
 </file>
 
-<file path=ppt/slides/slide21.xml><?xml version="1.0" encoding="utf-8"?>
+<file path=ppt/slides/slide26.xml><?xml version="1.0" encoding="utf-8"?>
 <p:sld xmlns:a="http://schemas.openxmlformats.org/drawingml/2006/main" xmlns:r="http://schemas.openxmlformats.org/officeDocument/2006/relationships" xmlns:p="http://schemas.openxmlformats.org/presentationml/2006/main">
   <p:cSld>
     <p:spTree>
@@ -10903,7 +12453,7 @@
 </p:sld>
 </file>
 
-<file path=ppt/slides/slide22.xml><?xml version="1.0" encoding="utf-8"?>
+<file path=ppt/slides/slide27.xml><?xml version="1.0" encoding="utf-8"?>
 <p:sld xmlns:a="http://schemas.openxmlformats.org/drawingml/2006/main" xmlns:r="http://schemas.openxmlformats.org/officeDocument/2006/relationships" xmlns:p="http://schemas.openxmlformats.org/presentationml/2006/main">
   <p:cSld>
     <p:spTree>
@@ -11122,7 +12672,7 @@
 </p:sld>
 </file>
 
-<file path=ppt/slides/slide23.xml><?xml version="1.0" encoding="utf-8"?>
+<file path=ppt/slides/slide28.xml><?xml version="1.0" encoding="utf-8"?>
 <p:sld xmlns:a="http://schemas.openxmlformats.org/drawingml/2006/main" xmlns:r="http://schemas.openxmlformats.org/officeDocument/2006/relationships" xmlns:p="http://schemas.openxmlformats.org/presentationml/2006/main">
   <p:cSld>
     <p:spTree>
@@ -11274,7 +12824,7 @@
 </p:sld>
 </file>
 
-<file path=ppt/slides/slide24.xml><?xml version="1.0" encoding="utf-8"?>
+<file path=ppt/slides/slide29.xml><?xml version="1.0" encoding="utf-8"?>
 <p:sld xmlns:a="http://schemas.openxmlformats.org/drawingml/2006/main" xmlns:r="http://schemas.openxmlformats.org/officeDocument/2006/relationships" xmlns:p="http://schemas.openxmlformats.org/presentationml/2006/main">
   <p:cSld>
     <p:spTree>
@@ -11438,7 +12988,102 @@
 </p:sld>
 </file>
 
-<file path=ppt/slides/slide25.xml><?xml version="1.0" encoding="utf-8"?>
+<file path=ppt/slides/slide3.xml><?xml version="1.0" encoding="utf-8"?>
+<p:sld xmlns:a="http://schemas.openxmlformats.org/drawingml/2006/main" xmlns:r="http://schemas.openxmlformats.org/officeDocument/2006/relationships" xmlns:p="http://schemas.openxmlformats.org/presentationml/2006/main">
+  <p:cSld>
+    <p:spTree>
+      <p:nvGrpSpPr>
+        <p:cNvPr id="1" name=""/>
+        <p:cNvGrpSpPr/>
+        <p:nvPr/>
+      </p:nvGrpSpPr>
+      <p:grpSpPr>
+        <a:xfrm>
+          <a:off x="0" y="0"/>
+          <a:ext cx="0" cy="0"/>
+          <a:chOff x="0" y="0"/>
+          <a:chExt cx="0" cy="0"/>
+        </a:xfrm>
+      </p:grpSpPr>
+      <p:sp>
+        <p:nvSpPr>
+          <p:cNvPr id="2" name="Title 1"/>
+          <p:cNvSpPr>
+            <a:spLocks noGrp="1"/>
+          </p:cNvSpPr>
+          <p:nvPr>
+            <p:ph type="title"/>
+          </p:nvPr>
+        </p:nvSpPr>
+        <p:spPr/>
+        <p:txBody>
+          <a:bodyPr/>
+          <a:lstStyle/>
+          <a:p>
+            <a:r>
+              <a:rPr lang="en-US" dirty="0" smtClean="0"/>
+              <a:t>The Job Hunt (May Seem Like)</a:t>
+            </a:r>
+            <a:endParaRPr lang="en-US" dirty="0"/>
+          </a:p>
+        </p:txBody>
+      </p:sp>
+      <p:pic>
+        <p:nvPicPr>
+          <p:cNvPr id="3" name="Picture 2"/>
+          <p:cNvPicPr>
+            <a:picLocks noChangeAspect="1"/>
+          </p:cNvPicPr>
+          <p:nvPr/>
+        </p:nvPicPr>
+        <p:blipFill>
+          <a:blip r:embed="rId2">
+            <a:extLst>
+              <a:ext uri="{28A0092B-C50C-407E-A947-70E740481C1C}">
+                <a14:useLocalDpi xmlns:a14="http://schemas.microsoft.com/office/drawing/2010/main" val="0"/>
+              </a:ext>
+            </a:extLst>
+          </a:blip>
+          <a:stretch>
+            <a:fillRect/>
+          </a:stretch>
+        </p:blipFill>
+        <p:spPr>
+          <a:xfrm>
+            <a:off x="-228600" y="1447800"/>
+            <a:ext cx="9647582" cy="3467100"/>
+          </a:xfrm>
+          <a:prstGeom prst="rect">
+            <a:avLst/>
+          </a:prstGeom>
+        </p:spPr>
+      </p:pic>
+    </p:spTree>
+    <p:extLst>
+      <p:ext uri="{BB962C8B-B14F-4D97-AF65-F5344CB8AC3E}">
+        <p14:creationId xmlns:p14="http://schemas.microsoft.com/office/powerpoint/2010/main" val="10128394"/>
+      </p:ext>
+    </p:extLst>
+  </p:cSld>
+  <p:clrMapOvr>
+    <a:masterClrMapping/>
+  </p:clrMapOvr>
+  <mc:AlternateContent xmlns:mc="http://schemas.openxmlformats.org/markup-compatibility/2006" xmlns:p14="http://schemas.microsoft.com/office/powerpoint/2010/main">
+    <mc:Choice Requires="p14">
+      <p:transition p14:dur="250">
+        <p:fade/>
+      </p:transition>
+    </mc:Choice>
+    <mc:Fallback xmlns="">
+      <p:transition>
+        <p:fade/>
+      </p:transition>
+    </mc:Fallback>
+  </mc:AlternateContent>
+</p:sld>
+</file>
+
+<file path=ppt/slides/slide30.xml><?xml version="1.0" encoding="utf-8"?>
 <p:sld xmlns:a="http://schemas.openxmlformats.org/drawingml/2006/main" xmlns:r="http://schemas.openxmlformats.org/officeDocument/2006/relationships" xmlns:p="http://schemas.openxmlformats.org/presentationml/2006/main">
   <p:cSld>
     <p:spTree>
@@ -11510,7 +13155,7 @@
 </p:sld>
 </file>
 
-<file path=ppt/slides/slide26.xml><?xml version="1.0" encoding="utf-8"?>
+<file path=ppt/slides/slide31.xml><?xml version="1.0" encoding="utf-8"?>
 <p:sld xmlns:a="http://schemas.openxmlformats.org/drawingml/2006/main" xmlns:r="http://schemas.openxmlformats.org/officeDocument/2006/relationships" xmlns:p="http://schemas.openxmlformats.org/presentationml/2006/main">
   <p:cSld>
     <p:spTree>
@@ -11736,7 +13381,7 @@
 </p:sld>
 </file>
 
-<file path=ppt/slides/slide27.xml><?xml version="1.0" encoding="utf-8"?>
+<file path=ppt/slides/slide32.xml><?xml version="1.0" encoding="utf-8"?>
 <p:sld xmlns:a="http://schemas.openxmlformats.org/drawingml/2006/main" xmlns:r="http://schemas.openxmlformats.org/officeDocument/2006/relationships" xmlns:p="http://schemas.openxmlformats.org/presentationml/2006/main">
   <p:cSld>
     <p:spTree>
@@ -11933,7 +13578,7 @@
 </p:sld>
 </file>
 
-<file path=ppt/slides/slide28.xml><?xml version="1.0" encoding="utf-8"?>
+<file path=ppt/slides/slide33.xml><?xml version="1.0" encoding="utf-8"?>
 <p:sld xmlns:a="http://schemas.openxmlformats.org/drawingml/2006/main" xmlns:r="http://schemas.openxmlformats.org/officeDocument/2006/relationships" xmlns:p="http://schemas.openxmlformats.org/presentationml/2006/main">
   <p:cSld>
     <p:spTree>
@@ -12164,7 +13809,7 @@
 </p:sld>
 </file>
 
-<file path=ppt/slides/slide29.xml><?xml version="1.0" encoding="utf-8"?>
+<file path=ppt/slides/slide34.xml><?xml version="1.0" encoding="utf-8"?>
 <p:sld xmlns:a="http://schemas.openxmlformats.org/drawingml/2006/main" xmlns:r="http://schemas.openxmlformats.org/officeDocument/2006/relationships" xmlns:p="http://schemas.openxmlformats.org/presentationml/2006/main">
   <p:cSld>
     <p:spTree>
@@ -12281,116 +13926,7 @@
 </p:sld>
 </file>
 
-<file path=ppt/slides/slide3.xml><?xml version="1.0" encoding="utf-8"?>
-<p:sld xmlns:a="http://schemas.openxmlformats.org/drawingml/2006/main" xmlns:r="http://schemas.openxmlformats.org/officeDocument/2006/relationships" xmlns:p="http://schemas.openxmlformats.org/presentationml/2006/main">
-  <p:cSld>
-    <p:spTree>
-      <p:nvGrpSpPr>
-        <p:cNvPr id="1" name=""/>
-        <p:cNvGrpSpPr/>
-        <p:nvPr/>
-      </p:nvGrpSpPr>
-      <p:grpSpPr>
-        <a:xfrm>
-          <a:off x="0" y="0"/>
-          <a:ext cx="0" cy="0"/>
-          <a:chOff x="0" y="0"/>
-          <a:chExt cx="0" cy="0"/>
-        </a:xfrm>
-      </p:grpSpPr>
-      <p:sp>
-        <p:nvSpPr>
-          <p:cNvPr id="2" name="Title 1"/>
-          <p:cNvSpPr>
-            <a:spLocks noGrp="1"/>
-          </p:cNvSpPr>
-          <p:nvPr>
-            <p:ph type="title"/>
-          </p:nvPr>
-        </p:nvSpPr>
-        <p:spPr/>
-        <p:txBody>
-          <a:bodyPr/>
-          <a:lstStyle/>
-          <a:p>
-            <a:r>
-              <a:rPr lang="en-US" dirty="0" smtClean="0"/>
-              <a:t>Yay!</a:t>
-            </a:r>
-            <a:endParaRPr lang="en-US" dirty="0"/>
-          </a:p>
-        </p:txBody>
-      </p:sp>
-      <p:sp>
-        <p:nvSpPr>
-          <p:cNvPr id="3" name="TextBox 2"/>
-          <p:cNvSpPr txBox="1"/>
-          <p:nvPr/>
-        </p:nvSpPr>
-        <p:spPr>
-          <a:xfrm>
-            <a:off x="498017" y="3084015"/>
-            <a:ext cx="8341184" cy="1077218"/>
-          </a:xfrm>
-          <a:prstGeom prst="rect">
-            <a:avLst/>
-          </a:prstGeom>
-          <a:noFill/>
-        </p:spPr>
-        <p:txBody>
-          <a:bodyPr wrap="square" rtlCol="0">
-            <a:spAutoFit/>
-          </a:bodyPr>
-          <a:lstStyle/>
-          <a:p>
-            <a:pPr algn="ctr"/>
-            <a:r>
-              <a:rPr lang="en-US" sz="6400" b="1" i="1" dirty="0" smtClean="0">
-                <a:latin typeface="Arial" panose="020B0604020202020204" pitchFamily="34" charset="0"/>
-                <a:cs typeface="Arial" panose="020B0604020202020204" pitchFamily="34" charset="0"/>
-              </a:rPr>
-              <a:t>You made it!!!</a:t>
-            </a:r>
-            <a:endParaRPr lang="en-US" sz="6400" b="1" i="1" u="sng" dirty="0">
-              <a:latin typeface="Arial" panose="020B0604020202020204" pitchFamily="34" charset="0"/>
-              <a:cs typeface="Arial" panose="020B0604020202020204" pitchFamily="34" charset="0"/>
-            </a:endParaRPr>
-          </a:p>
-        </p:txBody>
-      </p:sp>
-    </p:spTree>
-    <p:extLst>
-      <p:ext uri="{BB962C8B-B14F-4D97-AF65-F5344CB8AC3E}">
-        <p14:creationId xmlns:p14="http://schemas.microsoft.com/office/powerpoint/2010/main" val="730517573"/>
-      </p:ext>
-    </p:extLst>
-  </p:cSld>
-  <p:clrMapOvr>
-    <a:masterClrMapping/>
-  </p:clrMapOvr>
-  <mc:AlternateContent xmlns:mc="http://schemas.openxmlformats.org/markup-compatibility/2006" xmlns:p14="http://schemas.microsoft.com/office/powerpoint/2010/main">
-    <mc:Choice Requires="p14">
-      <p:transition p14:dur="250">
-        <p:fade/>
-      </p:transition>
-    </mc:Choice>
-    <mc:Fallback xmlns="">
-      <p:transition>
-        <p:fade/>
-      </p:transition>
-    </mc:Fallback>
-  </mc:AlternateContent>
-  <p:timing>
-    <p:tnLst>
-      <p:par>
-        <p:cTn id="1" dur="indefinite" restart="never" nodeType="tmRoot"/>
-      </p:par>
-    </p:tnLst>
-  </p:timing>
-</p:sld>
-</file>
-
-<file path=ppt/slides/slide30.xml><?xml version="1.0" encoding="utf-8"?>
+<file path=ppt/slides/slide35.xml><?xml version="1.0" encoding="utf-8"?>
 <p:sld xmlns:a="http://schemas.openxmlformats.org/drawingml/2006/main" xmlns:r="http://schemas.openxmlformats.org/officeDocument/2006/relationships" xmlns:p="http://schemas.openxmlformats.org/presentationml/2006/main">
   <p:cSld>
     <p:spTree>
@@ -12462,7 +13998,7 @@
 </p:sld>
 </file>
 
-<file path=ppt/slides/slide31.xml><?xml version="1.0" encoding="utf-8"?>
+<file path=ppt/slides/slide36.xml><?xml version="1.0" encoding="utf-8"?>
 <p:sld xmlns:a="http://schemas.openxmlformats.org/drawingml/2006/main" xmlns:r="http://schemas.openxmlformats.org/officeDocument/2006/relationships" xmlns:p="http://schemas.openxmlformats.org/presentationml/2006/main">
   <p:cSld>
     <p:spTree>
@@ -12826,7 +14362,7 @@
 </p:sld>
 </file>
 
-<file path=ppt/slides/slide32.xml><?xml version="1.0" encoding="utf-8"?>
+<file path=ppt/slides/slide37.xml><?xml version="1.0" encoding="utf-8"?>
 <p:sld xmlns:a="http://schemas.openxmlformats.org/drawingml/2006/main" xmlns:r="http://schemas.openxmlformats.org/officeDocument/2006/relationships" xmlns:p="http://schemas.openxmlformats.org/presentationml/2006/main">
   <p:cSld>
     <p:spTree>
@@ -12932,7 +14468,7 @@
           <a:p>
             <a:r>
               <a:rPr lang="en-US" dirty="0" smtClean="0"/>
-              <a:t>Project Week! (This Week)</a:t>
+              <a:t>Present day</a:t>
             </a:r>
             <a:endParaRPr lang="en-US" dirty="0"/>
           </a:p>
@@ -12940,55 +14476,44 @@
       </p:sp>
       <p:pic>
         <p:nvPicPr>
-          <p:cNvPr id="1028" name="Picture 4" descr="http://siteaboutchildren.com/wp-content/uploads/2015/05/kids-arts-and-crafts-clip-art-czv9j7pu.jpg"/>
+          <p:cNvPr id="4" name="Picture 3"/>
           <p:cNvPicPr>
-            <a:picLocks noChangeAspect="1" noChangeArrowheads="1"/>
+            <a:picLocks noChangeAspect="1"/>
           </p:cNvPicPr>
           <p:nvPr/>
         </p:nvPicPr>
         <p:blipFill>
-          <a:blip r:embed="rId2" cstate="print">
+          <a:blip r:embed="rId2">
             <a:extLst>
               <a:ext uri="{28A0092B-C50C-407E-A947-70E740481C1C}">
                 <a14:useLocalDpi xmlns:a14="http://schemas.microsoft.com/office/drawing/2010/main" val="0"/>
               </a:ext>
             </a:extLst>
           </a:blip>
-          <a:srcRect/>
           <a:stretch>
             <a:fillRect/>
           </a:stretch>
         </p:blipFill>
-        <p:spPr bwMode="auto">
+        <p:spPr>
           <a:xfrm>
-            <a:off x="3733800" y="2819400"/>
-            <a:ext cx="5262675" cy="3396818"/>
+            <a:off x="296693" y="1219200"/>
+            <a:ext cx="5101389" cy="4038600"/>
           </a:xfrm>
           <a:prstGeom prst="rect">
             <a:avLst/>
           </a:prstGeom>
-          <a:noFill/>
-          <a:extLst>
-            <a:ext uri="{909E8E84-426E-40DD-AFC4-6F175D3DCCD1}">
-              <a14:hiddenFill xmlns:a14="http://schemas.microsoft.com/office/drawing/2010/main">
-                <a:solidFill>
-                  <a:srgbClr val="FFFFFF"/>
-                </a:solidFill>
-              </a14:hiddenFill>
-            </a:ext>
-          </a:extLst>
         </p:spPr>
       </p:pic>
       <p:sp>
         <p:nvSpPr>
-          <p:cNvPr id="6" name="TextBox 5"/>
+          <p:cNvPr id="5" name="TextBox 4"/>
           <p:cNvSpPr txBox="1"/>
           <p:nvPr/>
         </p:nvSpPr>
         <p:spPr>
           <a:xfrm>
-            <a:off x="304800" y="914400"/>
-            <a:ext cx="8610600" cy="4293483"/>
+            <a:off x="5775326" y="1371600"/>
+            <a:ext cx="3103478" cy="2677656"/>
           </a:xfrm>
           <a:prstGeom prst="rect">
             <a:avLst/>
@@ -12996,185 +14521,50 @@
           <a:noFill/>
         </p:spPr>
         <p:txBody>
-          <a:bodyPr wrap="square" rtlCol="0">
+          <a:bodyPr wrap="none" rtlCol="0">
             <a:spAutoFit/>
           </a:bodyPr>
           <a:lstStyle/>
           <a:p>
             <a:r>
-              <a:rPr lang="en-US" sz="2100" b="1" u="sng" dirty="0" smtClean="0">
-                <a:latin typeface="Arial" panose="020B0604020202020204" pitchFamily="34" charset="0"/>
-                <a:ea typeface="Roboto" pitchFamily="2" charset="0"/>
-                <a:cs typeface="Arial" panose="020B0604020202020204" pitchFamily="34" charset="0"/>
-              </a:rPr>
-              <a:t>Today’s Class:</a:t>
-            </a:r>
-            <a:endParaRPr lang="en-US" sz="2100" b="1" u="sng" dirty="0">
-              <a:latin typeface="Arial" panose="020B0604020202020204" pitchFamily="34" charset="0"/>
-              <a:ea typeface="Roboto" pitchFamily="2" charset="0"/>
-              <a:cs typeface="Arial" panose="020B0604020202020204" pitchFamily="34" charset="0"/>
-            </a:endParaRPr>
-          </a:p>
-          <a:p>
-            <a:pPr marL="342900" indent="-342900">
-              <a:buFont typeface="Arial" panose="020B0604020202020204" pitchFamily="34" charset="0"/>
-              <a:buChar char="•"/>
-            </a:pPr>
-            <a:r>
-              <a:rPr lang="en-US" sz="2100" dirty="0" smtClean="0">
-                <a:latin typeface="Arial" panose="020B0604020202020204" pitchFamily="34" charset="0"/>
-                <a:ea typeface="Roboto" pitchFamily="2" charset="0"/>
-                <a:cs typeface="Arial" panose="020B0604020202020204" pitchFamily="34" charset="0"/>
-              </a:rPr>
-              <a:t>Divide into groups</a:t>
-            </a:r>
-          </a:p>
-          <a:p>
-            <a:pPr marL="342900" indent="-342900">
-              <a:buFont typeface="Arial" panose="020B0604020202020204" pitchFamily="34" charset="0"/>
-              <a:buChar char="•"/>
-            </a:pPr>
-            <a:r>
-              <a:rPr lang="en-US" sz="2100" dirty="0" smtClean="0">
-                <a:latin typeface="Arial" panose="020B0604020202020204" pitchFamily="34" charset="0"/>
-                <a:ea typeface="Roboto" pitchFamily="2" charset="0"/>
-                <a:cs typeface="Arial" panose="020B0604020202020204" pitchFamily="34" charset="0"/>
-              </a:rPr>
-              <a:t>Begin researching APIs</a:t>
-            </a:r>
-          </a:p>
-          <a:p>
-            <a:pPr marL="342900" indent="-342900">
-              <a:buFont typeface="Arial" panose="020B0604020202020204" pitchFamily="34" charset="0"/>
-              <a:buChar char="•"/>
-            </a:pPr>
-            <a:r>
-              <a:rPr lang="en-US" sz="2100" dirty="0" smtClean="0">
-                <a:latin typeface="Arial" panose="020B0604020202020204" pitchFamily="34" charset="0"/>
-                <a:ea typeface="Roboto" pitchFamily="2" charset="0"/>
-                <a:cs typeface="Arial" panose="020B0604020202020204" pitchFamily="34" charset="0"/>
-              </a:rPr>
-              <a:t>Outline project ideas</a:t>
-            </a:r>
-          </a:p>
-          <a:p>
-            <a:pPr marL="342900" indent="-342900">
-              <a:buFont typeface="Arial" panose="020B0604020202020204" pitchFamily="34" charset="0"/>
-              <a:buChar char="•"/>
-            </a:pPr>
-            <a:r>
-              <a:rPr lang="en-US" sz="2100" dirty="0" smtClean="0">
-                <a:latin typeface="Arial" panose="020B0604020202020204" pitchFamily="34" charset="0"/>
-                <a:ea typeface="Roboto" pitchFamily="2" charset="0"/>
-                <a:cs typeface="Arial" panose="020B0604020202020204" pitchFamily="34" charset="0"/>
-              </a:rPr>
-              <a:t>Submit Project Proposal for Approval</a:t>
-            </a:r>
-          </a:p>
-          <a:p>
-            <a:pPr marL="342900" indent="-342900">
-              <a:buFont typeface="Arial" panose="020B0604020202020204" pitchFamily="34" charset="0"/>
-              <a:buChar char="•"/>
-            </a:pPr>
-            <a:r>
-              <a:rPr lang="en-US" sz="2100" dirty="0" smtClean="0">
-                <a:latin typeface="Arial" panose="020B0604020202020204" pitchFamily="34" charset="0"/>
-                <a:ea typeface="Roboto" pitchFamily="2" charset="0"/>
-                <a:cs typeface="Arial" panose="020B0604020202020204" pitchFamily="34" charset="0"/>
-              </a:rPr>
-              <a:t>Initial Design work  </a:t>
-            </a:r>
-          </a:p>
-          <a:p>
-            <a:pPr marL="342900" indent="-342900">
-              <a:buFont typeface="Arial" panose="020B0604020202020204" pitchFamily="34" charset="0"/>
-              <a:buChar char="•"/>
-            </a:pPr>
-            <a:endParaRPr lang="en-US" sz="2100" dirty="0">
-              <a:latin typeface="Arial" panose="020B0604020202020204" pitchFamily="34" charset="0"/>
-              <a:ea typeface="Roboto" pitchFamily="2" charset="0"/>
-              <a:cs typeface="Arial" panose="020B0604020202020204" pitchFamily="34" charset="0"/>
-            </a:endParaRPr>
-          </a:p>
-          <a:p>
-            <a:r>
-              <a:rPr lang="en-US" sz="2100" b="1" u="sng" dirty="0" smtClean="0">
-                <a:latin typeface="Arial" panose="020B0604020202020204" pitchFamily="34" charset="0"/>
-                <a:ea typeface="Roboto" pitchFamily="2" charset="0"/>
-                <a:cs typeface="Arial" panose="020B0604020202020204" pitchFamily="34" charset="0"/>
-              </a:rPr>
-              <a:t>Next Class:</a:t>
-            </a:r>
-          </a:p>
-          <a:p>
-            <a:pPr marL="342900" indent="-342900">
-              <a:buFont typeface="Arial" panose="020B0604020202020204" pitchFamily="34" charset="0"/>
-              <a:buChar char="•"/>
-            </a:pPr>
-            <a:r>
-              <a:rPr lang="en-US" sz="2100" dirty="0" smtClean="0">
-                <a:latin typeface="Arial" panose="020B0604020202020204" pitchFamily="34" charset="0"/>
-                <a:ea typeface="Roboto" pitchFamily="2" charset="0"/>
-                <a:cs typeface="Arial" panose="020B0604020202020204" pitchFamily="34" charset="0"/>
-              </a:rPr>
-              <a:t>Hardcore Development </a:t>
-            </a:r>
-          </a:p>
-          <a:p>
-            <a:pPr marL="342900" indent="-342900">
-              <a:buFont typeface="Arial" panose="020B0604020202020204" pitchFamily="34" charset="0"/>
-              <a:buChar char="•"/>
-            </a:pPr>
-            <a:r>
-              <a:rPr lang="en-US" sz="2100" dirty="0" smtClean="0">
-                <a:latin typeface="Arial" panose="020B0604020202020204" pitchFamily="34" charset="0"/>
-                <a:ea typeface="Roboto" pitchFamily="2" charset="0"/>
-                <a:cs typeface="Arial" panose="020B0604020202020204" pitchFamily="34" charset="0"/>
-              </a:rPr>
-              <a:t>Instructor + TA Workshops</a:t>
-            </a:r>
-          </a:p>
-          <a:p>
-            <a:pPr marL="342900" indent="-342900">
-              <a:buFont typeface="Arial" panose="020B0604020202020204" pitchFamily="34" charset="0"/>
-              <a:buChar char="•"/>
-            </a:pPr>
-            <a:endParaRPr lang="en-US" sz="2100" u="sng" dirty="0">
-              <a:latin typeface="Arial" panose="020B0604020202020204" pitchFamily="34" charset="0"/>
-              <a:ea typeface="Roboto" pitchFamily="2" charset="0"/>
-              <a:cs typeface="Arial" panose="020B0604020202020204" pitchFamily="34" charset="0"/>
-            </a:endParaRPr>
-          </a:p>
-          <a:p>
-            <a:r>
-              <a:rPr lang="en-US" sz="2100" b="1" u="sng" dirty="0" smtClean="0">
-                <a:latin typeface="Arial" panose="020B0604020202020204" pitchFamily="34" charset="0"/>
-                <a:ea typeface="Roboto" pitchFamily="2" charset="0"/>
-                <a:cs typeface="Arial" panose="020B0604020202020204" pitchFamily="34" charset="0"/>
-              </a:rPr>
-              <a:t>Saturday’s Class:</a:t>
-            </a:r>
-          </a:p>
-          <a:p>
-            <a:pPr marL="342900" indent="-342900">
-              <a:buFont typeface="Arial" panose="020B0604020202020204" pitchFamily="34" charset="0"/>
-              <a:buChar char="•"/>
-            </a:pPr>
-            <a:r>
-              <a:rPr lang="en-US" sz="2100" dirty="0" smtClean="0">
-                <a:latin typeface="Arial" panose="020B0604020202020204" pitchFamily="34" charset="0"/>
-                <a:ea typeface="Roboto" pitchFamily="2" charset="0"/>
-                <a:cs typeface="Arial" panose="020B0604020202020204" pitchFamily="34" charset="0"/>
-              </a:rPr>
-              <a:t>Hardcore Development</a:t>
-            </a:r>
+              <a:rPr lang="en-US" sz="2800" dirty="0" smtClean="0"/>
+              <a:t>We’re between </a:t>
+            </a:r>
+          </a:p>
+          <a:p>
+            <a:r>
+              <a:rPr lang="en-US" sz="2800" dirty="0" smtClean="0"/>
+              <a:t>Dependent </a:t>
+            </a:r>
+          </a:p>
+          <a:p>
+            <a:r>
+              <a:rPr lang="en-US" sz="2800" dirty="0" smtClean="0"/>
+              <a:t>and Interdependent</a:t>
+            </a:r>
+          </a:p>
+          <a:p>
+            <a:endParaRPr lang="en-US" sz="2800" dirty="0" smtClean="0"/>
+          </a:p>
+          <a:p>
+            <a:r>
+              <a:rPr lang="en-US" sz="2800" dirty="0" smtClean="0"/>
+              <a:t>We still have our </a:t>
+            </a:r>
+          </a:p>
+          <a:p>
+            <a:r>
+              <a:rPr lang="en-US" sz="2800" dirty="0" smtClean="0"/>
+              <a:t>training wheels on</a:t>
+            </a:r>
+            <a:endParaRPr lang="en-US" sz="2800" dirty="0"/>
           </a:p>
         </p:txBody>
       </p:sp>
     </p:spTree>
     <p:extLst>
       <p:ext uri="{BB962C8B-B14F-4D97-AF65-F5344CB8AC3E}">
-        <p14:creationId xmlns:p14="http://schemas.microsoft.com/office/powerpoint/2010/main" val="4170913255"/>
+        <p14:creationId xmlns:p14="http://schemas.microsoft.com/office/powerpoint/2010/main" val="549192679"/>
       </p:ext>
     </p:extLst>
   </p:cSld>
@@ -13193,13 +14583,6 @@
       </p:transition>
     </mc:Fallback>
   </mc:AlternateContent>
-  <p:timing>
-    <p:tnLst>
-      <p:par>
-        <p:cTn id="1" dur="indefinite" restart="never" nodeType="tmRoot"/>
-      </p:par>
-    </p:tnLst>
-  </p:timing>
 </p:sld>
 </file>
 
@@ -13232,201 +14615,57 @@
         </p:nvSpPr>
         <p:spPr/>
         <p:txBody>
-          <a:bodyPr/>
+          <a:bodyPr>
+            <a:normAutofit/>
+          </a:bodyPr>
           <a:lstStyle/>
           <a:p>
             <a:r>
-              <a:rPr lang="en-US" dirty="0"/>
-              <a:t>Project Week (Next Week)</a:t>
-            </a:r>
-          </a:p>
-        </p:txBody>
-      </p:sp>
-      <p:sp>
-        <p:nvSpPr>
-          <p:cNvPr id="5" name="TextBox 4"/>
-          <p:cNvSpPr txBox="1"/>
+              <a:rPr lang="en-US" dirty="0" smtClean="0"/>
+              <a:t>By Next Saturday we will </a:t>
+            </a:r>
+            <a:r>
+              <a:rPr lang="is-IS" dirty="0" smtClean="0"/>
+              <a:t>…</a:t>
+            </a:r>
+            <a:endParaRPr lang="en-US" dirty="0"/>
+          </a:p>
+        </p:txBody>
+      </p:sp>
+      <p:pic>
+        <p:nvPicPr>
+          <p:cNvPr id="3" name="Picture 2"/>
+          <p:cNvPicPr>
+            <a:picLocks noChangeAspect="1"/>
+          </p:cNvPicPr>
           <p:nvPr/>
-        </p:nvSpPr>
+        </p:nvPicPr>
+        <p:blipFill>
+          <a:blip r:embed="rId2">
+            <a:extLst>
+              <a:ext uri="{28A0092B-C50C-407E-A947-70E740481C1C}">
+                <a14:useLocalDpi xmlns:a14="http://schemas.microsoft.com/office/drawing/2010/main" val="0"/>
+              </a:ext>
+            </a:extLst>
+          </a:blip>
+          <a:stretch>
+            <a:fillRect/>
+          </a:stretch>
+        </p:blipFill>
         <p:spPr>
           <a:xfrm>
-            <a:off x="304800" y="914400"/>
-            <a:ext cx="8610600" cy="3647152"/>
+            <a:off x="914400" y="1206500"/>
+            <a:ext cx="7302500" cy="4445000"/>
           </a:xfrm>
           <a:prstGeom prst="rect">
             <a:avLst/>
           </a:prstGeom>
-          <a:noFill/>
         </p:spPr>
-        <p:txBody>
-          <a:bodyPr wrap="square" rtlCol="0">
-            <a:spAutoFit/>
-          </a:bodyPr>
-          <a:lstStyle/>
-          <a:p>
-            <a:r>
-              <a:rPr lang="en-US" sz="2100" b="1" u="sng" dirty="0" smtClean="0">
-                <a:latin typeface="Arial" panose="020B0604020202020204" pitchFamily="34" charset="0"/>
-                <a:ea typeface="Roboto" pitchFamily="2" charset="0"/>
-                <a:cs typeface="Arial" panose="020B0604020202020204" pitchFamily="34" charset="0"/>
-              </a:rPr>
-              <a:t>Next Week (M/T):</a:t>
-            </a:r>
-            <a:endParaRPr lang="en-US" sz="2100" b="1" u="sng" dirty="0">
-              <a:latin typeface="Arial" panose="020B0604020202020204" pitchFamily="34" charset="0"/>
-              <a:ea typeface="Roboto" pitchFamily="2" charset="0"/>
-              <a:cs typeface="Arial" panose="020B0604020202020204" pitchFamily="34" charset="0"/>
-            </a:endParaRPr>
-          </a:p>
-          <a:p>
-            <a:pPr marL="342900" indent="-342900">
-              <a:buFont typeface="Arial" panose="020B0604020202020204" pitchFamily="34" charset="0"/>
-              <a:buChar char="•"/>
-            </a:pPr>
-            <a:r>
-              <a:rPr lang="en-US" sz="2100" dirty="0" smtClean="0">
-                <a:latin typeface="Arial" panose="020B0604020202020204" pitchFamily="34" charset="0"/>
-                <a:ea typeface="Roboto" pitchFamily="2" charset="0"/>
-                <a:cs typeface="Arial" panose="020B0604020202020204" pitchFamily="34" charset="0"/>
-              </a:rPr>
-              <a:t>Interview Questions (Class Lecture)</a:t>
-            </a:r>
-          </a:p>
-          <a:p>
-            <a:pPr marL="342900" indent="-342900">
-              <a:buFont typeface="Arial" panose="020B0604020202020204" pitchFamily="34" charset="0"/>
-              <a:buChar char="•"/>
-            </a:pPr>
-            <a:r>
-              <a:rPr lang="en-US" sz="2100" dirty="0" smtClean="0">
-                <a:latin typeface="Arial" panose="020B0604020202020204" pitchFamily="34" charset="0"/>
-                <a:ea typeface="Roboto" pitchFamily="2" charset="0"/>
-                <a:cs typeface="Arial" panose="020B0604020202020204" pitchFamily="34" charset="0"/>
-              </a:rPr>
-              <a:t>Hardcore Development</a:t>
-            </a:r>
-          </a:p>
-          <a:p>
-            <a:pPr marL="342900" indent="-342900">
-              <a:buFont typeface="Arial" panose="020B0604020202020204" pitchFamily="34" charset="0"/>
-              <a:buChar char="•"/>
-            </a:pPr>
-            <a:endParaRPr lang="en-US" sz="2100" dirty="0">
-              <a:latin typeface="Arial" panose="020B0604020202020204" pitchFamily="34" charset="0"/>
-              <a:ea typeface="Roboto" pitchFamily="2" charset="0"/>
-              <a:cs typeface="Arial" panose="020B0604020202020204" pitchFamily="34" charset="0"/>
-            </a:endParaRPr>
-          </a:p>
-          <a:p>
-            <a:r>
-              <a:rPr lang="en-US" sz="2100" b="1" u="sng" dirty="0" smtClean="0">
-                <a:latin typeface="Arial" panose="020B0604020202020204" pitchFamily="34" charset="0"/>
-                <a:ea typeface="Roboto" pitchFamily="2" charset="0"/>
-                <a:cs typeface="Arial" panose="020B0604020202020204" pitchFamily="34" charset="0"/>
-              </a:rPr>
-              <a:t>Next Week (W/</a:t>
-            </a:r>
-            <a:r>
-              <a:rPr lang="en-US" sz="2100" b="1" u="sng" dirty="0" err="1" smtClean="0">
-                <a:latin typeface="Arial" panose="020B0604020202020204" pitchFamily="34" charset="0"/>
-                <a:ea typeface="Roboto" pitchFamily="2" charset="0"/>
-                <a:cs typeface="Arial" panose="020B0604020202020204" pitchFamily="34" charset="0"/>
-              </a:rPr>
-              <a:t>Th</a:t>
-            </a:r>
-            <a:r>
-              <a:rPr lang="en-US" sz="2100" b="1" u="sng" dirty="0" smtClean="0">
-                <a:latin typeface="Arial" panose="020B0604020202020204" pitchFamily="34" charset="0"/>
-                <a:ea typeface="Roboto" pitchFamily="2" charset="0"/>
-                <a:cs typeface="Arial" panose="020B0604020202020204" pitchFamily="34" charset="0"/>
-              </a:rPr>
-              <a:t>)</a:t>
-            </a:r>
-          </a:p>
-          <a:p>
-            <a:pPr marL="342900" indent="-342900">
-              <a:buFont typeface="Arial" panose="020B0604020202020204" pitchFamily="34" charset="0"/>
-              <a:buChar char="•"/>
-            </a:pPr>
-            <a:r>
-              <a:rPr lang="en-US" sz="2100" dirty="0" smtClean="0">
-                <a:latin typeface="Arial" panose="020B0604020202020204" pitchFamily="34" charset="0"/>
-                <a:ea typeface="Roboto" pitchFamily="2" charset="0"/>
-                <a:cs typeface="Arial" panose="020B0604020202020204" pitchFamily="34" charset="0"/>
-              </a:rPr>
-              <a:t>Debug Work (Class Lecture)</a:t>
-            </a:r>
-          </a:p>
-          <a:p>
-            <a:pPr marL="342900" indent="-342900">
-              <a:buFont typeface="Arial" panose="020B0604020202020204" pitchFamily="34" charset="0"/>
-              <a:buChar char="•"/>
-            </a:pPr>
-            <a:r>
-              <a:rPr lang="en-US" sz="2100" dirty="0" smtClean="0">
-                <a:latin typeface="Arial" panose="020B0604020202020204" pitchFamily="34" charset="0"/>
-                <a:ea typeface="Roboto" pitchFamily="2" charset="0"/>
-                <a:cs typeface="Arial" panose="020B0604020202020204" pitchFamily="34" charset="0"/>
-              </a:rPr>
-              <a:t>Hardcore Development </a:t>
-            </a:r>
-          </a:p>
-          <a:p>
-            <a:pPr marL="342900" indent="-342900">
-              <a:buFont typeface="Arial" panose="020B0604020202020204" pitchFamily="34" charset="0"/>
-              <a:buChar char="•"/>
-            </a:pPr>
-            <a:r>
-              <a:rPr lang="en-US" sz="2100" dirty="0" smtClean="0">
-                <a:latin typeface="Arial" panose="020B0604020202020204" pitchFamily="34" charset="0"/>
-                <a:ea typeface="Roboto" pitchFamily="2" charset="0"/>
-                <a:cs typeface="Arial" panose="020B0604020202020204" pitchFamily="34" charset="0"/>
-              </a:rPr>
-              <a:t>Presentation Prep</a:t>
-            </a:r>
-            <a:endParaRPr lang="en-US" sz="2100" dirty="0">
-              <a:latin typeface="Arial" panose="020B0604020202020204" pitchFamily="34" charset="0"/>
-              <a:ea typeface="Roboto" pitchFamily="2" charset="0"/>
-              <a:cs typeface="Arial" panose="020B0604020202020204" pitchFamily="34" charset="0"/>
-            </a:endParaRPr>
-          </a:p>
-          <a:p>
-            <a:endParaRPr lang="en-US" sz="2100" u="sng" dirty="0">
-              <a:latin typeface="Arial" panose="020B0604020202020204" pitchFamily="34" charset="0"/>
-              <a:ea typeface="Roboto" pitchFamily="2" charset="0"/>
-              <a:cs typeface="Arial" panose="020B0604020202020204" pitchFamily="34" charset="0"/>
-            </a:endParaRPr>
-          </a:p>
-          <a:p>
-            <a:r>
-              <a:rPr lang="en-US" sz="2100" b="1" u="sng" dirty="0" smtClean="0">
-                <a:latin typeface="Arial" panose="020B0604020202020204" pitchFamily="34" charset="0"/>
-                <a:ea typeface="Roboto" pitchFamily="2" charset="0"/>
-                <a:cs typeface="Arial" panose="020B0604020202020204" pitchFamily="34" charset="0"/>
-              </a:rPr>
-              <a:t>Saturday’s Class:</a:t>
-            </a:r>
-          </a:p>
-          <a:p>
-            <a:pPr marL="342900" indent="-342900">
-              <a:buFont typeface="Arial" panose="020B0604020202020204" pitchFamily="34" charset="0"/>
-              <a:buChar char="•"/>
-            </a:pPr>
-            <a:r>
-              <a:rPr lang="en-US" sz="2100" dirty="0" smtClean="0">
-                <a:latin typeface="Arial" panose="020B0604020202020204" pitchFamily="34" charset="0"/>
-                <a:ea typeface="Roboto" pitchFamily="2" charset="0"/>
-                <a:cs typeface="Arial" panose="020B0604020202020204" pitchFamily="34" charset="0"/>
-              </a:rPr>
-              <a:t>Presentations!</a:t>
-            </a:r>
-          </a:p>
-        </p:txBody>
-      </p:sp>
+      </p:pic>
     </p:spTree>
     <p:extLst>
       <p:ext uri="{BB962C8B-B14F-4D97-AF65-F5344CB8AC3E}">
-        <p14:creationId xmlns:p14="http://schemas.microsoft.com/office/powerpoint/2010/main" val="1595839158"/>
+        <p14:creationId xmlns:p14="http://schemas.microsoft.com/office/powerpoint/2010/main" val="56840943"/>
       </p:ext>
     </p:extLst>
   </p:cSld>
@@ -13445,13 +14684,6 @@
       </p:transition>
     </mc:Fallback>
   </mc:AlternateContent>
-  <p:timing>
-    <p:tnLst>
-      <p:par>
-        <p:cTn id="1" dur="indefinite" restart="never" nodeType="tmRoot"/>
-      </p:par>
-    </p:tnLst>
-  </p:timing>
 </p:sld>
 </file>
 
@@ -13489,130 +14721,16 @@
           <a:p>
             <a:r>
               <a:rPr lang="en-US" dirty="0" smtClean="0"/>
-              <a:t>The Great Push</a:t>
+              <a:t>New Academic Staff Member</a:t>
             </a:r>
             <a:endParaRPr lang="en-US" dirty="0"/>
-          </a:p>
-        </p:txBody>
-      </p:sp>
-      <p:sp>
-        <p:nvSpPr>
-          <p:cNvPr id="4" name="TextBox 3"/>
-          <p:cNvSpPr txBox="1"/>
-          <p:nvPr/>
-        </p:nvSpPr>
-        <p:spPr>
-          <a:xfrm>
-            <a:off x="395537" y="1066800"/>
-            <a:ext cx="8341184" cy="3046988"/>
-          </a:xfrm>
-          <a:prstGeom prst="rect">
-            <a:avLst/>
-          </a:prstGeom>
-          <a:noFill/>
-        </p:spPr>
-        <p:txBody>
-          <a:bodyPr wrap="square" rtlCol="0">
-            <a:spAutoFit/>
-          </a:bodyPr>
-          <a:lstStyle/>
-          <a:p>
-            <a:pPr marL="457200" indent="-457200">
-              <a:buFont typeface="Arial" panose="020B0604020202020204" pitchFamily="34" charset="0"/>
-              <a:buChar char="•"/>
-            </a:pPr>
-            <a:r>
-              <a:rPr lang="en-US" sz="3200" b="1" i="1" dirty="0" smtClean="0">
-                <a:latin typeface="Arial" panose="020B0604020202020204" pitchFamily="34" charset="0"/>
-                <a:cs typeface="Arial" panose="020B0604020202020204" pitchFamily="34" charset="0"/>
-              </a:rPr>
-              <a:t>Be serious about project week! </a:t>
-            </a:r>
-          </a:p>
-          <a:p>
-            <a:pPr marL="457200" indent="-457200">
-              <a:buFont typeface="Arial" panose="020B0604020202020204" pitchFamily="34" charset="0"/>
-              <a:buChar char="•"/>
-            </a:pPr>
-            <a:endParaRPr lang="en-US" sz="3200" b="1" dirty="0">
-              <a:latin typeface="Arial" panose="020B0604020202020204" pitchFamily="34" charset="0"/>
-              <a:cs typeface="Arial" panose="020B0604020202020204" pitchFamily="34" charset="0"/>
-            </a:endParaRPr>
-          </a:p>
-          <a:p>
-            <a:pPr marL="457200" indent="-457200">
-              <a:buFont typeface="Arial" panose="020B0604020202020204" pitchFamily="34" charset="0"/>
-              <a:buChar char="•"/>
-            </a:pPr>
-            <a:r>
-              <a:rPr lang="en-US" sz="3200" dirty="0" smtClean="0">
-                <a:latin typeface="Arial" panose="020B0604020202020204" pitchFamily="34" charset="0"/>
-                <a:cs typeface="Arial" panose="020B0604020202020204" pitchFamily="34" charset="0"/>
-              </a:rPr>
-              <a:t>Use this as an opportunity to push yourself and prove what you know.</a:t>
-            </a:r>
-          </a:p>
-          <a:p>
-            <a:pPr marL="457200" indent="-457200">
-              <a:buFont typeface="Arial" panose="020B0604020202020204" pitchFamily="34" charset="0"/>
-              <a:buChar char="•"/>
-            </a:pPr>
-            <a:endParaRPr lang="en-US" sz="3200" b="1" i="1" dirty="0">
-              <a:latin typeface="Arial" panose="020B0604020202020204" pitchFamily="34" charset="0"/>
-              <a:cs typeface="Arial" panose="020B0604020202020204" pitchFamily="34" charset="0"/>
-            </a:endParaRPr>
-          </a:p>
-          <a:p>
-            <a:pPr marL="457200" indent="-457200">
-              <a:buFont typeface="Arial" panose="020B0604020202020204" pitchFamily="34" charset="0"/>
-              <a:buChar char="•"/>
-            </a:pPr>
-            <a:r>
-              <a:rPr lang="en-US" sz="3200" dirty="0" smtClean="0">
-                <a:latin typeface="Arial" panose="020B0604020202020204" pitchFamily="34" charset="0"/>
-                <a:cs typeface="Arial" panose="020B0604020202020204" pitchFamily="34" charset="0"/>
-              </a:rPr>
-              <a:t>Because you </a:t>
-            </a:r>
-            <a:r>
-              <a:rPr lang="en-US" sz="3200" b="1" i="1" dirty="0" smtClean="0">
-                <a:latin typeface="Arial" panose="020B0604020202020204" pitchFamily="34" charset="0"/>
-                <a:cs typeface="Arial" panose="020B0604020202020204" pitchFamily="34" charset="0"/>
-              </a:rPr>
-              <a:t>DO KNOW </a:t>
-            </a:r>
-            <a:r>
-              <a:rPr lang="en-US" sz="3200" dirty="0" err="1" smtClean="0">
-                <a:latin typeface="Arial" panose="020B0604020202020204" pitchFamily="34" charset="0"/>
-                <a:cs typeface="Arial" panose="020B0604020202020204" pitchFamily="34" charset="0"/>
-              </a:rPr>
-              <a:t>shiz</a:t>
-            </a:r>
-            <a:r>
-              <a:rPr lang="en-US" sz="3200" dirty="0" smtClean="0">
-                <a:latin typeface="Arial" panose="020B0604020202020204" pitchFamily="34" charset="0"/>
-                <a:cs typeface="Arial" panose="020B0604020202020204" pitchFamily="34" charset="0"/>
-              </a:rPr>
-              <a:t>.</a:t>
-            </a:r>
-            <a:r>
-              <a:rPr lang="en-US" sz="3200" b="1" i="1" dirty="0" smtClean="0">
-                <a:latin typeface="Arial" panose="020B0604020202020204" pitchFamily="34" charset="0"/>
-                <a:cs typeface="Arial" panose="020B0604020202020204" pitchFamily="34" charset="0"/>
-              </a:rPr>
-              <a:t> </a:t>
-            </a:r>
-            <a:endParaRPr lang="en-US" sz="3200" b="1" i="1" dirty="0">
-              <a:latin typeface="Arial" panose="020B0604020202020204" pitchFamily="34" charset="0"/>
-              <a:cs typeface="Arial" panose="020B0604020202020204" pitchFamily="34" charset="0"/>
-            </a:endParaRPr>
           </a:p>
         </p:txBody>
       </p:sp>
     </p:spTree>
     <p:extLst>
       <p:ext uri="{BB962C8B-B14F-4D97-AF65-F5344CB8AC3E}">
-        <p14:creationId xmlns:p14="http://schemas.microsoft.com/office/powerpoint/2010/main" val="2429203136"/>
+        <p14:creationId xmlns:p14="http://schemas.microsoft.com/office/powerpoint/2010/main" val="2991835288"/>
       </p:ext>
     </p:extLst>
   </p:cSld>
@@ -13658,33 +14776,34 @@
           <a:chExt cx="0" cy="0"/>
         </a:xfrm>
       </p:grpSpPr>
-      <p:sp>
-        <p:nvSpPr>
-          <p:cNvPr id="2" name="Title 1"/>
-          <p:cNvSpPr>
-            <a:spLocks noGrp="1"/>
-          </p:cNvSpPr>
-          <p:nvPr>
-            <p:ph type="title"/>
-          </p:nvPr>
-        </p:nvSpPr>
-        <p:spPr/>
-        <p:txBody>
-          <a:bodyPr/>
-          <a:lstStyle/>
-          <a:p>
-            <a:r>
-              <a:rPr lang="en-US" dirty="0" smtClean="0"/>
-              <a:t>Teams</a:t>
-            </a:r>
-            <a:endParaRPr lang="en-US" dirty="0"/>
-          </a:p>
-        </p:txBody>
-      </p:sp>
+      <p:pic>
+        <p:nvPicPr>
+          <p:cNvPr id="3" name="Picture 2"/>
+          <p:cNvPicPr>
+            <a:picLocks noChangeAspect="1"/>
+          </p:cNvPicPr>
+          <p:nvPr/>
+        </p:nvPicPr>
+        <p:blipFill>
+          <a:blip r:embed="rId2"/>
+          <a:stretch>
+            <a:fillRect/>
+          </a:stretch>
+        </p:blipFill>
+        <p:spPr>
+          <a:xfrm>
+            <a:off x="381000" y="228600"/>
+            <a:ext cx="8458200" cy="6326734"/>
+          </a:xfrm>
+          <a:prstGeom prst="rect">
+            <a:avLst/>
+          </a:prstGeom>
+        </p:spPr>
+      </p:pic>
     </p:spTree>
     <p:extLst>
       <p:ext uri="{BB962C8B-B14F-4D97-AF65-F5344CB8AC3E}">
-        <p14:creationId xmlns:p14="http://schemas.microsoft.com/office/powerpoint/2010/main" val="2991835288"/>
+        <p14:creationId xmlns:p14="http://schemas.microsoft.com/office/powerpoint/2010/main" val="1874144677"/>
       </p:ext>
     </p:extLst>
   </p:cSld>
@@ -13703,13 +14822,6 @@
       </p:transition>
     </mc:Fallback>
   </mc:AlternateContent>
-  <p:timing>
-    <p:tnLst>
-      <p:par>
-        <p:cTn id="1" dur="indefinite" restart="never" nodeType="tmRoot"/>
-      </p:par>
-    </p:tnLst>
-  </p:timing>
 </p:sld>
 </file>
 
@@ -13730,39 +14842,46 @@
           <a:chExt cx="0" cy="0"/>
         </a:xfrm>
       </p:grpSpPr>
-      <p:sp>
-        <p:nvSpPr>
-          <p:cNvPr id="2" name="Title 1"/>
-          <p:cNvSpPr>
-            <a:spLocks noGrp="1"/>
-          </p:cNvSpPr>
-          <p:nvPr>
-            <p:ph type="title"/>
-          </p:nvPr>
-        </p:nvSpPr>
-        <p:spPr/>
-        <p:txBody>
-          <a:bodyPr/>
-          <a:lstStyle/>
-          <a:p>
-            <a:r>
-              <a:rPr lang="en-US" dirty="0" smtClean="0"/>
-              <a:t>Groups</a:t>
-            </a:r>
-            <a:endParaRPr lang="en-US" dirty="0"/>
-          </a:p>
-        </p:txBody>
-      </p:sp>
-      <p:sp>
-        <p:nvSpPr>
-          <p:cNvPr id="4" name="TextBox 3"/>
+      <p:pic>
+        <p:nvPicPr>
+          <p:cNvPr id="4" name="Picture 3"/>
+          <p:cNvPicPr>
+            <a:picLocks noChangeAspect="1"/>
+          </p:cNvPicPr>
+          <p:nvPr/>
+        </p:nvPicPr>
+        <p:blipFill>
+          <a:blip r:embed="rId3">
+            <a:extLst>
+              <a:ext uri="{28A0092B-C50C-407E-A947-70E740481C1C}">
+                <a14:useLocalDpi xmlns:a14="http://schemas.microsoft.com/office/drawing/2010/main" val="0"/>
+              </a:ext>
+            </a:extLst>
+          </a:blip>
+          <a:stretch>
+            <a:fillRect/>
+          </a:stretch>
+        </p:blipFill>
+        <p:spPr>
+          <a:xfrm>
+            <a:off x="2362200" y="1600200"/>
+            <a:ext cx="5003800" cy="5003800"/>
+          </a:xfrm>
+          <a:prstGeom prst="rect">
+            <a:avLst/>
+          </a:prstGeom>
+        </p:spPr>
+      </p:pic>
+      <p:sp>
+        <p:nvSpPr>
+          <p:cNvPr id="5" name="TextBox 4"/>
           <p:cNvSpPr txBox="1"/>
           <p:nvPr/>
         </p:nvSpPr>
         <p:spPr>
           <a:xfrm>
-            <a:off x="336698" y="914400"/>
-            <a:ext cx="4082902" cy="4339650"/>
+            <a:off x="533400" y="762000"/>
+            <a:ext cx="4589718" cy="769441"/>
           </a:xfrm>
           <a:prstGeom prst="rect">
             <a:avLst/>
@@ -13770,459 +14889,23 @@
           <a:noFill/>
         </p:spPr>
         <p:txBody>
-          <a:bodyPr wrap="square" rtlCol="0">
+          <a:bodyPr wrap="none" rtlCol="0">
             <a:spAutoFit/>
           </a:bodyPr>
           <a:lstStyle/>
           <a:p>
             <a:r>
-              <a:rPr lang="en-US" sz="2100" b="1" dirty="0" smtClean="0">
-                <a:latin typeface="Arial" panose="020B0604020202020204" pitchFamily="34" charset="0"/>
-                <a:ea typeface="Roboto" pitchFamily="2" charset="0"/>
-                <a:cs typeface="Arial" panose="020B0604020202020204" pitchFamily="34" charset="0"/>
-              </a:rPr>
-              <a:t>Team #1</a:t>
-            </a:r>
-          </a:p>
-          <a:p>
-            <a:r>
-              <a:rPr lang="en-US" sz="2400" dirty="0"/>
-              <a:t>Bill </a:t>
-            </a:r>
-            <a:r>
-              <a:rPr lang="en-US" sz="2400" dirty="0" err="1" smtClean="0"/>
-              <a:t>Kernan</a:t>
-            </a:r>
-            <a:r>
-              <a:rPr lang="en-US" sz="2400" dirty="0" smtClean="0"/>
-              <a:t>, </a:t>
-            </a:r>
-            <a:r>
-              <a:rPr lang="en-US" sz="2400" dirty="0" err="1" smtClean="0"/>
-              <a:t>Fatma</a:t>
-            </a:r>
-            <a:r>
-              <a:rPr lang="en-US" sz="2400" dirty="0" smtClean="0"/>
-              <a:t> </a:t>
-            </a:r>
-            <a:r>
-              <a:rPr lang="en-US" sz="2400" dirty="0" err="1" smtClean="0"/>
-              <a:t>Tarlaci</a:t>
-            </a:r>
-            <a:r>
-              <a:rPr lang="en-US" sz="2400" dirty="0" smtClean="0"/>
-              <a:t>,</a:t>
-            </a:r>
-            <a:endParaRPr lang="en-US" sz="2400" dirty="0"/>
-          </a:p>
-          <a:p>
-            <a:r>
-              <a:rPr lang="en-US" sz="2400" dirty="0" smtClean="0"/>
-              <a:t>Roy </a:t>
-            </a:r>
-            <a:r>
-              <a:rPr lang="en-US" sz="2400" dirty="0" err="1"/>
-              <a:t>Hinjosa</a:t>
-            </a:r>
-            <a:endParaRPr lang="en-US" sz="2100" dirty="0">
-              <a:latin typeface="Arial" panose="020B0604020202020204" pitchFamily="34" charset="0"/>
-              <a:ea typeface="Roboto" pitchFamily="2" charset="0"/>
-              <a:cs typeface="Arial" panose="020B0604020202020204" pitchFamily="34" charset="0"/>
-            </a:endParaRPr>
-          </a:p>
-          <a:p>
-            <a:r>
-              <a:rPr lang="en-US" sz="2100" b="1" dirty="0">
-                <a:latin typeface="Arial" panose="020B0604020202020204" pitchFamily="34" charset="0"/>
-                <a:ea typeface="Roboto" pitchFamily="2" charset="0"/>
-                <a:cs typeface="Arial" panose="020B0604020202020204" pitchFamily="34" charset="0"/>
-              </a:rPr>
-              <a:t>Team </a:t>
-            </a:r>
-            <a:r>
-              <a:rPr lang="en-US" sz="2100" b="1" dirty="0" smtClean="0">
-                <a:latin typeface="Arial" panose="020B0604020202020204" pitchFamily="34" charset="0"/>
-                <a:ea typeface="Roboto" pitchFamily="2" charset="0"/>
-                <a:cs typeface="Arial" panose="020B0604020202020204" pitchFamily="34" charset="0"/>
-              </a:rPr>
-              <a:t>#2</a:t>
-            </a:r>
-            <a:endParaRPr lang="en-US" sz="2100" b="1" dirty="0">
-              <a:latin typeface="Arial" panose="020B0604020202020204" pitchFamily="34" charset="0"/>
-              <a:ea typeface="Roboto" pitchFamily="2" charset="0"/>
-              <a:cs typeface="Arial" panose="020B0604020202020204" pitchFamily="34" charset="0"/>
-            </a:endParaRPr>
-          </a:p>
-          <a:p>
-            <a:r>
-              <a:rPr lang="en-US" sz="2400" dirty="0"/>
-              <a:t>Adam </a:t>
-            </a:r>
-            <a:r>
-              <a:rPr lang="en-US" sz="2400" dirty="0" smtClean="0"/>
-              <a:t>Camacho, </a:t>
-            </a:r>
-            <a:r>
-              <a:rPr lang="en-US" sz="2400" dirty="0" err="1" smtClean="0"/>
-              <a:t>Geegana</a:t>
-            </a:r>
-            <a:r>
-              <a:rPr lang="en-US" sz="2400" dirty="0" smtClean="0"/>
-              <a:t> </a:t>
-            </a:r>
-            <a:r>
-              <a:rPr lang="en-US" sz="2400" dirty="0" err="1" smtClean="0"/>
-              <a:t>Wickremasiri</a:t>
-            </a:r>
-            <a:r>
-              <a:rPr lang="en-US" sz="2400" dirty="0" smtClean="0"/>
-              <a:t>, Philip </a:t>
-            </a:r>
-            <a:r>
-              <a:rPr lang="en-US" sz="2400" dirty="0"/>
-              <a:t>Cooke</a:t>
-            </a:r>
-            <a:endParaRPr lang="en-US" sz="2100" dirty="0">
-              <a:latin typeface="Arial" panose="020B0604020202020204" pitchFamily="34" charset="0"/>
-              <a:ea typeface="Roboto" pitchFamily="2" charset="0"/>
-              <a:cs typeface="Arial" panose="020B0604020202020204" pitchFamily="34" charset="0"/>
-            </a:endParaRPr>
-          </a:p>
-          <a:p>
-            <a:r>
-              <a:rPr lang="en-US" sz="2100" b="1" dirty="0">
-                <a:latin typeface="Arial" panose="020B0604020202020204" pitchFamily="34" charset="0"/>
-                <a:ea typeface="Roboto" pitchFamily="2" charset="0"/>
-                <a:cs typeface="Arial" panose="020B0604020202020204" pitchFamily="34" charset="0"/>
-              </a:rPr>
-              <a:t>Team </a:t>
-            </a:r>
-            <a:r>
-              <a:rPr lang="en-US" sz="2100" b="1" dirty="0" smtClean="0">
-                <a:latin typeface="Arial" panose="020B0604020202020204" pitchFamily="34" charset="0"/>
-                <a:ea typeface="Roboto" pitchFamily="2" charset="0"/>
-                <a:cs typeface="Arial" panose="020B0604020202020204" pitchFamily="34" charset="0"/>
-              </a:rPr>
-              <a:t>#3</a:t>
-            </a:r>
-            <a:endParaRPr lang="en-US" sz="2100" b="1" dirty="0">
-              <a:latin typeface="Arial" panose="020B0604020202020204" pitchFamily="34" charset="0"/>
-              <a:ea typeface="Roboto" pitchFamily="2" charset="0"/>
-              <a:cs typeface="Arial" panose="020B0604020202020204" pitchFamily="34" charset="0"/>
-            </a:endParaRPr>
-          </a:p>
-          <a:p>
-            <a:r>
-              <a:rPr lang="en-US" sz="2400" dirty="0" err="1"/>
-              <a:t>Conor</a:t>
-            </a:r>
-            <a:r>
-              <a:rPr lang="en-US" sz="2400" dirty="0"/>
-              <a:t> </a:t>
-            </a:r>
-            <a:r>
-              <a:rPr lang="en-US" sz="2400" dirty="0" smtClean="0"/>
-              <a:t>Mullen, Matthew White, Peter </a:t>
-            </a:r>
-            <a:r>
-              <a:rPr lang="en-US" sz="2400" dirty="0" err="1"/>
-              <a:t>Guerro</a:t>
-            </a:r>
-            <a:endParaRPr lang="en-US" sz="2100" dirty="0">
-              <a:latin typeface="Arial" panose="020B0604020202020204" pitchFamily="34" charset="0"/>
-              <a:ea typeface="Roboto" pitchFamily="2" charset="0"/>
-              <a:cs typeface="Arial" panose="020B0604020202020204" pitchFamily="34" charset="0"/>
-            </a:endParaRPr>
-          </a:p>
-          <a:p>
-            <a:r>
-              <a:rPr lang="en-US" sz="2100" b="1" dirty="0">
-                <a:latin typeface="Arial" panose="020B0604020202020204" pitchFamily="34" charset="0"/>
-                <a:ea typeface="Roboto" pitchFamily="2" charset="0"/>
-                <a:cs typeface="Arial" panose="020B0604020202020204" pitchFamily="34" charset="0"/>
-              </a:rPr>
-              <a:t>Team </a:t>
-            </a:r>
-            <a:r>
-              <a:rPr lang="en-US" sz="2100" b="1" dirty="0" smtClean="0">
-                <a:latin typeface="Arial" panose="020B0604020202020204" pitchFamily="34" charset="0"/>
-                <a:ea typeface="Roboto" pitchFamily="2" charset="0"/>
-                <a:cs typeface="Arial" panose="020B0604020202020204" pitchFamily="34" charset="0"/>
-              </a:rPr>
-              <a:t>#4</a:t>
-            </a:r>
-            <a:endParaRPr lang="en-US" sz="2100" b="1" dirty="0">
-              <a:latin typeface="Arial" panose="020B0604020202020204" pitchFamily="34" charset="0"/>
-              <a:ea typeface="Roboto" pitchFamily="2" charset="0"/>
-              <a:cs typeface="Arial" panose="020B0604020202020204" pitchFamily="34" charset="0"/>
-            </a:endParaRPr>
-          </a:p>
-          <a:p>
-            <a:r>
-              <a:rPr lang="en-US" sz="2400" dirty="0"/>
-              <a:t>Jessica </a:t>
-            </a:r>
-            <a:r>
-              <a:rPr lang="en-US" sz="2400" dirty="0" smtClean="0"/>
-              <a:t>Hurst, Mike Henry, Monica </a:t>
-            </a:r>
-            <a:r>
-              <a:rPr lang="en-US" sz="2400" dirty="0"/>
-              <a:t>Szabo</a:t>
-            </a:r>
-            <a:endParaRPr lang="en-US" sz="2100" dirty="0" smtClean="0">
-              <a:latin typeface="Arial" panose="020B0604020202020204" pitchFamily="34" charset="0"/>
-              <a:ea typeface="Roboto" pitchFamily="2" charset="0"/>
-              <a:cs typeface="Arial" panose="020B0604020202020204" pitchFamily="34" charset="0"/>
-            </a:endParaRPr>
-          </a:p>
-        </p:txBody>
-      </p:sp>
-      <p:sp>
-        <p:nvSpPr>
-          <p:cNvPr id="7" name="TextBox 6"/>
-          <p:cNvSpPr txBox="1"/>
-          <p:nvPr/>
-        </p:nvSpPr>
-        <p:spPr>
-          <a:xfrm>
-            <a:off x="4800600" y="914400"/>
-            <a:ext cx="4114800" cy="5724644"/>
-          </a:xfrm>
-          <a:prstGeom prst="rect">
-            <a:avLst/>
-          </a:prstGeom>
-          <a:noFill/>
-        </p:spPr>
-        <p:txBody>
-          <a:bodyPr wrap="square" rtlCol="0">
-            <a:spAutoFit/>
-          </a:bodyPr>
-          <a:lstStyle/>
-          <a:p>
-            <a:r>
-              <a:rPr lang="en-US" sz="2100" b="1" dirty="0" smtClean="0">
-                <a:latin typeface="Arial" panose="020B0604020202020204" pitchFamily="34" charset="0"/>
-                <a:ea typeface="Roboto" pitchFamily="2" charset="0"/>
-                <a:cs typeface="Arial" panose="020B0604020202020204" pitchFamily="34" charset="0"/>
-              </a:rPr>
-              <a:t>Team #5</a:t>
-            </a:r>
-          </a:p>
-          <a:p>
-            <a:r>
-              <a:rPr lang="en-US" sz="2400" dirty="0"/>
-              <a:t>Booth </a:t>
-            </a:r>
-            <a:r>
-              <a:rPr lang="en-US" sz="2400" dirty="0" smtClean="0"/>
-              <a:t>Kittson, Christopher Crawford,</a:t>
-            </a:r>
-            <a:r>
-              <a:rPr lang="en-US" sz="2400" dirty="0"/>
-              <a:t> </a:t>
-            </a:r>
-            <a:r>
-              <a:rPr lang="en-US" sz="2400" dirty="0" smtClean="0"/>
-              <a:t>Joshua </a:t>
-            </a:r>
-            <a:r>
-              <a:rPr lang="en-US" sz="2400" dirty="0"/>
-              <a:t>Carroll</a:t>
-            </a:r>
-            <a:endParaRPr lang="en-US" sz="2100" dirty="0">
-              <a:latin typeface="Arial" panose="020B0604020202020204" pitchFamily="34" charset="0"/>
-              <a:ea typeface="Roboto" pitchFamily="2" charset="0"/>
-              <a:cs typeface="Arial" panose="020B0604020202020204" pitchFamily="34" charset="0"/>
-            </a:endParaRPr>
-          </a:p>
-          <a:p>
-            <a:r>
-              <a:rPr lang="en-US" sz="2100" b="1" dirty="0">
-                <a:latin typeface="Arial" panose="020B0604020202020204" pitchFamily="34" charset="0"/>
-                <a:ea typeface="Roboto" pitchFamily="2" charset="0"/>
-                <a:cs typeface="Arial" panose="020B0604020202020204" pitchFamily="34" charset="0"/>
-              </a:rPr>
-              <a:t>Team </a:t>
-            </a:r>
-            <a:r>
-              <a:rPr lang="en-US" sz="2100" b="1" dirty="0" smtClean="0">
-                <a:latin typeface="Arial" panose="020B0604020202020204" pitchFamily="34" charset="0"/>
-                <a:ea typeface="Roboto" pitchFamily="2" charset="0"/>
-                <a:cs typeface="Arial" panose="020B0604020202020204" pitchFamily="34" charset="0"/>
-              </a:rPr>
-              <a:t>#6</a:t>
-            </a:r>
-            <a:endParaRPr lang="en-US" sz="2100" b="1" dirty="0">
-              <a:latin typeface="Arial" panose="020B0604020202020204" pitchFamily="34" charset="0"/>
-              <a:ea typeface="Roboto" pitchFamily="2" charset="0"/>
-              <a:cs typeface="Arial" panose="020B0604020202020204" pitchFamily="34" charset="0"/>
-            </a:endParaRPr>
-          </a:p>
-          <a:p>
-            <a:r>
-              <a:rPr lang="en-US" sz="2400" dirty="0"/>
-              <a:t>Andrew </a:t>
-            </a:r>
-            <a:r>
-              <a:rPr lang="en-US" sz="2400" dirty="0" err="1" smtClean="0"/>
-              <a:t>Heinke</a:t>
-            </a:r>
-            <a:r>
-              <a:rPr lang="en-US" sz="2400" dirty="0" smtClean="0"/>
-              <a:t>, Cherie </a:t>
-            </a:r>
-            <a:r>
-              <a:rPr lang="en-US" sz="2400" dirty="0" err="1" smtClean="0"/>
-              <a:t>Shedd</a:t>
-            </a:r>
-            <a:r>
-              <a:rPr lang="en-US" sz="2400" dirty="0" smtClean="0"/>
-              <a:t>, Herbert </a:t>
-            </a:r>
-            <a:r>
-              <a:rPr lang="en-US" sz="2400" dirty="0"/>
-              <a:t>Gutierrez</a:t>
-            </a:r>
-            <a:endParaRPr lang="en-US" sz="2100" dirty="0">
-              <a:latin typeface="Arial" panose="020B0604020202020204" pitchFamily="34" charset="0"/>
-              <a:ea typeface="Roboto" pitchFamily="2" charset="0"/>
-              <a:cs typeface="Arial" panose="020B0604020202020204" pitchFamily="34" charset="0"/>
-            </a:endParaRPr>
-          </a:p>
-          <a:p>
-            <a:r>
-              <a:rPr lang="en-US" sz="2100" b="1" dirty="0">
-                <a:latin typeface="Arial" panose="020B0604020202020204" pitchFamily="34" charset="0"/>
-                <a:ea typeface="Roboto" pitchFamily="2" charset="0"/>
-                <a:cs typeface="Arial" panose="020B0604020202020204" pitchFamily="34" charset="0"/>
-              </a:rPr>
-              <a:t>Team </a:t>
-            </a:r>
-            <a:r>
-              <a:rPr lang="en-US" sz="2100" b="1" dirty="0" smtClean="0">
-                <a:latin typeface="Arial" panose="020B0604020202020204" pitchFamily="34" charset="0"/>
-                <a:ea typeface="Roboto" pitchFamily="2" charset="0"/>
-                <a:cs typeface="Arial" panose="020B0604020202020204" pitchFamily="34" charset="0"/>
-              </a:rPr>
-              <a:t>#7</a:t>
-            </a:r>
-            <a:endParaRPr lang="en-US" sz="2100" b="1" dirty="0">
-              <a:latin typeface="Arial" panose="020B0604020202020204" pitchFamily="34" charset="0"/>
-              <a:ea typeface="Roboto" pitchFamily="2" charset="0"/>
-              <a:cs typeface="Arial" panose="020B0604020202020204" pitchFamily="34" charset="0"/>
-            </a:endParaRPr>
-          </a:p>
-          <a:p>
-            <a:r>
-              <a:rPr lang="en-US" sz="2400" dirty="0"/>
-              <a:t>David </a:t>
-            </a:r>
-            <a:r>
-              <a:rPr lang="en-US" sz="2400" dirty="0" smtClean="0"/>
-              <a:t>Quinlan, Kayla Martin, Lance </a:t>
-            </a:r>
-            <a:r>
-              <a:rPr lang="en-US" sz="2400" dirty="0"/>
-              <a:t>Martin</a:t>
-            </a:r>
-            <a:endParaRPr lang="en-US" sz="2100" dirty="0">
-              <a:latin typeface="Arial" panose="020B0604020202020204" pitchFamily="34" charset="0"/>
-              <a:ea typeface="Roboto" pitchFamily="2" charset="0"/>
-              <a:cs typeface="Arial" panose="020B0604020202020204" pitchFamily="34" charset="0"/>
-            </a:endParaRPr>
-          </a:p>
-          <a:p>
-            <a:r>
-              <a:rPr lang="en-US" sz="2100" b="1" dirty="0">
-                <a:latin typeface="Arial" panose="020B0604020202020204" pitchFamily="34" charset="0"/>
-                <a:ea typeface="Roboto" pitchFamily="2" charset="0"/>
-                <a:cs typeface="Arial" panose="020B0604020202020204" pitchFamily="34" charset="0"/>
-              </a:rPr>
-              <a:t>Team </a:t>
-            </a:r>
-            <a:r>
-              <a:rPr lang="en-US" sz="2100" b="1" dirty="0" smtClean="0">
-                <a:latin typeface="Arial" panose="020B0604020202020204" pitchFamily="34" charset="0"/>
-                <a:ea typeface="Roboto" pitchFamily="2" charset="0"/>
-                <a:cs typeface="Arial" panose="020B0604020202020204" pitchFamily="34" charset="0"/>
-              </a:rPr>
-              <a:t>#8</a:t>
-            </a:r>
-            <a:endParaRPr lang="en-US" sz="2100" b="1" dirty="0">
-              <a:latin typeface="Arial" panose="020B0604020202020204" pitchFamily="34" charset="0"/>
-              <a:ea typeface="Roboto" pitchFamily="2" charset="0"/>
-              <a:cs typeface="Arial" panose="020B0604020202020204" pitchFamily="34" charset="0"/>
-            </a:endParaRPr>
-          </a:p>
-          <a:p>
-            <a:r>
-              <a:rPr lang="en-US" sz="2400" dirty="0"/>
-              <a:t>Lisa </a:t>
-            </a:r>
-            <a:r>
-              <a:rPr lang="en-US" sz="2400" dirty="0" smtClean="0"/>
-              <a:t>Watkins, Megan King, Rhea Rivera</a:t>
-            </a:r>
-          </a:p>
-          <a:p>
-            <a:r>
-              <a:rPr lang="en-US" sz="2100" b="1" dirty="0">
-                <a:latin typeface="Arial" panose="020B0604020202020204" pitchFamily="34" charset="0"/>
-                <a:ea typeface="Roboto" pitchFamily="2" charset="0"/>
-                <a:cs typeface="Arial" panose="020B0604020202020204" pitchFamily="34" charset="0"/>
-              </a:rPr>
-              <a:t>Team </a:t>
-            </a:r>
-            <a:r>
-              <a:rPr lang="en-US" sz="2100" b="1" dirty="0" smtClean="0">
-                <a:latin typeface="Arial" panose="020B0604020202020204" pitchFamily="34" charset="0"/>
-                <a:ea typeface="Roboto" pitchFamily="2" charset="0"/>
-                <a:cs typeface="Arial" panose="020B0604020202020204" pitchFamily="34" charset="0"/>
-              </a:rPr>
-              <a:t>#9</a:t>
-            </a:r>
-          </a:p>
-          <a:p>
-            <a:r>
-              <a:rPr lang="en-US" sz="2400" dirty="0"/>
-              <a:t>Jack </a:t>
-            </a:r>
-            <a:r>
-              <a:rPr lang="en-US" sz="2400" dirty="0" smtClean="0"/>
-              <a:t>Walker, James </a:t>
-            </a:r>
-            <a:r>
-              <a:rPr lang="en-US" sz="2400" dirty="0" err="1" smtClean="0"/>
-              <a:t>Bazan</a:t>
-            </a:r>
-            <a:r>
-              <a:rPr lang="en-US" sz="2400" dirty="0" smtClean="0"/>
-              <a:t>, Justin </a:t>
-            </a:r>
-            <a:r>
-              <a:rPr lang="en-US" sz="2400" dirty="0"/>
-              <a:t>LeBlanc</a:t>
-            </a:r>
-            <a:endParaRPr lang="en-US" sz="2100" b="1" dirty="0">
-              <a:latin typeface="Arial" panose="020B0604020202020204" pitchFamily="34" charset="0"/>
-              <a:ea typeface="Roboto" pitchFamily="2" charset="0"/>
-              <a:cs typeface="Arial" panose="020B0604020202020204" pitchFamily="34" charset="0"/>
-            </a:endParaRPr>
-          </a:p>
-          <a:p>
-            <a:endParaRPr lang="en-US" sz="2100" dirty="0" smtClean="0">
-              <a:latin typeface="Arial" panose="020B0604020202020204" pitchFamily="34" charset="0"/>
-              <a:ea typeface="Roboto" pitchFamily="2" charset="0"/>
-              <a:cs typeface="Arial" panose="020B0604020202020204" pitchFamily="34" charset="0"/>
-            </a:endParaRPr>
+              <a:rPr lang="en-US" sz="4400" dirty="0" smtClean="0"/>
+              <a:t>“Code Companion”</a:t>
+            </a:r>
+            <a:endParaRPr lang="en-US" sz="4400" dirty="0"/>
           </a:p>
         </p:txBody>
       </p:sp>
     </p:spTree>
     <p:extLst>
       <p:ext uri="{BB962C8B-B14F-4D97-AF65-F5344CB8AC3E}">
-        <p14:creationId xmlns:p14="http://schemas.microsoft.com/office/powerpoint/2010/main" val="17340552"/>
+        <p14:creationId xmlns:p14="http://schemas.microsoft.com/office/powerpoint/2010/main" val="3315888371"/>
       </p:ext>
     </p:extLst>
   </p:cSld>
@@ -14280,21 +14963,128 @@
         </p:nvSpPr>
         <p:spPr/>
         <p:txBody>
-          <a:bodyPr/>
+          <a:bodyPr>
+            <a:normAutofit/>
+          </a:bodyPr>
           <a:lstStyle/>
           <a:p>
             <a:r>
               <a:rPr lang="en-US" dirty="0" smtClean="0"/>
-              <a:t>Task</a:t>
+              <a:t>How to use your Rubber Ducky</a:t>
             </a:r>
             <a:endParaRPr lang="en-US" dirty="0"/>
+          </a:p>
+        </p:txBody>
+      </p:sp>
+      <p:sp>
+        <p:nvSpPr>
+          <p:cNvPr id="6" name="TextBox 5"/>
+          <p:cNvSpPr txBox="1"/>
+          <p:nvPr/>
+        </p:nvSpPr>
+        <p:spPr>
+          <a:xfrm>
+            <a:off x="304800" y="914400"/>
+            <a:ext cx="8610600" cy="4478149"/>
+          </a:xfrm>
+          <a:prstGeom prst="rect">
+            <a:avLst/>
+          </a:prstGeom>
+          <a:noFill/>
+        </p:spPr>
+        <p:txBody>
+          <a:bodyPr wrap="square" rtlCol="0">
+            <a:spAutoFit/>
+          </a:bodyPr>
+          <a:lstStyle/>
+          <a:p>
+            <a:r>
+              <a:rPr lang="en-US" sz="2100" b="1" u="sng" dirty="0" smtClean="0">
+                <a:latin typeface="Arial" panose="020B0604020202020204" pitchFamily="34" charset="0"/>
+                <a:ea typeface="Roboto" pitchFamily="2" charset="0"/>
+                <a:cs typeface="Arial" panose="020B0604020202020204" pitchFamily="34" charset="0"/>
+              </a:rPr>
+              <a:t>Procedure:</a:t>
+            </a:r>
+          </a:p>
+          <a:p>
+            <a:r>
+              <a:rPr lang="en-US" sz="2400" b="1" dirty="0"/>
+              <a:t>Step 1) </a:t>
+            </a:r>
+            <a:r>
+              <a:rPr lang="en-US" sz="2400" dirty="0"/>
+              <a:t>Beg, borrow, steal, buy, fabricate or otherwise obtain a rubber duck (bathtub variety)</a:t>
+            </a:r>
+          </a:p>
+          <a:p>
+            <a:r>
+              <a:rPr lang="en-US" sz="2400" b="1" dirty="0"/>
+              <a:t>Step 2) </a:t>
+            </a:r>
+            <a:r>
+              <a:rPr lang="en-US" sz="2400" dirty="0"/>
+              <a:t>Place rubber duck on desk and inform it you are just going to go over some code with it, if that's all right.</a:t>
+            </a:r>
+          </a:p>
+          <a:p>
+            <a:r>
+              <a:rPr lang="en-US" sz="2400" b="1" dirty="0"/>
+              <a:t>Step 3) </a:t>
+            </a:r>
+            <a:r>
+              <a:rPr lang="en-US" sz="2400" dirty="0"/>
+              <a:t>Explain to the duck what your code is supposed to do, and then go into detail and explain your code line by line</a:t>
+            </a:r>
+          </a:p>
+          <a:p>
+            <a:r>
+              <a:rPr lang="en-US" sz="2400" b="1" dirty="0"/>
+              <a:t>Step 4) </a:t>
+            </a:r>
+            <a:r>
+              <a:rPr lang="en-US" sz="2400" dirty="0"/>
+              <a:t>At some point you will tell the duck what you are doing next and then </a:t>
+            </a:r>
+            <a:r>
+              <a:rPr lang="en-US" sz="2400" dirty="0" smtClean="0"/>
+              <a:t>realize </a:t>
+            </a:r>
+            <a:r>
+              <a:rPr lang="en-US" sz="2400" dirty="0"/>
+              <a:t>that that is not in fact what you are actually doing</a:t>
+            </a:r>
+            <a:r>
+              <a:rPr lang="en-US" sz="2400" dirty="0" smtClean="0"/>
+              <a:t>.</a:t>
+            </a:r>
+          </a:p>
+          <a:p>
+            <a:endParaRPr lang="en-US" sz="2400" dirty="0"/>
+          </a:p>
+          <a:p>
+            <a:r>
+              <a:rPr lang="en-US" sz="2400" dirty="0"/>
+              <a:t>Source: http://</a:t>
+            </a:r>
+            <a:r>
+              <a:rPr lang="en-US" sz="2400" dirty="0" err="1"/>
+              <a:t>www.rubberduckdebugging.com</a:t>
+            </a:r>
+            <a:r>
+              <a:rPr lang="en-US" sz="2400" dirty="0"/>
+              <a:t>/</a:t>
+            </a:r>
+          </a:p>
+          <a:p>
+            <a:endParaRPr lang="en-US" sz="2400" dirty="0"/>
           </a:p>
         </p:txBody>
       </p:sp>
     </p:spTree>
     <p:extLst>
       <p:ext uri="{BB962C8B-B14F-4D97-AF65-F5344CB8AC3E}">
-        <p14:creationId xmlns:p14="http://schemas.microsoft.com/office/powerpoint/2010/main" val="1097347792"/>
+        <p14:creationId xmlns:p14="http://schemas.microsoft.com/office/powerpoint/2010/main" val="313664961"/>
       </p:ext>
     </p:extLst>
   </p:cSld>
